--- a/Apresentacao/webclinica.pptx
+++ b/Apresentacao/webclinica.pptx
@@ -2,20 +2,26 @@
 <file path=ppt/presentation.xml><?xml version="1.0" encoding="utf-8"?>
 <p:presentation xmlns:a="http://schemas.openxmlformats.org/drawingml/2006/main" xmlns:r="http://schemas.openxmlformats.org/officeDocument/2006/relationships" xmlns:p="http://schemas.openxmlformats.org/presentationml/2006/main" showSpecialPlsOnTitleSld="0" saveSubsetFonts="1">
   <p:sldMasterIdLst>
-    <p:sldMasterId id="2147483744" r:id="rId1"/>
+    <p:sldMasterId id="2147483792" r:id="rId1"/>
   </p:sldMasterIdLst>
   <p:notesMasterIdLst>
-    <p:notesMasterId r:id="rId10"/>
+    <p:notesMasterId r:id="rId16"/>
   </p:notesMasterIdLst>
   <p:sldIdLst>
     <p:sldId id="256" r:id="rId2"/>
-    <p:sldId id="257" r:id="rId3"/>
-    <p:sldId id="258" r:id="rId4"/>
-    <p:sldId id="259" r:id="rId5"/>
-    <p:sldId id="261" r:id="rId6"/>
-    <p:sldId id="262" r:id="rId7"/>
-    <p:sldId id="263" r:id="rId8"/>
-    <p:sldId id="260" r:id="rId9"/>
+    <p:sldId id="261" r:id="rId3"/>
+    <p:sldId id="260" r:id="rId4"/>
+    <p:sldId id="262" r:id="rId5"/>
+    <p:sldId id="263" r:id="rId6"/>
+    <p:sldId id="266" r:id="rId7"/>
+    <p:sldId id="264" r:id="rId8"/>
+    <p:sldId id="265" r:id="rId9"/>
+    <p:sldId id="267" r:id="rId10"/>
+    <p:sldId id="268" r:id="rId11"/>
+    <p:sldId id="269" r:id="rId12"/>
+    <p:sldId id="270" r:id="rId13"/>
+    <p:sldId id="271" r:id="rId14"/>
+    <p:sldId id="272" r:id="rId15"/>
   </p:sldIdLst>
   <p:sldSz cx="9144000" cy="6858000" type="screen4x3"/>
   <p:notesSz cx="6858000" cy="9144000"/>
@@ -199,7 +205,7 @@
           <a:p>
             <a:fld id="{630E56B2-E382-4573-A05F-25B8785F9A46}" type="datetimeFigureOut">
               <a:rPr lang="pt-BR" smtClean="0"/>
-              <a:t>19/03/2014</a:t>
+              <a:t>25/03/2014</a:t>
             </a:fld>
             <a:endParaRPr lang="pt-BR"/>
           </a:p>
@@ -512,12 +518,12 @@
           <a:lstStyle/>
           <a:p>
             <a:r>
-              <a:rPr lang="pt-BR" baseline="0" smtClean="0"/>
-              <a:t>O nome </a:t>
+              <a:rPr lang="pt-BR" dirty="0" smtClean="0"/>
+              <a:t>Boa</a:t>
             </a:r>
             <a:r>
               <a:rPr lang="pt-BR" baseline="0" dirty="0" smtClean="0"/>
-              <a:t>do trabalho é WebClínica (não falar a introdução)</a:t>
+              <a:t> tarde, eu sou Tuane Quintella e hoje vou apresentar o meu trabalho de conclusão de curso, o WebClínica. </a:t>
             </a:r>
             <a:endParaRPr lang="pt-BR" dirty="0"/>
           </a:p>
@@ -550,6 +556,388 @@
     <p:extLst>
       <p:ext uri="{BB962C8B-B14F-4D97-AF65-F5344CB8AC3E}">
         <p14:creationId xmlns:p14="http://schemas.microsoft.com/office/powerpoint/2010/main" val="1512730786"/>
+      </p:ext>
+    </p:extLst>
+  </p:cSld>
+  <p:clrMapOvr>
+    <a:masterClrMapping/>
+  </p:clrMapOvr>
+</p:notes>
+</file>
+
+<file path=ppt/notesSlides/notesSlide10.xml><?xml version="1.0" encoding="utf-8"?>
+<p:notes xmlns:a="http://schemas.openxmlformats.org/drawingml/2006/main" xmlns:r="http://schemas.openxmlformats.org/officeDocument/2006/relationships" xmlns:p="http://schemas.openxmlformats.org/presentationml/2006/main">
+  <p:cSld>
+    <p:spTree>
+      <p:nvGrpSpPr>
+        <p:cNvPr id="1" name=""/>
+        <p:cNvGrpSpPr/>
+        <p:nvPr/>
+      </p:nvGrpSpPr>
+      <p:grpSpPr>
+        <a:xfrm>
+          <a:off x="0" y="0"/>
+          <a:ext cx="0" cy="0"/>
+          <a:chOff x="0" y="0"/>
+          <a:chExt cx="0" cy="0"/>
+        </a:xfrm>
+      </p:grpSpPr>
+      <p:sp>
+        <p:nvSpPr>
+          <p:cNvPr id="2" name="Slide Image Placeholder 1"/>
+          <p:cNvSpPr>
+            <a:spLocks noGrp="1" noRot="1" noChangeAspect="1"/>
+          </p:cNvSpPr>
+          <p:nvPr>
+            <p:ph type="sldImg"/>
+          </p:nvPr>
+        </p:nvSpPr>
+        <p:spPr/>
+      </p:sp>
+      <p:sp>
+        <p:nvSpPr>
+          <p:cNvPr id="3" name="Notes Placeholder 2"/>
+          <p:cNvSpPr>
+            <a:spLocks noGrp="1"/>
+          </p:cNvSpPr>
+          <p:nvPr>
+            <p:ph type="body" idx="1"/>
+          </p:nvPr>
+        </p:nvSpPr>
+        <p:spPr/>
+        <p:txBody>
+          <a:bodyPr/>
+          <a:lstStyle/>
+          <a:p>
+            <a:r>
+              <a:rPr lang="pt-BR" dirty="0" smtClean="0"/>
+              <a:t>Para validar o objetivo</a:t>
+            </a:r>
+            <a:r>
+              <a:rPr lang="pt-BR" baseline="0" dirty="0" smtClean="0"/>
+              <a:t> incial do trabalho, foi feita, então, a validação com 2 cenários.</a:t>
+            </a:r>
+          </a:p>
+          <a:p>
+            <a:r>
+              <a:rPr lang="pt-BR" baseline="0" dirty="0" smtClean="0"/>
+              <a:t>[ler / explicar]</a:t>
+            </a:r>
+            <a:endParaRPr lang="pt-BR" dirty="0"/>
+          </a:p>
+        </p:txBody>
+      </p:sp>
+      <p:sp>
+        <p:nvSpPr>
+          <p:cNvPr id="4" name="Slide Number Placeholder 3"/>
+          <p:cNvSpPr>
+            <a:spLocks noGrp="1"/>
+          </p:cNvSpPr>
+          <p:nvPr>
+            <p:ph type="sldNum" sz="quarter" idx="10"/>
+          </p:nvPr>
+        </p:nvSpPr>
+        <p:spPr/>
+        <p:txBody>
+          <a:bodyPr/>
+          <a:lstStyle/>
+          <a:p>
+            <a:fld id="{F576F63A-A8DB-4183-85C6-5B0CDC40B68B}" type="slidenum">
+              <a:rPr lang="pt-BR" smtClean="0"/>
+              <a:t>10</a:t>
+            </a:fld>
+            <a:endParaRPr lang="pt-BR"/>
+          </a:p>
+        </p:txBody>
+      </p:sp>
+    </p:spTree>
+    <p:extLst>
+      <p:ext uri="{BB962C8B-B14F-4D97-AF65-F5344CB8AC3E}">
+        <p14:creationId xmlns:p14="http://schemas.microsoft.com/office/powerpoint/2010/main" val="3963665084"/>
+      </p:ext>
+    </p:extLst>
+  </p:cSld>
+  <p:clrMapOvr>
+    <a:masterClrMapping/>
+  </p:clrMapOvr>
+</p:notes>
+</file>
+
+<file path=ppt/notesSlides/notesSlide11.xml><?xml version="1.0" encoding="utf-8"?>
+<p:notes xmlns:a="http://schemas.openxmlformats.org/drawingml/2006/main" xmlns:r="http://schemas.openxmlformats.org/officeDocument/2006/relationships" xmlns:p="http://schemas.openxmlformats.org/presentationml/2006/main">
+  <p:cSld>
+    <p:spTree>
+      <p:nvGrpSpPr>
+        <p:cNvPr id="1" name=""/>
+        <p:cNvGrpSpPr/>
+        <p:nvPr/>
+      </p:nvGrpSpPr>
+      <p:grpSpPr>
+        <a:xfrm>
+          <a:off x="0" y="0"/>
+          <a:ext cx="0" cy="0"/>
+          <a:chOff x="0" y="0"/>
+          <a:chExt cx="0" cy="0"/>
+        </a:xfrm>
+      </p:grpSpPr>
+      <p:sp>
+        <p:nvSpPr>
+          <p:cNvPr id="2" name="Slide Image Placeholder 1"/>
+          <p:cNvSpPr>
+            <a:spLocks noGrp="1" noRot="1" noChangeAspect="1"/>
+          </p:cNvSpPr>
+          <p:nvPr>
+            <p:ph type="sldImg"/>
+          </p:nvPr>
+        </p:nvSpPr>
+        <p:spPr/>
+      </p:sp>
+      <p:sp>
+        <p:nvSpPr>
+          <p:cNvPr id="3" name="Notes Placeholder 2"/>
+          <p:cNvSpPr>
+            <a:spLocks noGrp="1"/>
+          </p:cNvSpPr>
+          <p:nvPr>
+            <p:ph type="body" idx="1"/>
+          </p:nvPr>
+        </p:nvSpPr>
+        <p:spPr/>
+        <p:txBody>
+          <a:bodyPr/>
+          <a:lstStyle/>
+          <a:p>
+            <a:r>
+              <a:rPr lang="pt-BR" dirty="0" smtClean="0"/>
+              <a:t>Dessa validação pude obter os seguintes resultados</a:t>
+            </a:r>
+          </a:p>
+          <a:p>
+            <a:r>
+              <a:rPr lang="pt-BR" dirty="0" smtClean="0"/>
+              <a:t>[ler</a:t>
+            </a:r>
+            <a:r>
+              <a:rPr lang="pt-BR" baseline="0" dirty="0" smtClean="0"/>
+              <a:t> / explicar]</a:t>
+            </a:r>
+            <a:endParaRPr lang="pt-BR" dirty="0"/>
+          </a:p>
+        </p:txBody>
+      </p:sp>
+      <p:sp>
+        <p:nvSpPr>
+          <p:cNvPr id="4" name="Slide Number Placeholder 3"/>
+          <p:cNvSpPr>
+            <a:spLocks noGrp="1"/>
+          </p:cNvSpPr>
+          <p:nvPr>
+            <p:ph type="sldNum" sz="quarter" idx="10"/>
+          </p:nvPr>
+        </p:nvSpPr>
+        <p:spPr/>
+        <p:txBody>
+          <a:bodyPr/>
+          <a:lstStyle/>
+          <a:p>
+            <a:fld id="{F576F63A-A8DB-4183-85C6-5B0CDC40B68B}" type="slidenum">
+              <a:rPr lang="pt-BR" smtClean="0"/>
+              <a:t>11</a:t>
+            </a:fld>
+            <a:endParaRPr lang="pt-BR"/>
+          </a:p>
+        </p:txBody>
+      </p:sp>
+    </p:spTree>
+    <p:extLst>
+      <p:ext uri="{BB962C8B-B14F-4D97-AF65-F5344CB8AC3E}">
+        <p14:creationId xmlns:p14="http://schemas.microsoft.com/office/powerpoint/2010/main" val="250169671"/>
+      </p:ext>
+    </p:extLst>
+  </p:cSld>
+  <p:clrMapOvr>
+    <a:masterClrMapping/>
+  </p:clrMapOvr>
+</p:notes>
+</file>
+
+<file path=ppt/notesSlides/notesSlide12.xml><?xml version="1.0" encoding="utf-8"?>
+<p:notes xmlns:a="http://schemas.openxmlformats.org/drawingml/2006/main" xmlns:r="http://schemas.openxmlformats.org/officeDocument/2006/relationships" xmlns:p="http://schemas.openxmlformats.org/presentationml/2006/main">
+  <p:cSld>
+    <p:spTree>
+      <p:nvGrpSpPr>
+        <p:cNvPr id="1" name=""/>
+        <p:cNvGrpSpPr/>
+        <p:nvPr/>
+      </p:nvGrpSpPr>
+      <p:grpSpPr>
+        <a:xfrm>
+          <a:off x="0" y="0"/>
+          <a:ext cx="0" cy="0"/>
+          <a:chOff x="0" y="0"/>
+          <a:chExt cx="0" cy="0"/>
+        </a:xfrm>
+      </p:grpSpPr>
+      <p:sp>
+        <p:nvSpPr>
+          <p:cNvPr id="2" name="Slide Image Placeholder 1"/>
+          <p:cNvSpPr>
+            <a:spLocks noGrp="1" noRot="1" noChangeAspect="1"/>
+          </p:cNvSpPr>
+          <p:nvPr>
+            <p:ph type="sldImg"/>
+          </p:nvPr>
+        </p:nvSpPr>
+        <p:spPr/>
+      </p:sp>
+      <p:sp>
+        <p:nvSpPr>
+          <p:cNvPr id="3" name="Notes Placeholder 2"/>
+          <p:cNvSpPr>
+            <a:spLocks noGrp="1"/>
+          </p:cNvSpPr>
+          <p:nvPr>
+            <p:ph type="body" idx="1"/>
+          </p:nvPr>
+        </p:nvSpPr>
+        <p:spPr/>
+        <p:txBody>
+          <a:bodyPr/>
+          <a:lstStyle/>
+          <a:p>
+            <a:r>
+              <a:rPr lang="pt-BR" dirty="0" smtClean="0"/>
+              <a:t>Ao final,</a:t>
+            </a:r>
+            <a:r>
+              <a:rPr lang="pt-BR" baseline="0" dirty="0" smtClean="0"/>
+              <a:t> foi calculado que o [1].</a:t>
+            </a:r>
+          </a:p>
+          <a:p>
+            <a:r>
+              <a:rPr lang="pt-BR" baseline="0" dirty="0" smtClean="0"/>
+              <a:t>E assim pude concluir que o objetivo do trabalho foi atingido com sucesso.</a:t>
+            </a:r>
+            <a:endParaRPr lang="pt-BR" dirty="0"/>
+          </a:p>
+        </p:txBody>
+      </p:sp>
+      <p:sp>
+        <p:nvSpPr>
+          <p:cNvPr id="4" name="Slide Number Placeholder 3"/>
+          <p:cNvSpPr>
+            <a:spLocks noGrp="1"/>
+          </p:cNvSpPr>
+          <p:nvPr>
+            <p:ph type="sldNum" sz="quarter" idx="10"/>
+          </p:nvPr>
+        </p:nvSpPr>
+        <p:spPr/>
+        <p:txBody>
+          <a:bodyPr/>
+          <a:lstStyle/>
+          <a:p>
+            <a:fld id="{F576F63A-A8DB-4183-85C6-5B0CDC40B68B}" type="slidenum">
+              <a:rPr lang="pt-BR" smtClean="0"/>
+              <a:t>12</a:t>
+            </a:fld>
+            <a:endParaRPr lang="pt-BR"/>
+          </a:p>
+        </p:txBody>
+      </p:sp>
+    </p:spTree>
+    <p:extLst>
+      <p:ext uri="{BB962C8B-B14F-4D97-AF65-F5344CB8AC3E}">
+        <p14:creationId xmlns:p14="http://schemas.microsoft.com/office/powerpoint/2010/main" val="552282113"/>
+      </p:ext>
+    </p:extLst>
+  </p:cSld>
+  <p:clrMapOvr>
+    <a:masterClrMapping/>
+  </p:clrMapOvr>
+</p:notes>
+</file>
+
+<file path=ppt/notesSlides/notesSlide13.xml><?xml version="1.0" encoding="utf-8"?>
+<p:notes xmlns:a="http://schemas.openxmlformats.org/drawingml/2006/main" xmlns:r="http://schemas.openxmlformats.org/officeDocument/2006/relationships" xmlns:p="http://schemas.openxmlformats.org/presentationml/2006/main">
+  <p:cSld>
+    <p:spTree>
+      <p:nvGrpSpPr>
+        <p:cNvPr id="1" name=""/>
+        <p:cNvGrpSpPr/>
+        <p:nvPr/>
+      </p:nvGrpSpPr>
+      <p:grpSpPr>
+        <a:xfrm>
+          <a:off x="0" y="0"/>
+          <a:ext cx="0" cy="0"/>
+          <a:chOff x="0" y="0"/>
+          <a:chExt cx="0" cy="0"/>
+        </a:xfrm>
+      </p:grpSpPr>
+      <p:sp>
+        <p:nvSpPr>
+          <p:cNvPr id="2" name="Slide Image Placeholder 1"/>
+          <p:cNvSpPr>
+            <a:spLocks noGrp="1" noRot="1" noChangeAspect="1"/>
+          </p:cNvSpPr>
+          <p:nvPr>
+            <p:ph type="sldImg"/>
+          </p:nvPr>
+        </p:nvSpPr>
+        <p:spPr/>
+      </p:sp>
+      <p:sp>
+        <p:nvSpPr>
+          <p:cNvPr id="3" name="Notes Placeholder 2"/>
+          <p:cNvSpPr>
+            <a:spLocks noGrp="1"/>
+          </p:cNvSpPr>
+          <p:nvPr>
+            <p:ph type="body" idx="1"/>
+          </p:nvPr>
+        </p:nvSpPr>
+        <p:spPr/>
+        <p:txBody>
+          <a:bodyPr/>
+          <a:lstStyle/>
+          <a:p>
+            <a:r>
+              <a:rPr lang="pt-BR" dirty="0" smtClean="0"/>
+              <a:t>Vamos para a demonstração.</a:t>
+            </a:r>
+            <a:endParaRPr lang="pt-BR" dirty="0"/>
+          </a:p>
+        </p:txBody>
+      </p:sp>
+      <p:sp>
+        <p:nvSpPr>
+          <p:cNvPr id="4" name="Slide Number Placeholder 3"/>
+          <p:cNvSpPr>
+            <a:spLocks noGrp="1"/>
+          </p:cNvSpPr>
+          <p:nvPr>
+            <p:ph type="sldNum" sz="quarter" idx="10"/>
+          </p:nvPr>
+        </p:nvSpPr>
+        <p:spPr/>
+        <p:txBody>
+          <a:bodyPr/>
+          <a:lstStyle/>
+          <a:p>
+            <a:fld id="{F576F63A-A8DB-4183-85C6-5B0CDC40B68B}" type="slidenum">
+              <a:rPr lang="pt-BR" smtClean="0"/>
+              <a:t>13</a:t>
+            </a:fld>
+            <a:endParaRPr lang="pt-BR"/>
+          </a:p>
+        </p:txBody>
+      </p:sp>
+    </p:spTree>
+    <p:extLst>
+      <p:ext uri="{BB962C8B-B14F-4D97-AF65-F5344CB8AC3E}">
+        <p14:creationId xmlns:p14="http://schemas.microsoft.com/office/powerpoint/2010/main" val="2824463251"/>
       </p:ext>
     </p:extLst>
   </p:cSld>
@@ -605,13 +993,30 @@
           <a:p>
             <a:r>
               <a:rPr lang="pt-BR" dirty="0" smtClean="0"/>
-              <a:t>Este</a:t>
+              <a:t>Vou</a:t>
             </a:r>
             <a:r>
               <a:rPr lang="pt-BR" baseline="0" dirty="0" smtClean="0"/>
-              <a:t> trabalho de conclusão de curso vai ser a informatização de uma clínica médica pediátrica. Para isso será desenvolvido um sistema web de gerenciamento de clínica.</a:t>
-            </a:r>
-            <a:endParaRPr lang="pt-BR" dirty="0"/>
+              <a:t> começar com uma breve introdução, contextualizando o cenário estudado, falando dos problemas e o objetivo do trabalho e apresentando a solução proposta.</a:t>
+            </a:r>
+          </a:p>
+          <a:p>
+            <a:r>
+              <a:rPr lang="pt-BR" baseline="0" dirty="0" smtClean="0"/>
+              <a:t>Em um segundo momento vou falar mais detalhadamente sobre a solução desenvolvida, o sistema WebClínica, sua arquitetura e funcionalidades.</a:t>
+            </a:r>
+          </a:p>
+          <a:p>
+            <a:r>
+              <a:rPr lang="pt-BR" baseline="0" dirty="0" smtClean="0"/>
+              <a:t>Na sequência vou mostrar como o objetivo do trabalho foi validado e quais resultados foram obtidos dessa validação, depois vou apresentar uma pequena conclusão.</a:t>
+            </a:r>
+          </a:p>
+          <a:p>
+            <a:r>
+              <a:rPr lang="pt-BR" baseline="0" dirty="0" smtClean="0"/>
+              <a:t>E pra finalizar farei a demonstração da solução desenvolvida.</a:t>
+            </a:r>
           </a:p>
         </p:txBody>
       </p:sp>
@@ -641,7 +1046,7 @@
     </p:spTree>
     <p:extLst>
       <p:ext uri="{BB962C8B-B14F-4D97-AF65-F5344CB8AC3E}">
-        <p14:creationId xmlns:p14="http://schemas.microsoft.com/office/powerpoint/2010/main" val="2676250124"/>
+        <p14:creationId xmlns:p14="http://schemas.microsoft.com/office/powerpoint/2010/main" val="2298472967"/>
       </p:ext>
     </p:extLst>
   </p:cSld>
@@ -697,17 +1102,17 @@
           <a:p>
             <a:r>
               <a:rPr lang="pt-BR" dirty="0" smtClean="0"/>
-              <a:t>A clínica Crescere funciona</a:t>
+              <a:t>A</a:t>
             </a:r>
             <a:r>
               <a:rPr lang="pt-BR" baseline="0" dirty="0" smtClean="0"/>
-              <a:t> quase que completamente com processos manuais atualmente, o que causa uma lentidão no seu funcionamento, principalmente nas buscas de fichas de pacientes.</a:t>
+              <a:t> clínica analisada para esse trabalho conta com 4 médicos e 1 secretária, e hoje todos os processos internos da clínica são realizados de forma manual.</a:t>
             </a:r>
           </a:p>
           <a:p>
             <a:r>
               <a:rPr lang="pt-BR" baseline="0" dirty="0" smtClean="0"/>
-              <a:t>Então, o objetivo desse trabalho será reduzir o tempo de busca por fichas de pacientes.</a:t>
+              <a:t>Então, hoje as fichas de pacientes são guardadas em pastas numeradas ou fichas de papel soltas, a secretária agenda as consultas para os médicos a lápis em agendas de papel, para a execução das consultas a secretária tem que separar os prontuários dos pacientes e o médico leva pra sua mesa para preencher a consulta a mão. No final do mês eles precisam gerar um relatório das consultas realizadas para os convênios realizarem pagamento dos médicos e etc.</a:t>
             </a:r>
           </a:p>
         </p:txBody>
@@ -738,7 +1143,7 @@
     </p:spTree>
     <p:extLst>
       <p:ext uri="{BB962C8B-B14F-4D97-AF65-F5344CB8AC3E}">
-        <p14:creationId xmlns:p14="http://schemas.microsoft.com/office/powerpoint/2010/main" val="3352862416"/>
+        <p14:creationId xmlns:p14="http://schemas.microsoft.com/office/powerpoint/2010/main" val="1265880603"/>
       </p:ext>
     </p:extLst>
   </p:cSld>
@@ -793,14 +1198,15 @@
           <a:lstStyle/>
           <a:p>
             <a:r>
-              <a:rPr lang="pt-BR" dirty="0" smtClean="0"/>
-              <a:t>Para a realização desse trabalho foi</a:t>
-            </a:r>
-            <a:r>
               <a:rPr lang="pt-BR" baseline="0" dirty="0" smtClean="0"/>
-              <a:t> realizada uma etapa de projeto, onde foram desenvolvidos uma especificação e análise de requisitos, um backlog de produto baseado nesses requisitos e um diagrama de arquitetura para esquematizar o sistema a ser desenvolvido.</a:t>
-            </a:r>
-            <a:endParaRPr lang="pt-BR" dirty="0"/>
+              <a:t>Nesse cenário atual dos processos manuais pôde-se observar a desorganização de documentos e informações, sobrecarga da secretária e falta de eficiência, que acarretam em problemas como perda de infomações dos pacientes ou das consultas, grande custo quando o médico quer extrair alguma informação dos prontuários dos pacientes pois é mto demorado e cansativo para analisar ficha por ficha, e principalmente um grande desperdício de tempo para buscar os prontuários dos pacientes, pois a secretária precisa procurar o número da pasta, se o paciente tiver pasta, procurá-la na estante, se não ela ainda tem que procurar nas pastas de fichas soltas ou no arquivo morto.</a:t>
+            </a:r>
+          </a:p>
+          <a:p>
+            <a:r>
+              <a:rPr lang="pt-BR" baseline="0" dirty="0" smtClean="0"/>
+              <a:t>Por isso, o objetivo deste trabalho foi reduzir o tempo de busca pelos prontuários dos pacientes.</a:t>
+            </a:r>
           </a:p>
         </p:txBody>
       </p:sp>
@@ -830,7 +1236,7 @@
     </p:spTree>
     <p:extLst>
       <p:ext uri="{BB962C8B-B14F-4D97-AF65-F5344CB8AC3E}">
-        <p14:creationId xmlns:p14="http://schemas.microsoft.com/office/powerpoint/2010/main" val="1629765356"/>
+        <p14:creationId xmlns:p14="http://schemas.microsoft.com/office/powerpoint/2010/main" val="3110873693"/>
       </p:ext>
     </p:extLst>
   </p:cSld>
@@ -886,74 +1292,11 @@
           <a:p>
             <a:r>
               <a:rPr lang="pt-BR" dirty="0" smtClean="0"/>
-              <a:t>Como</a:t>
+              <a:t>Para isso, foi proposto, então, o desenvolvimento do</a:t>
             </a:r>
             <a:r>
               <a:rPr lang="pt-BR" baseline="0" dirty="0" smtClean="0"/>
-              <a:t> dito, será desenvolvido um sistema web para gerenciamento da clínica. A tecnologia escolhida foi Ruby on Rails.</a:t>
-            </a:r>
-          </a:p>
-          <a:p>
-            <a:r>
-              <a:rPr lang="pt-BR" dirty="0" smtClean="0"/>
-              <a:t>Este diagrama mostra a arquitetura completa do sistema, incluindo:</a:t>
-            </a:r>
-          </a:p>
-          <a:p>
-            <a:pPr marL="228600" indent="-228600">
-              <a:buAutoNum type="arabicParenR"/>
-            </a:pPr>
-            <a:r>
-              <a:rPr lang="pt-BR" baseline="0" dirty="0" smtClean="0"/>
-              <a:t>Os </a:t>
-            </a:r>
-            <a:r>
-              <a:rPr lang="pt-BR" dirty="0" smtClean="0"/>
-              <a:t>usuários com</a:t>
-            </a:r>
-            <a:r>
-              <a:rPr lang="pt-BR" baseline="0" dirty="0" smtClean="0"/>
-              <a:t> os perfis existentes: Médico profissional da clínica, Secretária da clínica e Administrador</a:t>
-            </a:r>
-            <a:r>
-              <a:rPr lang="pt-BR" dirty="0" smtClean="0"/>
-              <a:t> do sistema</a:t>
-            </a:r>
-          </a:p>
-          <a:p>
-            <a:pPr marL="228600" indent="-228600">
-              <a:buAutoNum type="arabicParenR"/>
-            </a:pPr>
-            <a:r>
-              <a:rPr lang="pt-BR" baseline="0" dirty="0" smtClean="0"/>
-              <a:t>A interface web do usuário basicamente baseada em páginas HTML, estilos CSS e funcionalidades JavaScript</a:t>
-            </a:r>
-          </a:p>
-          <a:p>
-            <a:pPr marL="228600" indent="-228600">
-              <a:buAutoNum type="arabicParenR"/>
-            </a:pPr>
-            <a:r>
-              <a:rPr lang="pt-BR" baseline="0" dirty="0" smtClean="0"/>
-              <a:t>As entidades externas com as quais o sistema fará algum tipo de integração ou utilizará algum tipo de serviço</a:t>
-            </a:r>
-          </a:p>
-          <a:p>
-            <a:pPr marL="228600" indent="-228600">
-              <a:buAutoNum type="arabicParenR"/>
-            </a:pPr>
-            <a:r>
-              <a:rPr lang="pt-BR" baseline="0" dirty="0" smtClean="0"/>
-              <a:t>Os módulos do sistema, descrevendo suas funcionalidades – com as Gems do Ruby on Rails dentro, que serão utilizadas para implementar essas funcionalidades</a:t>
-            </a:r>
-          </a:p>
-          <a:p>
-            <a:pPr marL="228600" indent="-228600">
-              <a:buAutoNum type="arabicParenR"/>
-            </a:pPr>
-            <a:r>
-              <a:rPr lang="pt-BR" baseline="0" dirty="0" smtClean="0"/>
-              <a:t>E o banco de dados para armazenamento de todas as informações</a:t>
+              <a:t> WebClínica, um sistema Web para gestão de clínica médica, que é basicamente um software com funcionalidades que substituem e simplificam os processos da clínica.</a:t>
             </a:r>
             <a:endParaRPr lang="pt-BR" dirty="0"/>
           </a:p>
@@ -985,7 +1328,7 @@
     </p:spTree>
     <p:extLst>
       <p:ext uri="{BB962C8B-B14F-4D97-AF65-F5344CB8AC3E}">
-        <p14:creationId xmlns:p14="http://schemas.microsoft.com/office/powerpoint/2010/main" val="1880859382"/>
+        <p14:creationId xmlns:p14="http://schemas.microsoft.com/office/powerpoint/2010/main" val="2128084457"/>
       </p:ext>
     </p:extLst>
   </p:cSld>
@@ -1041,70 +1384,57 @@
           <a:p>
             <a:r>
               <a:rPr lang="pt-BR" dirty="0" smtClean="0"/>
-              <a:t>Então temos aqui:</a:t>
-            </a:r>
-          </a:p>
-          <a:p>
-            <a:pPr marL="228600" indent="-228600">
-              <a:buAutoNum type="arabicParenR"/>
-            </a:pPr>
+              <a:t>O WebClínica</a:t>
+            </a:r>
             <a:r>
               <a:rPr lang="pt-BR" baseline="0" dirty="0" smtClean="0"/>
-              <a:t>O módulo de autenticação e autorização, utilizando Sorcery e Cancan. Esse módulo é responsável por criar as sessões de usuários, validar a autenticação e controlar as autorizações do usuário. Como a autorização é orientada a recursos, os fluxos de todos os módulos passam por essa “camada” de autorização.</a:t>
-            </a:r>
-          </a:p>
-          <a:p>
-            <a:pPr marL="228600" indent="-228600">
-              <a:buAutoNum type="arabicParenR"/>
-            </a:pPr>
+              <a:t> foi projetado para ter as seguintes funcionalidades: </a:t>
+            </a:r>
+          </a:p>
+          <a:p>
             <a:r>
               <a:rPr lang="pt-BR" baseline="0" dirty="0" smtClean="0"/>
-              <a:t>O módulo de gerenciar usuários, responsável pela criação, alteração e exclusão de usuários Administradores, Médicos e Secretárias no sistema. Esse módulo utiliza o módulo de envio de e-mails para enviar instruções e o link de alteração de senha (autenticação via token).</a:t>
-            </a:r>
-          </a:p>
-          <a:p>
-            <a:pPr marL="228600" indent="-228600">
-              <a:buAutoNum type="arabicParenR"/>
-            </a:pPr>
+              <a:t>[1] Para que os funcionários da clínica entrem no sistema e tenham acesso às funcionalidades que entram no seu perfil (Médico, Secretária ou Administrador)</a:t>
+            </a:r>
+          </a:p>
+          <a:p>
             <a:r>
               <a:rPr lang="pt-BR" baseline="0" dirty="0" smtClean="0"/>
-              <a:t>O módulo de gerenciar anotações, ou também apelidado de “Bloquinhos de Notas”, será responsável por manter as anotações e recados de cada usuário, para si mesmo ou para outros usuários do sistema</a:t>
-            </a:r>
-          </a:p>
-          <a:p>
-            <a:pPr marL="228600" indent="-228600">
-              <a:buAutoNum type="arabicParenR"/>
-            </a:pPr>
+              <a:t>[2] Que, a longo prazo, poderia substituir as fichas em papel.</a:t>
+            </a:r>
+          </a:p>
+          <a:p>
             <a:r>
               <a:rPr lang="pt-BR" baseline="0" dirty="0" smtClean="0"/>
-              <a:t>O módulo de gerenciar pagamentos, ou “Agendas Financeiras”, será onde os usuários poderão adicionar, alterar ou remover registros de pagamentos a efetuar ou efetuados, a receber ou recebidos, terá um interface de agenda</a:t>
-            </a:r>
-          </a:p>
-          <a:p>
-            <a:pPr marL="228600" indent="-228600">
-              <a:buAutoNum type="arabicParenR"/>
-            </a:pPr>
+              <a:t>[3] Que é uma busca que não só procura pelo nome do paciente de acordo com o que o usuário digitou, mas tbm utiliza uma combinação de algoritmos para achar nomes semelhantes, ou com grafias diferentes ou com pequenos erros de digitação</a:t>
+            </a:r>
+          </a:p>
+          <a:p>
             <a:r>
               <a:rPr lang="pt-BR" baseline="0" dirty="0" smtClean="0"/>
-              <a:t>O módulo de gerenciar cadastros é o responsável por manter os cadastros de pessoas ou contatos que não são de usuários do sistema. Esse módulo inclui os cadastros de Pacientes, Contatos (como laboratórios, médicos de outras especialidades, serviços para a clínica [disk água..]) e o próprio cadastro da Clínica. Esse módulo utiliza o módulo de envio de e-mail pois ao alterar alguma informação da clínica (telefone, endereço) será sugerido enviar um e-mail avisando a todos os pacientes.</a:t>
-            </a:r>
-          </a:p>
-          <a:p>
-            <a:pPr marL="228600" indent="-228600">
-              <a:buAutoNum type="arabicParenR"/>
-            </a:pPr>
+              <a:t>[4] Para substituir a agenda em papel</a:t>
+            </a:r>
+          </a:p>
+          <a:p>
             <a:r>
               <a:rPr lang="pt-BR" baseline="0" dirty="0" smtClean="0"/>
-              <a:t>O módulo de busca de cadastros será o responsável por implementar a busca inteligente de pacientes ou contatos, baseada em redes complexas com grafos de derivação de palavras. Assim, a busca será capaz de encontrar nomes parecidos, nomes com grafias diferentes ou erros de digitação</a:t>
-            </a:r>
-          </a:p>
-          <a:p>
-            <a:pPr marL="228600" indent="-228600">
-              <a:buAutoNum type="arabicParenR"/>
-            </a:pPr>
+              <a:t>[5] Para facilitar a visualização tanto da secretária como do médico sobre os pacientes que já foram atendidos, estão na sala de espera ou ainda não chegaram.</a:t>
+            </a:r>
+          </a:p>
+          <a:p>
             <a:r>
               <a:rPr lang="pt-BR" baseline="0" dirty="0" smtClean="0"/>
-              <a:t>Ainda aqui no cantinho terá um pequeno módulo de importação de XML, utilizando a gem Nokogiri, para ler os arquivos XML que contém a lista de CIDs (Código Internacional da Doença) e de Códigos de Procedimentos Médicos e carregar essas listas no banco do sistema.</a:t>
+              <a:t>[6] das consultas executadas por um período, para que seja preenchido nos sistemas do convênios no final do mês</a:t>
+            </a:r>
+          </a:p>
+          <a:p>
+            <a:r>
+              <a:rPr lang="pt-BR" dirty="0" smtClean="0"/>
+              <a:t>[7] Com 2 tipos</a:t>
+            </a:r>
+            <a:r>
+              <a:rPr lang="pt-BR" baseline="0" dirty="0" smtClean="0"/>
+              <a:t> de filtros e gráficos visando ajudar os médicos a extrair informações relevantes sobre seus pacientes</a:t>
             </a:r>
             <a:endParaRPr lang="pt-BR" dirty="0"/>
           </a:p>
@@ -1136,7 +1466,7 @@
     </p:spTree>
     <p:extLst>
       <p:ext uri="{BB962C8B-B14F-4D97-AF65-F5344CB8AC3E}">
-        <p14:creationId xmlns:p14="http://schemas.microsoft.com/office/powerpoint/2010/main" val="3894151629"/>
+        <p14:creationId xmlns:p14="http://schemas.microsoft.com/office/powerpoint/2010/main" val="488763123"/>
       </p:ext>
     </p:extLst>
   </p:cSld>
@@ -1192,81 +1522,9 @@
           <a:p>
             <a:r>
               <a:rPr lang="pt-BR" dirty="0" smtClean="0"/>
-              <a:t>Aqui do outro lado temos:</a:t>
-            </a:r>
-          </a:p>
-          <a:p>
-            <a:pPr marL="228600" indent="-228600">
-              <a:buAutoNum type="arabicParenR"/>
-            </a:pPr>
-            <a:r>
-              <a:rPr lang="pt-BR" dirty="0" smtClean="0"/>
-              <a:t>O módulo de gerenciar atividades médicas e prontuários, que</a:t>
-            </a:r>
-            <a:r>
-              <a:rPr lang="pt-BR" baseline="0" dirty="0" smtClean="0"/>
-              <a:t> será responsável por 2 atividades principais:</a:t>
-            </a:r>
-          </a:p>
-          <a:p>
-            <a:pPr marL="171450" indent="-171450">
-              <a:buFontTx/>
-              <a:buChar char="-"/>
-            </a:pPr>
-            <a:r>
-              <a:rPr lang="pt-BR" baseline="0" dirty="0" smtClean="0"/>
-              <a:t>O agendamento de consultas, pela Secretária, contendo uma agenda para cada médico, onde ela poderá inserir, alterar e excluir consultas</a:t>
-            </a:r>
-          </a:p>
-          <a:p>
-            <a:pPr marL="171450" indent="-171450">
-              <a:buFontTx/>
-              <a:buChar char="-"/>
-            </a:pPr>
-            <a:r>
-              <a:rPr lang="pt-BR" baseline="0" dirty="0" smtClean="0"/>
-              <a:t>A execução de consultas, pelo Médico, contendo uma interface de atualização dos prontuários dos pacientes agendados onde ele preenche a consulta (diagnóstico, orientações), o CID da mesma e pode anexar um arquivo de exame do paciente e/ou gerar receitas e guias de novos exames</a:t>
-            </a:r>
-          </a:p>
-          <a:p>
-            <a:pPr marL="0" indent="0">
-              <a:buFontTx/>
-              <a:buNone/>
-            </a:pPr>
-            <a:r>
-              <a:rPr lang="pt-BR" baseline="0" dirty="0" smtClean="0"/>
-              <a:t>Esse módulo recebe o paciente da Busca, pois na agenda haverá um “autocompletar” baseado na busca inteligente de pacientes</a:t>
-            </a:r>
-          </a:p>
-          <a:p>
-            <a:pPr marL="0" indent="0">
-              <a:buFontTx/>
-              <a:buNone/>
-            </a:pPr>
-            <a:r>
-              <a:rPr lang="pt-BR" baseline="0" dirty="0" smtClean="0"/>
-              <a:t>2) O módulo de geração de receitas e guias de exame, que será acionado a partir do prontuário, o médico gera uma receita, preenche-a e a receita é salva no banco e é gerado um arquivo PDF para impressão, utilizando a gem Prawn</a:t>
-            </a:r>
-          </a:p>
-          <a:p>
-            <a:pPr marL="0" indent="0">
-              <a:buFontTx/>
-              <a:buNone/>
-            </a:pPr>
-            <a:r>
-              <a:rPr lang="pt-BR" baseline="0" dirty="0" smtClean="0"/>
-              <a:t>3) O módulo de gerar relatórios mensais, que será resposável por criar relatórios com os filtros especificados pelo usuário (período, médico, convênio..) e gerar um arquivo PDF do relatório, também utilizando a gem Prawn</a:t>
-            </a:r>
-          </a:p>
-          <a:p>
-            <a:pPr marL="0" indent="0">
-              <a:buFontTx/>
-              <a:buNone/>
-            </a:pPr>
-            <a:r>
-              <a:rPr lang="pt-BR" baseline="0" dirty="0" smtClean="0"/>
-              <a:t>4) Por fim, mas de forma alguma menos importante, o módulo de geração de estatísticas, requisitado para ajudar o médico a ter números confiáveis para pesquisas utilizando seus pacientes. Esse módulo irá receber filtros e opções de montagem de tabelas, com as informações escolhidas, gerar gráficos na tela para o usuário, utilizando o GoogleCharts. Ainda será possível exportar as tabelas e gráficos gerados para um arquivo de planilha XLS, utilizando a gem Axlsx.</a:t>
-            </a:r>
+              <a:t>[ler]</a:t>
+            </a:r>
+            <a:endParaRPr lang="pt-BR" dirty="0"/>
           </a:p>
         </p:txBody>
       </p:sp>
@@ -1296,7 +1554,7 @@
     </p:spTree>
     <p:extLst>
       <p:ext uri="{BB962C8B-B14F-4D97-AF65-F5344CB8AC3E}">
-        <p14:creationId xmlns:p14="http://schemas.microsoft.com/office/powerpoint/2010/main" val="624036444"/>
+        <p14:creationId xmlns:p14="http://schemas.microsoft.com/office/powerpoint/2010/main" val="1828254957"/>
       </p:ext>
     </p:extLst>
   </p:cSld>
@@ -1352,17 +1610,7 @@
           <a:p>
             <a:r>
               <a:rPr lang="pt-BR" dirty="0" smtClean="0"/>
-              <a:t>O</a:t>
-            </a:r>
-            <a:r>
-              <a:rPr lang="pt-BR" baseline="0" dirty="0" smtClean="0"/>
-              <a:t> trabalho está sendo realizado com a metodologia de projeto Scrum, e foi dividido em 7 Sprints e mais algumas etapas.</a:t>
-            </a:r>
-          </a:p>
-          <a:p>
-            <a:r>
-              <a:rPr lang="pt-BR" baseline="0" dirty="0" smtClean="0"/>
-              <a:t>Hoje, dia 26/06, já foi feita a etapa de projeto e criação do backlog do produto e o Sprint 1, e está sendo realizado o Sprint 2, com término dia 29/06.</a:t>
+              <a:t>[explicar]</a:t>
             </a:r>
             <a:endParaRPr lang="pt-BR" dirty="0"/>
           </a:p>
@@ -1394,7 +1642,7 @@
     </p:spTree>
     <p:extLst>
       <p:ext uri="{BB962C8B-B14F-4D97-AF65-F5344CB8AC3E}">
-        <p14:creationId xmlns:p14="http://schemas.microsoft.com/office/powerpoint/2010/main" val="1265880603"/>
+        <p14:creationId xmlns:p14="http://schemas.microsoft.com/office/powerpoint/2010/main" val="3035491646"/>
       </p:ext>
     </p:extLst>
   </p:cSld>
@@ -1404,14 +1652,9 @@
 </p:notes>
 </file>
 
-<file path=ppt/slideLayouts/slideLayout1.xml><?xml version="1.0" encoding="utf-8"?>
-<p:sldLayout xmlns:a="http://schemas.openxmlformats.org/drawingml/2006/main" xmlns:r="http://schemas.openxmlformats.org/officeDocument/2006/relationships" xmlns:p="http://schemas.openxmlformats.org/presentationml/2006/main" showMasterSp="0" type="title" preserve="1">
-  <p:cSld name="Title Slide">
-    <p:bg>
-      <p:bgRef idx="1002">
-        <a:schemeClr val="bg2"/>
-      </p:bgRef>
-    </p:bg>
+<file path=ppt/notesSlides/notesSlide9.xml><?xml version="1.0" encoding="utf-8"?>
+<p:notes xmlns:a="http://schemas.openxmlformats.org/drawingml/2006/main" xmlns:r="http://schemas.openxmlformats.org/officeDocument/2006/relationships" xmlns:p="http://schemas.openxmlformats.org/presentationml/2006/main">
+  <p:cSld>
     <p:spTree>
       <p:nvGrpSpPr>
         <p:cNvPr id="1" name=""/>
@@ -1428,203 +1671,226 @@
       </p:grpSpPr>
       <p:sp>
         <p:nvSpPr>
-          <p:cNvPr id="7" name="Freeform 6"/>
-          <p:cNvSpPr>
-            <a:spLocks/>
-          </p:cNvSpPr>
+          <p:cNvPr id="2" name="Slide Image Placeholder 1"/>
+          <p:cNvSpPr>
+            <a:spLocks noGrp="1" noRot="1" noChangeAspect="1"/>
+          </p:cNvSpPr>
+          <p:nvPr>
+            <p:ph type="sldImg"/>
+          </p:nvPr>
+        </p:nvSpPr>
+        <p:spPr/>
+      </p:sp>
+      <p:sp>
+        <p:nvSpPr>
+          <p:cNvPr id="3" name="Notes Placeholder 2"/>
+          <p:cNvSpPr>
+            <a:spLocks noGrp="1"/>
+          </p:cNvSpPr>
+          <p:nvPr>
+            <p:ph type="body" idx="1"/>
+          </p:nvPr>
+        </p:nvSpPr>
+        <p:spPr/>
+        <p:txBody>
+          <a:bodyPr/>
+          <a:lstStyle/>
+          <a:p>
+            <a:r>
+              <a:rPr lang="pt-BR" dirty="0" smtClean="0"/>
+              <a:t>No decorrer do desenvolvimento</a:t>
+            </a:r>
+            <a:r>
+              <a:rPr lang="pt-BR" baseline="0" dirty="0" smtClean="0"/>
+              <a:t> desse trabalho, acabei me deparando com alguns tópicos antes desconhecidos ou pouco conhecidos por mim. Alguns deles foram</a:t>
+            </a:r>
+          </a:p>
+          <a:p>
+            <a:r>
+              <a:rPr lang="pt-BR" baseline="0" dirty="0" smtClean="0"/>
+              <a:t>- ferramentas de [1] que eu tinha pouco conhecimento e foi a primeira vez que utilizei com mais profundidade</a:t>
+            </a:r>
+          </a:p>
+          <a:p>
+            <a:r>
+              <a:rPr lang="pt-BR" baseline="0" dirty="0" smtClean="0"/>
+              <a:t>- desenvolvimento voltado para a [2], com a qual eu nunca tinha trabalhado, então precisei aprender sobre a arquitetura e os protocolos</a:t>
+            </a:r>
+          </a:p>
+          <a:p>
+            <a:pPr marL="171450" indent="-171450">
+              <a:buFontTx/>
+              <a:buChar char="-"/>
+            </a:pPr>
+            <a:r>
+              <a:rPr lang="pt-BR" baseline="0" dirty="0" smtClean="0"/>
+              <a:t>Sistema [3], que adapta suas funcionalidades e interface dinamicamente de acordo com o perfil do usuário logado</a:t>
+            </a:r>
+          </a:p>
+          <a:p>
+            <a:pPr marL="171450" indent="-171450">
+              <a:buFontTx/>
+              <a:buChar char="-"/>
+            </a:pPr>
+            <a:r>
+              <a:rPr lang="pt-BR" baseline="0" dirty="0" smtClean="0"/>
+              <a:t>[4] que foi uma novidade para mim também, principalmente na linguagem Ruby on Rails que eu tbm estava só aprendendo</a:t>
+            </a:r>
+          </a:p>
+          <a:p>
+            <a:pPr marL="171450" indent="-171450">
+              <a:buFontTx/>
+              <a:buChar char="-"/>
+            </a:pPr>
+            <a:r>
+              <a:rPr lang="pt-BR" dirty="0" smtClean="0"/>
+              <a:t>[5], para a geração dos gráficos,</a:t>
+            </a:r>
+            <a:r>
+              <a:rPr lang="pt-BR" baseline="0" dirty="0" smtClean="0"/>
+              <a:t> que eu nunca tinha trabalhado antes</a:t>
+            </a:r>
+          </a:p>
+          <a:p>
+            <a:pPr marL="171450" indent="-171450">
+              <a:buFontTx/>
+              <a:buChar char="-"/>
+            </a:pPr>
+            <a:r>
+              <a:rPr lang="pt-BR" baseline="0" dirty="0" smtClean="0"/>
+              <a:t>E a [6] que tive que sair do zero e pesquisar algoritmos de análise de semelhança entre strings, ver qual se encaixava melhor com a minha necessidade e implementar de forma funcional para os nomes dos pacientes</a:t>
+            </a:r>
+            <a:endParaRPr lang="pt-BR" dirty="0"/>
+          </a:p>
+        </p:txBody>
+      </p:sp>
+      <p:sp>
+        <p:nvSpPr>
+          <p:cNvPr id="4" name="Slide Number Placeholder 3"/>
+          <p:cNvSpPr>
+            <a:spLocks noGrp="1"/>
+          </p:cNvSpPr>
+          <p:nvPr>
+            <p:ph type="sldNum" sz="quarter" idx="10"/>
+          </p:nvPr>
+        </p:nvSpPr>
+        <p:spPr/>
+        <p:txBody>
+          <a:bodyPr/>
+          <a:lstStyle/>
+          <a:p>
+            <a:fld id="{F576F63A-A8DB-4183-85C6-5B0CDC40B68B}" type="slidenum">
+              <a:rPr lang="pt-BR" smtClean="0"/>
+              <a:t>9</a:t>
+            </a:fld>
+            <a:endParaRPr lang="pt-BR"/>
+          </a:p>
+        </p:txBody>
+      </p:sp>
+    </p:spTree>
+    <p:extLst>
+      <p:ext uri="{BB962C8B-B14F-4D97-AF65-F5344CB8AC3E}">
+        <p14:creationId xmlns:p14="http://schemas.microsoft.com/office/powerpoint/2010/main" val="3482961205"/>
+      </p:ext>
+    </p:extLst>
+  </p:cSld>
+  <p:clrMapOvr>
+    <a:masterClrMapping/>
+  </p:clrMapOvr>
+</p:notes>
+</file>
+
+<file path=ppt/slideLayouts/slideLayout1.xml><?xml version="1.0" encoding="utf-8"?>
+<p:sldLayout xmlns:a="http://schemas.openxmlformats.org/drawingml/2006/main" xmlns:r="http://schemas.openxmlformats.org/officeDocument/2006/relationships" xmlns:p="http://schemas.openxmlformats.org/presentationml/2006/main" type="title" preserve="1">
+  <p:cSld name="Title Slide">
+    <p:spTree>
+      <p:nvGrpSpPr>
+        <p:cNvPr id="1" name=""/>
+        <p:cNvGrpSpPr/>
+        <p:nvPr/>
+      </p:nvGrpSpPr>
+      <p:grpSpPr>
+        <a:xfrm>
+          <a:off x="0" y="0"/>
+          <a:ext cx="0" cy="0"/>
+          <a:chOff x="0" y="0"/>
+          <a:chExt cx="0" cy="0"/>
+        </a:xfrm>
+      </p:grpSpPr>
+      <p:sp>
+        <p:nvSpPr>
+          <p:cNvPr id="7" name="Isosceles Triangle 6"/>
+          <p:cNvSpPr/>
           <p:nvPr/>
         </p:nvSpPr>
-        <p:spPr bwMode="auto">
-          <a:xfrm>
-            <a:off x="0" y="4752126"/>
-            <a:ext cx="9144000" cy="2112962"/>
+        <p:spPr>
+          <a:xfrm rot="16200000">
+            <a:off x="7554353" y="5254283"/>
+            <a:ext cx="1892949" cy="1294228"/>
           </a:xfrm>
-          <a:custGeom>
+          <a:prstGeom prst="triangle">
             <a:avLst>
-              <a:gd name="A1" fmla="val 0"/>
-              <a:gd name="A2" fmla="val 0"/>
-              <a:gd name="A3" fmla="val 0"/>
-              <a:gd name="A4" fmla="val 0"/>
-              <a:gd name="A5" fmla="val 0"/>
-              <a:gd name="A6" fmla="val 0"/>
-              <a:gd name="A7" fmla="val 0"/>
-              <a:gd name="A8" fmla="val 0"/>
+              <a:gd name="adj" fmla="val 51323"/>
             </a:avLst>
-            <a:gdLst/>
-            <a:ahLst/>
-            <a:cxnLst>
-              <a:cxn ang="0">
-                <a:pos x="0" y="1066"/>
-              </a:cxn>
-              <a:cxn ang="0">
-                <a:pos x="0" y="1331"/>
-              </a:cxn>
-              <a:cxn ang="0">
-                <a:pos x="5760" y="1331"/>
-              </a:cxn>
-              <a:cxn ang="0">
-                <a:pos x="5760" y="0"/>
-              </a:cxn>
-              <a:cxn ang="0">
-                <a:pos x="0" y="1066"/>
-              </a:cxn>
-            </a:cxnLst>
-            <a:rect l="0" t="0" r="0" b="0"/>
-            <a:pathLst>
-              <a:path w="5760" h="1331">
-                <a:moveTo>
-                  <a:pt x="0" y="1066"/>
-                </a:moveTo>
-                <a:lnTo>
-                  <a:pt x="0" y="1331"/>
-                </a:lnTo>
-                <a:lnTo>
-                  <a:pt x="5760" y="1331"/>
-                </a:lnTo>
-                <a:lnTo>
-                  <a:pt x="5760" y="0"/>
-                </a:lnTo>
-                <a:cubicBezTo>
-                  <a:pt x="3220" y="1206"/>
-                  <a:pt x="2250" y="1146"/>
-                  <a:pt x="0" y="1066"/>
-                </a:cubicBezTo>
-                <a:close/>
-              </a:path>
-            </a:pathLst>
-          </a:custGeom>
-          <a:solidFill>
-            <a:schemeClr val="bg1">
-              <a:tint val="80000"/>
-              <a:satMod val="200000"/>
-              <a:alpha val="45000"/>
-            </a:schemeClr>
-          </a:solidFill>
-          <a:ln w="9525" cap="flat" cmpd="sng" algn="ctr">
+          </a:prstGeom>
+          <a:gradFill flip="none" rotWithShape="1">
+            <a:gsLst>
+              <a:gs pos="0">
+                <a:schemeClr val="accent1">
+                  <a:shade val="30000"/>
+                  <a:satMod val="155000"/>
+                  <a:alpha val="100000"/>
+                </a:schemeClr>
+              </a:gs>
+              <a:gs pos="60000">
+                <a:schemeClr val="accent1">
+                  <a:satMod val="160000"/>
+                  <a:alpha val="100000"/>
+                </a:schemeClr>
+              </a:gs>
+              <a:gs pos="100000">
+                <a:schemeClr val="accent1">
+                  <a:tint val="70000"/>
+                  <a:satMod val="200000"/>
+                  <a:alpha val="100000"/>
+                </a:schemeClr>
+              </a:gs>
+            </a:gsLst>
+            <a:lin ang="15500000" scaled="1"/>
+            <a:tileRect/>
+          </a:gradFill>
+          <a:ln w="38100" cap="rnd" cmpd="sng" algn="ctr">
             <a:noFill/>
             <a:prstDash val="solid"/>
-            <a:round/>
-            <a:headEnd type="none" w="med" len="med"/>
-            <a:tailEnd type="none" w="med" len="med"/>
           </a:ln>
-          <a:effectLst>
-            <a:outerShdw blurRad="50800" dist="44450" dir="16200000" algn="ctr" rotWithShape="0">
-              <a:prstClr val="black">
-                <a:alpha val="35000"/>
-              </a:prstClr>
-            </a:outerShdw>
-          </a:effectLst>
+          <a:effectLst/>
         </p:spPr>
-        <p:txBody>
-          <a:bodyPr vert="horz" wrap="square" lIns="91440" tIns="45720" rIns="91440" bIns="45720" anchor="t" compatLnSpc="1"/>
-          <a:lstStyle/>
-          <a:p>
+        <p:style>
+          <a:lnRef idx="3">
+            <a:schemeClr val="lt1"/>
+          </a:lnRef>
+          <a:fillRef idx="1">
+            <a:schemeClr val="accent1"/>
+          </a:fillRef>
+          <a:effectRef idx="1">
+            <a:schemeClr val="accent1"/>
+          </a:effectRef>
+          <a:fontRef idx="minor">
+            <a:schemeClr val="lt1"/>
+          </a:fontRef>
+        </p:style>
+        <p:txBody>
+          <a:bodyPr anchor="ctr"/>
+          <a:lstStyle/>
+          <a:p>
+            <a:pPr algn="ctr" eaLnBrk="1" latinLnBrk="0" hangingPunct="1"/>
             <a:endParaRPr kumimoji="0" lang="en-US"/>
           </a:p>
         </p:txBody>
       </p:sp>
       <p:sp>
         <p:nvSpPr>
-          <p:cNvPr id="8" name="Freeform 7"/>
-          <p:cNvSpPr>
-            <a:spLocks/>
-          </p:cNvSpPr>
-          <p:nvPr/>
-        </p:nvSpPr>
-        <p:spPr bwMode="auto">
-          <a:xfrm>
-            <a:off x="6105525" y="0"/>
-            <a:ext cx="3038475" cy="6858000"/>
-          </a:xfrm>
-          <a:custGeom>
-            <a:avLst/>
-            <a:gdLst>
-              <a:gd name="connsiteX0" fmla="*/ 1914 w 1914"/>
-              <a:gd name="connsiteY0" fmla="*/ 9 h 4329"/>
-              <a:gd name="connsiteX1" fmla="*/ 1914 w 1914"/>
-              <a:gd name="connsiteY1" fmla="*/ 4329 h 4329"/>
-              <a:gd name="connsiteX2" fmla="*/ 204 w 1914"/>
-              <a:gd name="connsiteY2" fmla="*/ 4327 h 4329"/>
-              <a:gd name="connsiteX3" fmla="*/ 0 w 1914"/>
-              <a:gd name="connsiteY3" fmla="*/ 0 h 4329"/>
-              <a:gd name="connsiteX4" fmla="*/ 1914 w 1914"/>
-              <a:gd name="connsiteY4" fmla="*/ 9 h 4329"/>
-            </a:gdLst>
-            <a:ahLst/>
-            <a:cxnLst>
-              <a:cxn ang="0">
-                <a:pos x="connsiteX0" y="connsiteY0"/>
-              </a:cxn>
-              <a:cxn ang="0">
-                <a:pos x="connsiteX1" y="connsiteY1"/>
-              </a:cxn>
-              <a:cxn ang="0">
-                <a:pos x="connsiteX2" y="connsiteY2"/>
-              </a:cxn>
-              <a:cxn ang="0">
-                <a:pos x="connsiteX3" y="connsiteY3"/>
-              </a:cxn>
-              <a:cxn ang="0">
-                <a:pos x="connsiteX4" y="connsiteY4"/>
-              </a:cxn>
-            </a:cxnLst>
-            <a:rect l="l" t="t" r="r" b="b"/>
-            <a:pathLst>
-              <a:path w="1914" h="4329">
-                <a:moveTo>
-                  <a:pt x="1914" y="9"/>
-                </a:moveTo>
-                <a:lnTo>
-                  <a:pt x="1914" y="4329"/>
-                </a:lnTo>
-                <a:lnTo>
-                  <a:pt x="204" y="4327"/>
-                </a:lnTo>
-                <a:cubicBezTo>
-                  <a:pt x="1288" y="3574"/>
-                  <a:pt x="1608" y="1590"/>
-                  <a:pt x="0" y="0"/>
-                </a:cubicBezTo>
-                <a:lnTo>
-                  <a:pt x="1914" y="9"/>
-                </a:lnTo>
-                <a:close/>
-              </a:path>
-            </a:pathLst>
-          </a:custGeom>
-          <a:solidFill>
-            <a:schemeClr val="bg1">
-              <a:tint val="90000"/>
-              <a:satMod val="350000"/>
-              <a:alpha val="40000"/>
-            </a:schemeClr>
-          </a:solidFill>
-          <a:ln w="9525" cap="flat" cmpd="sng" algn="ctr">
-            <a:noFill/>
-            <a:prstDash val="solid"/>
-            <a:round/>
-            <a:headEnd type="none" w="med" len="med"/>
-            <a:tailEnd type="none" w="med" len="med"/>
-          </a:ln>
-          <a:effectLst>
-            <a:outerShdw blurRad="50800" dist="50800" dir="10800000" algn="ctr" rotWithShape="0">
-              <a:prstClr val="black">
-                <a:alpha val="45000"/>
-              </a:prstClr>
-            </a:outerShdw>
-          </a:effectLst>
-        </p:spPr>
-        <p:txBody>
-          <a:bodyPr vert="horz" wrap="square" lIns="91440" tIns="45720" rIns="91440" bIns="45720" anchor="t" compatLnSpc="1"/>
-          <a:lstStyle/>
-          <a:p>
-            <a:endParaRPr kumimoji="0" lang="en-US"/>
-          </a:p>
-        </p:txBody>
-      </p:sp>
-      <p:sp>
-        <p:nvSpPr>
-          <p:cNvPr id="9" name="Title 8"/>
+          <p:cNvPr id="8" name="Title 7"/>
           <p:cNvSpPr>
             <a:spLocks noGrp="1"/>
           </p:cNvSpPr>
@@ -1634,107 +1900,63 @@
         </p:nvSpPr>
         <p:spPr>
           <a:xfrm>
-            <a:off x="429064" y="3337560"/>
-            <a:ext cx="6480048" cy="2301240"/>
+            <a:off x="540544" y="776288"/>
+            <a:ext cx="8062912" cy="1470025"/>
           </a:xfrm>
         </p:spPr>
         <p:txBody>
-          <a:bodyPr rIns="45720" anchor="t"/>
-          <a:lstStyle>
-            <a:lvl1pPr algn="r">
-              <a:defRPr lang="en-US" b="1" cap="all" baseline="0" dirty="0">
-                <a:ln w="5000" cmpd="sng">
-                  <a:solidFill>
-                    <a:schemeClr val="accent1">
-                      <a:tint val="80000"/>
-                      <a:shade val="99000"/>
-                      <a:satMod val="500000"/>
-                    </a:schemeClr>
-                  </a:solidFill>
-                  <a:prstDash val="solid"/>
-                </a:ln>
-                <a:gradFill>
-                  <a:gsLst>
-                    <a:gs pos="0">
-                      <a:schemeClr val="accent1">
-                        <a:tint val="63000"/>
-                        <a:satMod val="255000"/>
-                      </a:schemeClr>
-                    </a:gs>
-                    <a:gs pos="9000">
-                      <a:schemeClr val="accent1">
-                        <a:tint val="63000"/>
-                        <a:satMod val="255000"/>
-                      </a:schemeClr>
-                    </a:gs>
-                    <a:gs pos="53000">
-                      <a:schemeClr val="accent1">
-                        <a:shade val="60000"/>
-                        <a:satMod val="100000"/>
-                      </a:schemeClr>
-                    </a:gs>
-                    <a:gs pos="90000">
-                      <a:schemeClr val="accent1">
-                        <a:tint val="63000"/>
-                        <a:satMod val="255000"/>
-                      </a:schemeClr>
-                    </a:gs>
-                    <a:gs pos="100000">
-                      <a:schemeClr val="accent1">
-                        <a:tint val="63000"/>
-                        <a:satMod val="255000"/>
-                      </a:schemeClr>
-                    </a:gs>
-                  </a:gsLst>
-                  <a:lin ang="5400000"/>
-                </a:gradFill>
-                <a:effectLst>
-                  <a:outerShdw blurRad="50800" dist="38100" dir="5400000" algn="t" rotWithShape="0">
-                    <a:prstClr val="black">
-                      <a:alpha val="50000"/>
-                    </a:prstClr>
-                  </a:outerShdw>
-                </a:effectLst>
-              </a:defRPr>
-            </a:lvl1pPr>
-          </a:lstStyle>
-          <a:p>
-            <a:r>
-              <a:rPr kumimoji="0" lang="en-US" smtClean="0"/>
-              <a:t>Click to edit Master title style</a:t>
-            </a:r>
-            <a:endParaRPr kumimoji="0" lang="en-US"/>
-          </a:p>
-        </p:txBody>
-      </p:sp>
-      <p:sp>
-        <p:nvSpPr>
-          <p:cNvPr id="17" name="Subtitle 16"/>
-          <p:cNvSpPr>
-            <a:spLocks noGrp="1"/>
-          </p:cNvSpPr>
-          <p:nvPr>
-            <p:ph type="subTitle" idx="1"/>
-          </p:nvPr>
-        </p:nvSpPr>
-        <p:spPr>
-          <a:xfrm>
-            <a:off x="433050" y="1544812"/>
-            <a:ext cx="6480048" cy="1752600"/>
-          </a:xfrm>
-        </p:spPr>
-        <p:txBody>
-          <a:bodyPr tIns="0" rIns="45720" bIns="0" anchor="b">
+          <a:bodyPr anchor="b">
             <a:normAutofit/>
           </a:bodyPr>
           <a:lstStyle>
-            <a:lvl1pPr marL="0" indent="0" algn="r">
+            <a:lvl1pPr algn="r">
+              <a:defRPr sz="4400"/>
+            </a:lvl1pPr>
+          </a:lstStyle>
+          <a:p>
+            <a:r>
+              <a:rPr kumimoji="0" lang="en-US" smtClean="0"/>
+              <a:t>Click to edit Master title style</a:t>
+            </a:r>
+            <a:endParaRPr kumimoji="0" lang="en-US"/>
+          </a:p>
+        </p:txBody>
+      </p:sp>
+      <p:sp>
+        <p:nvSpPr>
+          <p:cNvPr id="9" name="Subtitle 8"/>
+          <p:cNvSpPr>
+            <a:spLocks noGrp="1"/>
+          </p:cNvSpPr>
+          <p:nvPr>
+            <p:ph type="subTitle" idx="1"/>
+          </p:nvPr>
+        </p:nvSpPr>
+        <p:spPr>
+          <a:xfrm>
+            <a:off x="540544" y="2250280"/>
+            <a:ext cx="8062912" cy="1752600"/>
+          </a:xfrm>
+        </p:spPr>
+        <p:txBody>
+          <a:bodyPr/>
+          <a:lstStyle>
+            <a:lvl1pPr marL="0" marR="36576" indent="0" algn="r">
+              <a:spcBef>
+                <a:spcPts val="0"/>
+              </a:spcBef>
               <a:buNone/>
-              <a:defRPr sz="2000">
+              <a:defRPr>
+                <a:ln>
+                  <a:solidFill>
+                    <a:schemeClr val="bg2"/>
+                  </a:solidFill>
+                </a:ln>
                 <a:solidFill>
-                  <a:schemeClr val="tx1"/>
+                  <a:schemeClr val="tx1">
+                    <a:tint val="75000"/>
+                  </a:schemeClr>
                 </a:solidFill>
-                <a:effectLst/>
               </a:defRPr>
             </a:lvl1pPr>
             <a:lvl2pPr marL="457200" indent="0" algn="ctr">
@@ -1773,7 +1995,7 @@
       </p:sp>
       <p:sp>
         <p:nvSpPr>
-          <p:cNvPr id="30" name="Date Placeholder 29"/>
+          <p:cNvPr id="28" name="Date Placeholder 27"/>
           <p:cNvSpPr>
             <a:spLocks noGrp="1"/>
           </p:cNvSpPr>
@@ -1781,14 +2003,23 @@
             <p:ph type="dt" sz="half" idx="10"/>
           </p:nvPr>
         </p:nvSpPr>
-        <p:spPr/>
-        <p:txBody>
-          <a:bodyPr/>
-          <a:lstStyle/>
+        <p:spPr>
+          <a:xfrm>
+            <a:off x="1371600" y="6012656"/>
+            <a:ext cx="5791200" cy="365125"/>
+          </a:xfrm>
+        </p:spPr>
+        <p:txBody>
+          <a:bodyPr tIns="0" bIns="0" anchor="t"/>
+          <a:lstStyle>
+            <a:lvl1pPr algn="r">
+              <a:defRPr sz="1000"/>
+            </a:lvl1pPr>
+          </a:lstStyle>
           <a:p>
             <a:fld id="{53631D4D-545D-4A34-9434-A3DE4D16668E}" type="datetime1">
               <a:rPr lang="pt-BR" smtClean="0"/>
-              <a:t>19/03/2014</a:t>
+              <a:t>25/03/2014</a:t>
             </a:fld>
             <a:endParaRPr lang="pt-BR"/>
           </a:p>
@@ -1796,7 +2027,7 @@
       </p:sp>
       <p:sp>
         <p:nvSpPr>
-          <p:cNvPr id="19" name="Footer Placeholder 18"/>
+          <p:cNvPr id="17" name="Footer Placeholder 16"/>
           <p:cNvSpPr>
             <a:spLocks noGrp="1"/>
           </p:cNvSpPr>
@@ -1804,10 +2035,19 @@
             <p:ph type="ftr" sz="quarter" idx="11"/>
           </p:nvPr>
         </p:nvSpPr>
-        <p:spPr/>
-        <p:txBody>
-          <a:bodyPr/>
-          <a:lstStyle/>
+        <p:spPr>
+          <a:xfrm>
+            <a:off x="1371600" y="5650704"/>
+            <a:ext cx="5791200" cy="365125"/>
+          </a:xfrm>
+        </p:spPr>
+        <p:txBody>
+          <a:bodyPr tIns="0" bIns="0" anchor="b"/>
+          <a:lstStyle>
+            <a:lvl1pPr algn="r">
+              <a:defRPr sz="1100"/>
+            </a:lvl1pPr>
+          </a:lstStyle>
           <a:p>
             <a:endParaRPr lang="pt-BR"/>
           </a:p>
@@ -1815,7 +2055,7 @@
       </p:sp>
       <p:sp>
         <p:nvSpPr>
-          <p:cNvPr id="27" name="Slide Number Placeholder 26"/>
+          <p:cNvPr id="29" name="Slide Number Placeholder 28"/>
           <p:cNvSpPr>
             <a:spLocks noGrp="1"/>
           </p:cNvSpPr>
@@ -1823,10 +2063,23 @@
             <p:ph type="sldNum" sz="quarter" idx="12"/>
           </p:nvPr>
         </p:nvSpPr>
-        <p:spPr/>
-        <p:txBody>
-          <a:bodyPr/>
-          <a:lstStyle/>
+        <p:spPr>
+          <a:xfrm>
+            <a:off x="8392247" y="5752307"/>
+            <a:ext cx="502920" cy="365125"/>
+          </a:xfrm>
+        </p:spPr>
+        <p:txBody>
+          <a:bodyPr anchor="ctr"/>
+          <a:lstStyle>
+            <a:lvl1pPr algn="ctr">
+              <a:defRPr sz="1300">
+                <a:solidFill>
+                  <a:srgbClr val="FFFFFF"/>
+                </a:solidFill>
+              </a:defRPr>
+            </a:lvl1pPr>
+          </a:lstStyle>
           <a:p>
             <a:fld id="{913D6293-DBA6-4239-BE1C-6787D265FAC0}" type="slidenum">
               <a:rPr lang="pt-BR" smtClean="0"/>
@@ -1839,7 +2092,7 @@
     </p:spTree>
   </p:cSld>
   <p:clrMapOvr>
-    <a:overrideClrMapping bg1="dk1" tx1="lt1" bg2="dk2" tx2="lt2" accent1="accent1" accent2="accent2" accent3="accent3" accent4="accent4" accent5="accent5" accent6="accent6" hlink="hlink" folHlink="folHlink"/>
+    <a:masterClrMapping/>
   </p:clrMapOvr>
 </p:sldLayout>
 </file>
@@ -1953,7 +2206,7 @@
           <a:p>
             <a:fld id="{C226B911-3238-4EEB-A555-89A4836B7243}" type="datetime1">
               <a:rPr lang="pt-BR" smtClean="0"/>
-              <a:t>19/03/2014</a:t>
+              <a:t>25/03/2014</a:t>
             </a:fld>
             <a:endParaRPr lang="pt-BR"/>
           </a:p>
@@ -2038,8 +2291,8 @@
         </p:nvSpPr>
         <p:spPr>
           <a:xfrm>
-            <a:off x="6629400" y="274638"/>
-            <a:ext cx="2057400" cy="5851525"/>
+            <a:off x="6781800" y="381000"/>
+            <a:ext cx="1905000" cy="5486400"/>
           </a:xfrm>
         </p:spPr>
         <p:txBody>
@@ -2066,8 +2319,8 @@
         </p:nvSpPr>
         <p:spPr>
           <a:xfrm>
-            <a:off x="457200" y="274638"/>
-            <a:ext cx="6019800" cy="5851525"/>
+            <a:off x="457200" y="381000"/>
+            <a:ext cx="6248400" cy="5486400"/>
           </a:xfrm>
         </p:spPr>
         <p:txBody>
@@ -2128,7 +2381,7 @@
           <a:p>
             <a:fld id="{28EBD828-0579-4032-AD15-F9AB65F3C676}" type="datetime1">
               <a:rPr lang="pt-BR" smtClean="0"/>
-              <a:t>19/03/2014</a:t>
+              <a:t>25/03/2014</a:t>
             </a:fld>
             <a:endParaRPr lang="pt-BR"/>
           </a:p>
@@ -2211,14 +2464,15 @@
             <p:ph type="title"/>
           </p:nvPr>
         </p:nvSpPr>
-        <p:spPr/>
-        <p:txBody>
-          <a:bodyPr/>
-          <a:lstStyle>
-            <a:lvl1pPr algn="l">
-              <a:defRPr/>
-            </a:lvl1pPr>
-          </a:lstStyle>
+        <p:spPr>
+          <a:xfrm>
+            <a:off x="457200" y="267494"/>
+            <a:ext cx="8229600" cy="1399032"/>
+          </a:xfrm>
+        </p:spPr>
+        <p:txBody>
+          <a:bodyPr/>
+          <a:lstStyle/>
           <a:p>
             <a:r>
               <a:rPr kumimoji="0" lang="en-US" smtClean="0"/>
@@ -2238,7 +2492,12 @@
             <p:ph idx="1"/>
           </p:nvPr>
         </p:nvSpPr>
-        <p:spPr/>
+        <p:spPr>
+          <a:xfrm>
+            <a:off x="457200" y="1882808"/>
+            <a:ext cx="8229600" cy="4572000"/>
+          </a:xfrm>
+        </p:spPr>
         <p:txBody>
           <a:bodyPr/>
           <a:lstStyle/>
@@ -2290,14 +2549,19 @@
             <p:ph type="dt" sz="half" idx="10"/>
           </p:nvPr>
         </p:nvSpPr>
-        <p:spPr/>
+        <p:spPr>
+          <a:xfrm>
+            <a:off x="4791456" y="6480048"/>
+            <a:ext cx="2133600" cy="301752"/>
+          </a:xfrm>
+        </p:spPr>
         <p:txBody>
           <a:bodyPr/>
           <a:lstStyle/>
           <a:p>
             <a:fld id="{77D5FBA8-743C-4918-9ECF-CADAB58CD523}" type="datetime1">
               <a:rPr lang="pt-BR" smtClean="0"/>
-              <a:t>19/03/2014</a:t>
+              <a:t>25/03/2014</a:t>
             </a:fld>
             <a:endParaRPr lang="pt-BR"/>
           </a:p>
@@ -2313,7 +2577,12 @@
             <p:ph type="ftr" sz="quarter" idx="11"/>
           </p:nvPr>
         </p:nvSpPr>
-        <p:spPr/>
+        <p:spPr>
+          <a:xfrm>
+            <a:off x="457200" y="6480969"/>
+            <a:ext cx="4260056" cy="300831"/>
+          </a:xfrm>
+        </p:spPr>
         <p:txBody>
           <a:bodyPr/>
           <a:lstStyle/>
@@ -2358,7 +2627,7 @@
   <p:cSld name="Section Header">
     <p:bg>
       <p:bgRef idx="1002">
-        <a:schemeClr val="bg2"/>
+        <a:schemeClr val="bg1"/>
       </p:bgRef>
     </p:bg>
     <p:spTree>
@@ -2377,275 +2646,332 @@
       </p:grpSpPr>
       <p:sp>
         <p:nvSpPr>
-          <p:cNvPr id="7" name="Freeform 6"/>
-          <p:cNvSpPr>
-            <a:spLocks/>
-          </p:cNvSpPr>
+          <p:cNvPr id="9" name="Right Triangle 8"/>
+          <p:cNvSpPr/>
           <p:nvPr/>
         </p:nvSpPr>
-        <p:spPr bwMode="auto">
-          <a:xfrm>
-            <a:off x="0" y="4752126"/>
-            <a:ext cx="9144000" cy="2112962"/>
+        <p:spPr>
+          <a:xfrm flipV="1">
+            <a:off x="7034" y="7034"/>
+            <a:ext cx="9129932" cy="6836899"/>
           </a:xfrm>
-          <a:custGeom>
-            <a:avLst>
-              <a:gd name="A1" fmla="val 0"/>
-              <a:gd name="A2" fmla="val 0"/>
-              <a:gd name="A3" fmla="val 0"/>
-              <a:gd name="A4" fmla="val 0"/>
-              <a:gd name="A5" fmla="val 0"/>
-              <a:gd name="A6" fmla="val 0"/>
-              <a:gd name="A7" fmla="val 0"/>
-              <a:gd name="A8" fmla="val 0"/>
-            </a:avLst>
-            <a:gdLst/>
-            <a:ahLst/>
-            <a:cxnLst>
-              <a:cxn ang="0">
-                <a:pos x="0" y="1066"/>
-              </a:cxn>
-              <a:cxn ang="0">
-                <a:pos x="0" y="1331"/>
-              </a:cxn>
-              <a:cxn ang="0">
-                <a:pos x="5760" y="1331"/>
-              </a:cxn>
-              <a:cxn ang="0">
-                <a:pos x="5760" y="0"/>
-              </a:cxn>
-              <a:cxn ang="0">
-                <a:pos x="0" y="1066"/>
-              </a:cxn>
-            </a:cxnLst>
-            <a:rect l="0" t="0" r="0" b="0"/>
-            <a:pathLst>
-              <a:path w="5760" h="1331">
-                <a:moveTo>
-                  <a:pt x="0" y="1066"/>
-                </a:moveTo>
-                <a:lnTo>
-                  <a:pt x="0" y="1331"/>
-                </a:lnTo>
-                <a:lnTo>
-                  <a:pt x="5760" y="1331"/>
-                </a:lnTo>
-                <a:lnTo>
-                  <a:pt x="5760" y="0"/>
-                </a:lnTo>
-                <a:cubicBezTo>
-                  <a:pt x="3220" y="1206"/>
-                  <a:pt x="2250" y="1146"/>
-                  <a:pt x="0" y="1066"/>
-                </a:cubicBezTo>
-                <a:close/>
-              </a:path>
-            </a:pathLst>
-          </a:custGeom>
-          <a:solidFill>
-            <a:schemeClr val="bg1">
-              <a:tint val="80000"/>
-              <a:satMod val="200000"/>
-              <a:alpha val="45000"/>
-            </a:schemeClr>
-          </a:solidFill>
-          <a:ln w="9525" cap="flat" cmpd="sng" algn="ctr">
+          <a:prstGeom prst="rtTriangle">
+            <a:avLst/>
+          </a:prstGeom>
+          <a:gradFill flip="none" rotWithShape="1">
+            <a:gsLst>
+              <a:gs pos="0">
+                <a:schemeClr val="tx2">
+                  <a:alpha val="10000"/>
+                </a:schemeClr>
+              </a:gs>
+              <a:gs pos="70000">
+                <a:schemeClr val="tx2">
+                  <a:alpha val="8000"/>
+                </a:schemeClr>
+              </a:gs>
+              <a:gs pos="100000">
+                <a:schemeClr val="tx2">
+                  <a:alpha val="1000"/>
+                </a:schemeClr>
+              </a:gs>
+            </a:gsLst>
+            <a:lin ang="8000000" scaled="1"/>
+            <a:tileRect/>
+          </a:gradFill>
+          <a:ln w="38100" cap="rnd" cmpd="sng" algn="ctr">
             <a:noFill/>
             <a:prstDash val="solid"/>
-            <a:round/>
-            <a:headEnd type="none" w="med" len="med"/>
-            <a:tailEnd type="none" w="med" len="med"/>
           </a:ln>
-          <a:effectLst>
-            <a:outerShdw blurRad="50800" dist="44450" dir="16200000" algn="ctr" rotWithShape="0">
-              <a:prstClr val="black">
-                <a:alpha val="35000"/>
-              </a:prstClr>
-            </a:outerShdw>
-          </a:effectLst>
+          <a:effectLst/>
         </p:spPr>
-        <p:txBody>
-          <a:bodyPr vert="horz" wrap="square" lIns="91440" tIns="45720" rIns="91440" bIns="45720" anchor="t" compatLnSpc="1"/>
-          <a:lstStyle/>
-          <a:p>
-            <a:endParaRPr kumimoji="0" lang="en-US"/>
-          </a:p>
-        </p:txBody>
-      </p:sp>
-      <p:sp>
-        <p:nvSpPr>
-          <p:cNvPr id="9" name="Freeform 8"/>
-          <p:cNvSpPr>
-            <a:spLocks/>
-          </p:cNvSpPr>
+        <p:style>
+          <a:lnRef idx="3">
+            <a:schemeClr val="lt1"/>
+          </a:lnRef>
+          <a:fillRef idx="1">
+            <a:schemeClr val="accent1"/>
+          </a:fillRef>
+          <a:effectRef idx="1">
+            <a:schemeClr val="accent1"/>
+          </a:effectRef>
+          <a:fontRef idx="minor">
+            <a:schemeClr val="lt1"/>
+          </a:fontRef>
+        </p:style>
+        <p:txBody>
+          <a:bodyPr anchor="ctr"/>
+          <a:lstStyle/>
+          <a:p>
+            <a:pPr marL="0" algn="ctr" defTabSz="914400" rtl="0" eaLnBrk="1" latinLnBrk="0" hangingPunct="1"/>
+            <a:endParaRPr kumimoji="0" lang="en-US" sz="1800" kern="1200">
+              <a:solidFill>
+                <a:schemeClr val="lt1"/>
+              </a:solidFill>
+              <a:latin typeface="+mn-lt"/>
+              <a:ea typeface="+mn-ea"/>
+              <a:cs typeface="+mn-cs"/>
+            </a:endParaRPr>
+          </a:p>
+        </p:txBody>
+      </p:sp>
+      <p:sp>
+        <p:nvSpPr>
+          <p:cNvPr id="8" name="Isosceles Triangle 7"/>
+          <p:cNvSpPr/>
           <p:nvPr/>
         </p:nvSpPr>
-        <p:spPr bwMode="auto">
-          <a:xfrm>
-            <a:off x="6105525" y="0"/>
-            <a:ext cx="3038475" cy="6858000"/>
+        <p:spPr>
+          <a:xfrm rot="5400000" flipV="1">
+            <a:off x="7554353" y="309490"/>
+            <a:ext cx="1892949" cy="1294228"/>
           </a:xfrm>
-          <a:custGeom>
-            <a:avLst/>
-            <a:gdLst>
-              <a:gd name="connsiteX0" fmla="*/ 1914 w 1914"/>
-              <a:gd name="connsiteY0" fmla="*/ 9 h 4329"/>
-              <a:gd name="connsiteX1" fmla="*/ 1914 w 1914"/>
-              <a:gd name="connsiteY1" fmla="*/ 4329 h 4329"/>
-              <a:gd name="connsiteX2" fmla="*/ 204 w 1914"/>
-              <a:gd name="connsiteY2" fmla="*/ 4327 h 4329"/>
-              <a:gd name="connsiteX3" fmla="*/ 0 w 1914"/>
-              <a:gd name="connsiteY3" fmla="*/ 0 h 4329"/>
-              <a:gd name="connsiteX4" fmla="*/ 1914 w 1914"/>
-              <a:gd name="connsiteY4" fmla="*/ 9 h 4329"/>
-            </a:gdLst>
-            <a:ahLst/>
-            <a:cxnLst>
-              <a:cxn ang="0">
-                <a:pos x="connsiteX0" y="connsiteY0"/>
-              </a:cxn>
-              <a:cxn ang="0">
-                <a:pos x="connsiteX1" y="connsiteY1"/>
-              </a:cxn>
-              <a:cxn ang="0">
-                <a:pos x="connsiteX2" y="connsiteY2"/>
-              </a:cxn>
-              <a:cxn ang="0">
-                <a:pos x="connsiteX3" y="connsiteY3"/>
-              </a:cxn>
-              <a:cxn ang="0">
-                <a:pos x="connsiteX4" y="connsiteY4"/>
-              </a:cxn>
-            </a:cxnLst>
-            <a:rect l="l" t="t" r="r" b="b"/>
-            <a:pathLst>
-              <a:path w="1914" h="4329">
-                <a:moveTo>
-                  <a:pt x="1914" y="9"/>
-                </a:moveTo>
-                <a:lnTo>
-                  <a:pt x="1914" y="4329"/>
-                </a:lnTo>
-                <a:lnTo>
-                  <a:pt x="204" y="4327"/>
-                </a:lnTo>
-                <a:cubicBezTo>
-                  <a:pt x="1288" y="3574"/>
-                  <a:pt x="1608" y="1590"/>
-                  <a:pt x="0" y="0"/>
-                </a:cubicBezTo>
-                <a:lnTo>
-                  <a:pt x="1914" y="9"/>
-                </a:lnTo>
-                <a:close/>
-              </a:path>
-            </a:pathLst>
-          </a:custGeom>
-          <a:solidFill>
-            <a:schemeClr val="bg1">
-              <a:tint val="90000"/>
-              <a:satMod val="350000"/>
-              <a:alpha val="40000"/>
-            </a:schemeClr>
-          </a:solidFill>
-          <a:ln w="9525" cap="flat" cmpd="sng" algn="ctr">
+          <a:prstGeom prst="triangle">
+            <a:avLst>
+              <a:gd name="adj" fmla="val 51323"/>
+            </a:avLst>
+          </a:prstGeom>
+          <a:gradFill flip="none" rotWithShape="1">
+            <a:gsLst>
+              <a:gs pos="0">
+                <a:schemeClr val="accent1">
+                  <a:shade val="30000"/>
+                  <a:satMod val="155000"/>
+                  <a:alpha val="100000"/>
+                </a:schemeClr>
+              </a:gs>
+              <a:gs pos="60000">
+                <a:schemeClr val="accent1">
+                  <a:satMod val="160000"/>
+                  <a:alpha val="100000"/>
+                </a:schemeClr>
+              </a:gs>
+              <a:gs pos="100000">
+                <a:schemeClr val="accent1">
+                  <a:tint val="70000"/>
+                  <a:satMod val="200000"/>
+                  <a:alpha val="100000"/>
+                </a:schemeClr>
+              </a:gs>
+            </a:gsLst>
+            <a:lin ang="15500000" scaled="1"/>
+            <a:tileRect/>
+          </a:gradFill>
+          <a:ln w="38100" cap="rnd" cmpd="sng" algn="ctr">
             <a:noFill/>
             <a:prstDash val="solid"/>
-            <a:round/>
-            <a:headEnd type="none" w="med" len="med"/>
-            <a:tailEnd type="none" w="med" len="med"/>
           </a:ln>
-          <a:effectLst>
-            <a:outerShdw blurRad="50800" dist="50800" dir="10800000" algn="ctr" rotWithShape="0">
-              <a:prstClr val="black">
-                <a:alpha val="45000"/>
-              </a:prstClr>
-            </a:outerShdw>
-          </a:effectLst>
+          <a:effectLst/>
         </p:spPr>
-        <p:txBody>
-          <a:bodyPr vert="horz" wrap="square" lIns="91440" tIns="45720" rIns="91440" bIns="45720" anchor="t" compatLnSpc="1"/>
-          <a:lstStyle/>
-          <a:p>
+        <p:style>
+          <a:lnRef idx="3">
+            <a:schemeClr val="lt1"/>
+          </a:lnRef>
+          <a:fillRef idx="1">
+            <a:schemeClr val="accent1"/>
+          </a:fillRef>
+          <a:effectRef idx="1">
+            <a:schemeClr val="accent1"/>
+          </a:effectRef>
+          <a:fontRef idx="minor">
+            <a:schemeClr val="lt1"/>
+          </a:fontRef>
+        </p:style>
+        <p:txBody>
+          <a:bodyPr anchor="ctr"/>
+          <a:lstStyle/>
+          <a:p>
+            <a:pPr algn="ctr" eaLnBrk="1" latinLnBrk="0" hangingPunct="1"/>
             <a:endParaRPr kumimoji="0" lang="en-US"/>
           </a:p>
         </p:txBody>
       </p:sp>
       <p:sp>
         <p:nvSpPr>
-          <p:cNvPr id="2" name="Title 1"/>
-          <p:cNvSpPr>
-            <a:spLocks noGrp="1"/>
-          </p:cNvSpPr>
-          <p:nvPr>
-            <p:ph type="title"/>
+          <p:cNvPr id="4" name="Date Placeholder 3"/>
+          <p:cNvSpPr>
+            <a:spLocks noGrp="1"/>
+          </p:cNvSpPr>
+          <p:nvPr>
+            <p:ph type="dt" sz="half" idx="10"/>
           </p:nvPr>
         </p:nvSpPr>
         <p:spPr>
           <a:xfrm>
-            <a:off x="685800" y="3583837"/>
-            <a:ext cx="6629400" cy="1826363"/>
+            <a:off x="6955632" y="6477000"/>
+            <a:ext cx="2133600" cy="304800"/>
           </a:xfrm>
         </p:spPr>
         <p:txBody>
-          <a:bodyPr tIns="0" bIns="0" anchor="t"/>
+          <a:bodyPr/>
+          <a:lstStyle/>
+          <a:p>
+            <a:fld id="{A622FA40-48A8-46EB-94B6-DD3D71CB7A6E}" type="datetime1">
+              <a:rPr lang="pt-BR" smtClean="0"/>
+              <a:t>25/03/2014</a:t>
+            </a:fld>
+            <a:endParaRPr lang="pt-BR"/>
+          </a:p>
+        </p:txBody>
+      </p:sp>
+      <p:sp>
+        <p:nvSpPr>
+          <p:cNvPr id="5" name="Footer Placeholder 4"/>
+          <p:cNvSpPr>
+            <a:spLocks noGrp="1"/>
+          </p:cNvSpPr>
+          <p:nvPr>
+            <p:ph type="ftr" sz="quarter" idx="11"/>
+          </p:nvPr>
+        </p:nvSpPr>
+        <p:spPr>
+          <a:xfrm>
+            <a:off x="2619376" y="6480969"/>
+            <a:ext cx="4260056" cy="300831"/>
+          </a:xfrm>
+        </p:spPr>
+        <p:txBody>
+          <a:bodyPr/>
+          <a:lstStyle/>
+          <a:p>
+            <a:endParaRPr lang="pt-BR"/>
+          </a:p>
+        </p:txBody>
+      </p:sp>
+      <p:sp>
+        <p:nvSpPr>
+          <p:cNvPr id="6" name="Slide Number Placeholder 5"/>
+          <p:cNvSpPr>
+            <a:spLocks noGrp="1"/>
+          </p:cNvSpPr>
+          <p:nvPr>
+            <p:ph type="sldNum" sz="quarter" idx="12"/>
+          </p:nvPr>
+        </p:nvSpPr>
+        <p:spPr>
+          <a:xfrm>
+            <a:off x="8451056" y="809624"/>
+            <a:ext cx="502920" cy="300831"/>
+          </a:xfrm>
+        </p:spPr>
+        <p:txBody>
+          <a:bodyPr/>
+          <a:lstStyle/>
+          <a:p>
+            <a:fld id="{913D6293-DBA6-4239-BE1C-6787D265FAC0}" type="slidenum">
+              <a:rPr lang="pt-BR" smtClean="0"/>
+              <a:t>‹#›</a:t>
+            </a:fld>
+            <a:endParaRPr lang="pt-BR"/>
+          </a:p>
+        </p:txBody>
+      </p:sp>
+      <p:cxnSp>
+        <p:nvCxnSpPr>
+          <p:cNvPr id="11" name="Straight Connector 10"/>
+          <p:cNvCxnSpPr/>
+          <p:nvPr/>
+        </p:nvCxnSpPr>
+        <p:spPr>
+          <a:xfrm rot="10800000">
+            <a:off x="6468794" y="9381"/>
+            <a:ext cx="2672861" cy="1900210"/>
+          </a:xfrm>
+          <a:prstGeom prst="line">
+            <a:avLst/>
+          </a:prstGeom>
+          <a:noFill/>
+          <a:ln w="6000" cap="rnd" cmpd="sng" algn="ctr">
+            <a:solidFill>
+              <a:schemeClr val="bg2">
+                <a:tint val="50000"/>
+                <a:satMod val="200000"/>
+                <a:alpha val="45000"/>
+              </a:schemeClr>
+            </a:solidFill>
+            <a:prstDash val="solid"/>
+          </a:ln>
+          <a:effectLst/>
+        </p:spPr>
+        <p:style>
+          <a:lnRef idx="2">
+            <a:schemeClr val="accent1"/>
+          </a:lnRef>
+          <a:fillRef idx="0">
+            <a:schemeClr val="accent1"/>
+          </a:fillRef>
+          <a:effectRef idx="1">
+            <a:schemeClr val="accent1"/>
+          </a:effectRef>
+          <a:fontRef idx="minor">
+            <a:schemeClr val="tx1"/>
+          </a:fontRef>
+        </p:style>
+      </p:cxnSp>
+      <p:cxnSp>
+        <p:nvCxnSpPr>
+          <p:cNvPr id="10" name="Straight Connector 9"/>
+          <p:cNvCxnSpPr/>
+          <p:nvPr/>
+        </p:nvCxnSpPr>
+        <p:spPr>
+          <a:xfrm flipV="1">
+            <a:off x="0" y="7034"/>
+            <a:ext cx="9136966" cy="6843933"/>
+          </a:xfrm>
+          <a:prstGeom prst="line">
+            <a:avLst/>
+          </a:prstGeom>
+          <a:noFill/>
+          <a:ln w="5000" cap="rnd" cmpd="sng" algn="ctr">
+            <a:solidFill>
+              <a:schemeClr val="bg2">
+                <a:tint val="55000"/>
+                <a:satMod val="200000"/>
+                <a:alpha val="35000"/>
+              </a:schemeClr>
+            </a:solidFill>
+            <a:prstDash val="solid"/>
+          </a:ln>
+          <a:effectLst/>
+        </p:spPr>
+        <p:style>
+          <a:lnRef idx="2">
+            <a:schemeClr val="accent1"/>
+          </a:lnRef>
+          <a:fillRef idx="0">
+            <a:schemeClr val="accent1"/>
+          </a:fillRef>
+          <a:effectRef idx="1">
+            <a:schemeClr val="accent1"/>
+          </a:effectRef>
+          <a:fontRef idx="minor">
+            <a:schemeClr val="tx1"/>
+          </a:fontRef>
+        </p:style>
+      </p:cxnSp>
+      <p:sp>
+        <p:nvSpPr>
+          <p:cNvPr id="2" name="Title 1"/>
+          <p:cNvSpPr>
+            <a:spLocks noGrp="1"/>
+          </p:cNvSpPr>
+          <p:nvPr>
+            <p:ph type="title"/>
+          </p:nvPr>
+        </p:nvSpPr>
+        <p:spPr>
+          <a:xfrm>
+            <a:off x="381000" y="271464"/>
+            <a:ext cx="7239000" cy="1362075"/>
+          </a:xfrm>
+        </p:spPr>
+        <p:txBody>
+          <a:bodyPr anchor="ctr"/>
           <a:lstStyle>
-            <a:lvl1pPr algn="l">
+            <a:lvl1pPr marL="0" algn="l">
               <a:buNone/>
-              <a:defRPr sz="4200" b="1" cap="none" baseline="0">
-                <a:ln w="5000" cmpd="sng">
-                  <a:solidFill>
-                    <a:schemeClr val="accent1">
-                      <a:tint val="80000"/>
-                      <a:shade val="99000"/>
-                      <a:satMod val="500000"/>
-                    </a:schemeClr>
-                  </a:solidFill>
-                  <a:prstDash val="solid"/>
-                </a:ln>
-                <a:gradFill>
-                  <a:gsLst>
-                    <a:gs pos="0">
-                      <a:schemeClr val="accent1">
-                        <a:tint val="63000"/>
-                        <a:satMod val="255000"/>
-                      </a:schemeClr>
-                    </a:gs>
-                    <a:gs pos="9000">
-                      <a:schemeClr val="accent1">
-                        <a:tint val="63000"/>
-                        <a:satMod val="255000"/>
-                      </a:schemeClr>
-                    </a:gs>
-                    <a:gs pos="53000">
-                      <a:schemeClr val="accent1">
-                        <a:shade val="60000"/>
-                        <a:satMod val="100000"/>
-                      </a:schemeClr>
-                    </a:gs>
-                    <a:gs pos="90000">
-                      <a:schemeClr val="accent1">
-                        <a:tint val="63000"/>
-                        <a:satMod val="255000"/>
-                      </a:schemeClr>
-                    </a:gs>
-                    <a:gs pos="100000">
-                      <a:schemeClr val="accent1">
-                        <a:tint val="63000"/>
-                        <a:satMod val="255000"/>
-                      </a:schemeClr>
-                    </a:gs>
-                  </a:gsLst>
-                  <a:lin ang="5400000"/>
-                </a:gradFill>
-                <a:effectLst>
-                  <a:outerShdw blurRad="50800" dist="38100" dir="5400000" algn="t" rotWithShape="0">
-                    <a:prstClr val="black">
-                      <a:alpha val="50000"/>
-                    </a:prstClr>
-                  </a:outerShdw>
-                </a:effectLst>
-              </a:defRPr>
+              <a:defRPr sz="3600" b="1" cap="none" baseline="0"/>
             </a:lvl1pPr>
           </a:lstStyle>
           <a:p>
@@ -2669,20 +2995,21 @@
         </p:nvSpPr>
         <p:spPr>
           <a:xfrm>
-            <a:off x="685800" y="2485800"/>
-            <a:ext cx="6629400" cy="1066688"/>
+            <a:off x="381000" y="1633536"/>
+            <a:ext cx="3886200" cy="2286000"/>
           </a:xfrm>
         </p:spPr>
         <p:txBody>
-          <a:bodyPr lIns="45720" tIns="0" rIns="45720" bIns="0" anchor="b"/>
+          <a:bodyPr anchor="t"/>
           <a:lstStyle>
-            <a:lvl1pPr marL="0" indent="0" algn="l">
+            <a:lvl1pPr marL="54864" indent="0" algn="l">
               <a:buNone/>
               <a:defRPr sz="2000">
                 <a:solidFill>
-                  <a:schemeClr val="tx1"/>
+                  <a:schemeClr val="tx1">
+                    <a:tint val="75000"/>
+                  </a:schemeClr>
                 </a:solidFill>
-                <a:effectLst/>
               </a:defRPr>
             </a:lvl1pPr>
             <a:lvl2pPr>
@@ -2735,71 +3062,6 @@
           </a:p>
         </p:txBody>
       </p:sp>
-      <p:sp>
-        <p:nvSpPr>
-          <p:cNvPr id="4" name="Date Placeholder 3"/>
-          <p:cNvSpPr>
-            <a:spLocks noGrp="1"/>
-          </p:cNvSpPr>
-          <p:nvPr>
-            <p:ph type="dt" sz="half" idx="10"/>
-          </p:nvPr>
-        </p:nvSpPr>
-        <p:spPr/>
-        <p:txBody>
-          <a:bodyPr/>
-          <a:lstStyle/>
-          <a:p>
-            <a:fld id="{A622FA40-48A8-46EB-94B6-DD3D71CB7A6E}" type="datetime1">
-              <a:rPr lang="pt-BR" smtClean="0"/>
-              <a:t>19/03/2014</a:t>
-            </a:fld>
-            <a:endParaRPr lang="pt-BR"/>
-          </a:p>
-        </p:txBody>
-      </p:sp>
-      <p:sp>
-        <p:nvSpPr>
-          <p:cNvPr id="5" name="Footer Placeholder 4"/>
-          <p:cNvSpPr>
-            <a:spLocks noGrp="1"/>
-          </p:cNvSpPr>
-          <p:nvPr>
-            <p:ph type="ftr" sz="quarter" idx="11"/>
-          </p:nvPr>
-        </p:nvSpPr>
-        <p:spPr/>
-        <p:txBody>
-          <a:bodyPr/>
-          <a:lstStyle/>
-          <a:p>
-            <a:endParaRPr lang="pt-BR"/>
-          </a:p>
-        </p:txBody>
-      </p:sp>
-      <p:sp>
-        <p:nvSpPr>
-          <p:cNvPr id="6" name="Slide Number Placeholder 5"/>
-          <p:cNvSpPr>
-            <a:spLocks noGrp="1"/>
-          </p:cNvSpPr>
-          <p:nvPr>
-            <p:ph type="sldNum" sz="quarter" idx="12"/>
-          </p:nvPr>
-        </p:nvSpPr>
-        <p:spPr/>
-        <p:txBody>
-          <a:bodyPr/>
-          <a:lstStyle/>
-          <a:p>
-            <a:fld id="{913D6293-DBA6-4239-BE1C-6787D265FAC0}" type="slidenum">
-              <a:rPr lang="pt-BR" smtClean="0"/>
-              <a:t>‹#›</a:t>
-            </a:fld>
-            <a:endParaRPr lang="pt-BR"/>
-          </a:p>
-        </p:txBody>
-      </p:sp>
     </p:spTree>
   </p:cSld>
   <p:clrMapOvr>
@@ -2835,38 +3097,37 @@
             <p:ph type="title"/>
           </p:nvPr>
         </p:nvSpPr>
+        <p:spPr/>
+        <p:txBody>
+          <a:bodyPr/>
+          <a:lstStyle>
+            <a:lvl1pPr marL="0" algn="l">
+              <a:defRPr/>
+            </a:lvl1pPr>
+          </a:lstStyle>
+          <a:p>
+            <a:r>
+              <a:rPr kumimoji="0" lang="en-US" smtClean="0"/>
+              <a:t>Click to edit Master title style</a:t>
+            </a:r>
+            <a:endParaRPr kumimoji="0" lang="en-US"/>
+          </a:p>
+        </p:txBody>
+      </p:sp>
+      <p:sp>
+        <p:nvSpPr>
+          <p:cNvPr id="3" name="Content Placeholder 2"/>
+          <p:cNvSpPr>
+            <a:spLocks noGrp="1"/>
+          </p:cNvSpPr>
+          <p:nvPr>
+            <p:ph sz="half" idx="1"/>
+          </p:nvPr>
+        </p:nvSpPr>
         <p:spPr>
           <a:xfrm>
-            <a:off x="457200" y="274638"/>
-            <a:ext cx="7467600" cy="1143000"/>
-          </a:xfrm>
-        </p:spPr>
-        <p:txBody>
-          <a:bodyPr/>
-          <a:lstStyle/>
-          <a:p>
-            <a:r>
-              <a:rPr kumimoji="0" lang="en-US" smtClean="0"/>
-              <a:t>Click to edit Master title style</a:t>
-            </a:r>
-            <a:endParaRPr kumimoji="0" lang="en-US"/>
-          </a:p>
-        </p:txBody>
-      </p:sp>
-      <p:sp>
-        <p:nvSpPr>
-          <p:cNvPr id="3" name="Content Placeholder 2"/>
-          <p:cNvSpPr>
-            <a:spLocks noGrp="1"/>
-          </p:cNvSpPr>
-          <p:nvPr>
-            <p:ph sz="half" idx="1"/>
-          </p:nvPr>
-        </p:nvSpPr>
-        <p:spPr>
-          <a:xfrm>
-            <a:off x="457200" y="1600200"/>
-            <a:ext cx="3657600" cy="4525963"/>
+            <a:off x="457200" y="1722437"/>
+            <a:ext cx="4038600" cy="4525963"/>
           </a:xfrm>
         </p:spPr>
         <p:txBody>
@@ -2876,7 +3137,7 @@
               <a:defRPr sz="2600"/>
             </a:lvl1pPr>
             <a:lvl2pPr>
-              <a:defRPr sz="2200"/>
+              <a:defRPr sz="2400"/>
             </a:lvl2pPr>
             <a:lvl3pPr>
               <a:defRPr sz="2000"/>
@@ -2938,8 +3199,8 @@
         </p:nvSpPr>
         <p:spPr>
           <a:xfrm>
-            <a:off x="4267200" y="1600200"/>
-            <a:ext cx="3657600" cy="4525963"/>
+            <a:off x="4648200" y="1722437"/>
+            <a:ext cx="4038600" cy="4525963"/>
           </a:xfrm>
         </p:spPr>
         <p:txBody>
@@ -2949,7 +3210,7 @@
               <a:defRPr sz="2600"/>
             </a:lvl1pPr>
             <a:lvl2pPr>
-              <a:defRPr sz="2200"/>
+              <a:defRPr sz="2400"/>
             </a:lvl2pPr>
             <a:lvl3pPr>
               <a:defRPr sz="2000"/>
@@ -3009,14 +3270,19 @@
             <p:ph type="dt" sz="half" idx="10"/>
           </p:nvPr>
         </p:nvSpPr>
-        <p:spPr/>
+        <p:spPr>
+          <a:xfrm>
+            <a:off x="4791456" y="6480969"/>
+            <a:ext cx="2133600" cy="301752"/>
+          </a:xfrm>
+        </p:spPr>
         <p:txBody>
           <a:bodyPr/>
           <a:lstStyle/>
           <a:p>
             <a:fld id="{70A91446-4C0B-44C9-898E-686B9DBC5D65}" type="datetime1">
               <a:rPr lang="pt-BR" smtClean="0"/>
-              <a:t>19/03/2014</a:t>
+              <a:t>25/03/2014</a:t>
             </a:fld>
             <a:endParaRPr lang="pt-BR"/>
           </a:p>
@@ -3032,7 +3298,12 @@
             <p:ph type="ftr" sz="quarter" idx="11"/>
           </p:nvPr>
         </p:nvSpPr>
-        <p:spPr/>
+        <p:spPr>
+          <a:xfrm>
+            <a:off x="457200" y="6480969"/>
+            <a:ext cx="4260056" cy="301752"/>
+          </a:xfrm>
+        </p:spPr>
         <p:txBody>
           <a:bodyPr/>
           <a:lstStyle/>
@@ -3051,7 +3322,12 @@
             <p:ph type="sldNum" sz="quarter" idx="12"/>
           </p:nvPr>
         </p:nvSpPr>
-        <p:spPr/>
+        <p:spPr>
+          <a:xfrm>
+            <a:off x="7589520" y="6480969"/>
+            <a:ext cx="502920" cy="301752"/>
+          </a:xfrm>
+        </p:spPr>
         <p:txBody>
           <a:bodyPr/>
           <a:lstStyle/>
@@ -3075,6 +3351,11 @@
 <file path=ppt/slideLayouts/slideLayout5.xml><?xml version="1.0" encoding="utf-8"?>
 <p:sldLayout xmlns:a="http://schemas.openxmlformats.org/drawingml/2006/main" xmlns:r="http://schemas.openxmlformats.org/officeDocument/2006/relationships" xmlns:p="http://schemas.openxmlformats.org/presentationml/2006/main" showMasterSp="0" type="twoTxTwoObj" preserve="1">
   <p:cSld name="Comparison">
+    <p:bg>
+      <p:bgRef idx="1002">
+        <a:schemeClr val="bg2"/>
+      </p:bgRef>
+    </p:bg>
     <p:spTree>
       <p:nvGrpSpPr>
         <p:cNvPr id="1" name=""/>
@@ -3101,15 +3382,24 @@
         </p:nvSpPr>
         <p:spPr>
           <a:xfrm>
-            <a:off x="457200" y="273050"/>
-            <a:ext cx="8229600" cy="1143000"/>
+            <a:off x="248198" y="290732"/>
+            <a:ext cx="1066800" cy="6153912"/>
           </a:xfrm>
         </p:spPr>
         <p:txBody>
-          <a:bodyPr anchor="ctr"/>
+          <a:bodyPr vert="vert270" anchor="b"/>
           <a:lstStyle>
-            <a:lvl1pPr>
-              <a:defRPr/>
+            <a:lvl1pPr marL="0" algn="ctr">
+              <a:defRPr sz="3300" b="1">
+                <a:ln w="6350">
+                  <a:solidFill>
+                    <a:schemeClr val="tx1"/>
+                  </a:solidFill>
+                </a:ln>
+                <a:solidFill>
+                  <a:schemeClr val="tx1"/>
+                </a:solidFill>
+              </a:defRPr>
             </a:lvl1pPr>
           </a:lstStyle>
           <a:p>
@@ -3133,18 +3423,24 @@
         </p:nvSpPr>
         <p:spPr>
           <a:xfrm>
-            <a:off x="457200" y="5486400"/>
-            <a:ext cx="4040188" cy="838200"/>
+            <a:off x="1365006" y="290732"/>
+            <a:ext cx="581024" cy="3017520"/>
           </a:xfrm>
+          <a:solidFill>
+            <a:schemeClr val="bg1"/>
+          </a:solidFill>
+          <a:ln w="12700">
+            <a:noFill/>
+          </a:ln>
         </p:spPr>
         <p:txBody>
-          <a:bodyPr anchor="t"/>
+          <a:bodyPr vert="vert270" anchor="ctr"/>
           <a:lstStyle>
-            <a:lvl1pPr marL="0" indent="0">
+            <a:lvl1pPr marL="0" indent="0" algn="ctr">
               <a:buNone/>
-              <a:defRPr sz="2400" b="1">
+              <a:defRPr sz="1600" b="0">
                 <a:solidFill>
-                  <a:schemeClr val="accent1"/>
+                  <a:schemeClr val="tx1"/>
                 </a:solidFill>
               </a:defRPr>
             </a:lvl1pPr>
@@ -3186,18 +3482,24 @@
         </p:nvSpPr>
         <p:spPr>
           <a:xfrm>
-            <a:off x="4645025" y="5486400"/>
-            <a:ext cx="4041775" cy="838200"/>
+            <a:off x="1365006" y="3427124"/>
+            <a:ext cx="581024" cy="3017520"/>
           </a:xfrm>
+          <a:solidFill>
+            <a:schemeClr val="bg1"/>
+          </a:solidFill>
+          <a:ln w="12700">
+            <a:noFill/>
+          </a:ln>
         </p:spPr>
         <p:txBody>
-          <a:bodyPr anchor="t"/>
+          <a:bodyPr vert="vert270" anchor="ctr"/>
           <a:lstStyle>
-            <a:lvl1pPr marL="0" indent="0">
+            <a:lvl1pPr marL="0" indent="0" algn="ctr">
               <a:buNone/>
-              <a:defRPr sz="2400" b="1">
+              <a:defRPr sz="1600" b="0">
                 <a:solidFill>
-                  <a:schemeClr val="accent1"/>
+                  <a:schemeClr val="tx1"/>
                 </a:solidFill>
               </a:defRPr>
             </a:lvl1pPr>
@@ -3239,8 +3541,81 @@
         </p:nvSpPr>
         <p:spPr>
           <a:xfrm>
-            <a:off x="457200" y="1516912"/>
-            <a:ext cx="4040188" cy="3941763"/>
+            <a:off x="2022230" y="290732"/>
+            <a:ext cx="6858000" cy="3017520"/>
+          </a:xfrm>
+        </p:spPr>
+        <p:txBody>
+          <a:bodyPr/>
+          <a:lstStyle>
+            <a:lvl1pPr algn="l">
+              <a:defRPr sz="2400"/>
+            </a:lvl1pPr>
+            <a:lvl2pPr algn="l">
+              <a:defRPr sz="2000"/>
+            </a:lvl2pPr>
+            <a:lvl3pPr algn="l">
+              <a:defRPr sz="1800"/>
+            </a:lvl3pPr>
+            <a:lvl4pPr algn="l">
+              <a:defRPr sz="1600"/>
+            </a:lvl4pPr>
+            <a:lvl5pPr algn="l">
+              <a:defRPr sz="1600"/>
+            </a:lvl5pPr>
+          </a:lstStyle>
+          <a:p>
+            <a:pPr lvl="0" eaLnBrk="1" latinLnBrk="0" hangingPunct="1"/>
+            <a:r>
+              <a:rPr lang="en-US" smtClean="0"/>
+              <a:t>Click to edit Master text styles</a:t>
+            </a:r>
+          </a:p>
+          <a:p>
+            <a:pPr lvl="1" eaLnBrk="1" latinLnBrk="0" hangingPunct="1"/>
+            <a:r>
+              <a:rPr lang="en-US" smtClean="0"/>
+              <a:t>Second level</a:t>
+            </a:r>
+          </a:p>
+          <a:p>
+            <a:pPr lvl="2" eaLnBrk="1" latinLnBrk="0" hangingPunct="1"/>
+            <a:r>
+              <a:rPr lang="en-US" smtClean="0"/>
+              <a:t>Third level</a:t>
+            </a:r>
+          </a:p>
+          <a:p>
+            <a:pPr lvl="3" eaLnBrk="1" latinLnBrk="0" hangingPunct="1"/>
+            <a:r>
+              <a:rPr lang="en-US" smtClean="0"/>
+              <a:t>Fourth level</a:t>
+            </a:r>
+          </a:p>
+          <a:p>
+            <a:pPr lvl="4" eaLnBrk="1" latinLnBrk="0" hangingPunct="1"/>
+            <a:r>
+              <a:rPr lang="en-US" smtClean="0"/>
+              <a:t>Fifth level</a:t>
+            </a:r>
+            <a:endParaRPr kumimoji="0" lang="en-US"/>
+          </a:p>
+        </p:txBody>
+      </p:sp>
+      <p:sp>
+        <p:nvSpPr>
+          <p:cNvPr id="6" name="Content Placeholder 5"/>
+          <p:cNvSpPr>
+            <a:spLocks noGrp="1"/>
+          </p:cNvSpPr>
+          <p:nvPr>
+            <p:ph sz="quarter" idx="4"/>
+          </p:nvPr>
+        </p:nvSpPr>
+        <p:spPr>
+          <a:xfrm>
+            <a:off x="2022230" y="3427124"/>
+            <a:ext cx="6858000" cy="3017520"/>
           </a:xfrm>
         </p:spPr>
         <p:txBody>
@@ -3302,95 +3677,27 @@
       </p:sp>
       <p:sp>
         <p:nvSpPr>
-          <p:cNvPr id="6" name="Content Placeholder 5"/>
-          <p:cNvSpPr>
-            <a:spLocks noGrp="1"/>
-          </p:cNvSpPr>
-          <p:nvPr>
-            <p:ph sz="quarter" idx="4"/>
+          <p:cNvPr id="7" name="Date Placeholder 6"/>
+          <p:cNvSpPr>
+            <a:spLocks noGrp="1"/>
+          </p:cNvSpPr>
+          <p:nvPr>
+            <p:ph type="dt" sz="half" idx="10"/>
           </p:nvPr>
         </p:nvSpPr>
         <p:spPr>
           <a:xfrm>
-            <a:off x="4645025" y="1516912"/>
-            <a:ext cx="4041775" cy="3941763"/>
+            <a:off x="4791456" y="6480969"/>
+            <a:ext cx="2130552" cy="301752"/>
           </a:xfrm>
         </p:spPr>
         <p:txBody>
           <a:bodyPr/>
-          <a:lstStyle>
-            <a:lvl1pPr>
-              <a:defRPr sz="2400"/>
-            </a:lvl1pPr>
-            <a:lvl2pPr>
-              <a:defRPr sz="2000"/>
-            </a:lvl2pPr>
-            <a:lvl3pPr>
-              <a:defRPr sz="1800"/>
-            </a:lvl3pPr>
-            <a:lvl4pPr>
-              <a:defRPr sz="1600"/>
-            </a:lvl4pPr>
-            <a:lvl5pPr>
-              <a:defRPr sz="1600"/>
-            </a:lvl5pPr>
-          </a:lstStyle>
-          <a:p>
-            <a:pPr lvl="0" eaLnBrk="1" latinLnBrk="0" hangingPunct="1"/>
-            <a:r>
-              <a:rPr lang="en-US" smtClean="0"/>
-              <a:t>Click to edit Master text styles</a:t>
-            </a:r>
-          </a:p>
-          <a:p>
-            <a:pPr lvl="1" eaLnBrk="1" latinLnBrk="0" hangingPunct="1"/>
-            <a:r>
-              <a:rPr lang="en-US" smtClean="0"/>
-              <a:t>Second level</a:t>
-            </a:r>
-          </a:p>
-          <a:p>
-            <a:pPr lvl="2" eaLnBrk="1" latinLnBrk="0" hangingPunct="1"/>
-            <a:r>
-              <a:rPr lang="en-US" smtClean="0"/>
-              <a:t>Third level</a:t>
-            </a:r>
-          </a:p>
-          <a:p>
-            <a:pPr lvl="3" eaLnBrk="1" latinLnBrk="0" hangingPunct="1"/>
-            <a:r>
-              <a:rPr lang="en-US" smtClean="0"/>
-              <a:t>Fourth level</a:t>
-            </a:r>
-          </a:p>
-          <a:p>
-            <a:pPr lvl="4" eaLnBrk="1" latinLnBrk="0" hangingPunct="1"/>
-            <a:r>
-              <a:rPr lang="en-US" smtClean="0"/>
-              <a:t>Fifth level</a:t>
-            </a:r>
-            <a:endParaRPr kumimoji="0" lang="en-US"/>
-          </a:p>
-        </p:txBody>
-      </p:sp>
-      <p:sp>
-        <p:nvSpPr>
-          <p:cNvPr id="7" name="Date Placeholder 6"/>
-          <p:cNvSpPr>
-            <a:spLocks noGrp="1"/>
-          </p:cNvSpPr>
-          <p:nvPr>
-            <p:ph type="dt" sz="half" idx="10"/>
-          </p:nvPr>
-        </p:nvSpPr>
-        <p:spPr/>
-        <p:txBody>
-          <a:bodyPr/>
           <a:lstStyle/>
           <a:p>
             <a:fld id="{474BC1FC-5834-44F0-8A01-0065C7A96A1F}" type="datetime1">
               <a:rPr lang="pt-BR" smtClean="0"/>
-              <a:t>19/03/2014</a:t>
+              <a:t>25/03/2014</a:t>
             </a:fld>
             <a:endParaRPr lang="pt-BR"/>
           </a:p>
@@ -3406,7 +3713,12 @@
             <p:ph type="ftr" sz="quarter" idx="11"/>
           </p:nvPr>
         </p:nvSpPr>
-        <p:spPr/>
+        <p:spPr>
+          <a:xfrm>
+            <a:off x="457200" y="6480969"/>
+            <a:ext cx="4261104" cy="301752"/>
+          </a:xfrm>
+        </p:spPr>
         <p:txBody>
           <a:bodyPr/>
           <a:lstStyle/>
@@ -3425,10 +3737,19 @@
             <p:ph type="sldNum" sz="quarter" idx="12"/>
           </p:nvPr>
         </p:nvSpPr>
-        <p:spPr/>
-        <p:txBody>
-          <a:bodyPr/>
-          <a:lstStyle/>
+        <p:spPr>
+          <a:xfrm>
+            <a:off x="7589520" y="6483096"/>
+            <a:ext cx="502920" cy="301752"/>
+          </a:xfrm>
+        </p:spPr>
+        <p:txBody>
+          <a:bodyPr/>
+          <a:lstStyle>
+            <a:lvl1pPr algn="ctr">
+              <a:defRPr/>
+            </a:lvl1pPr>
+          </a:lstStyle>
           <a:p>
             <a:fld id="{913D6293-DBA6-4239-BE1C-6787D265FAC0}" type="slidenum">
               <a:rPr lang="pt-BR" smtClean="0"/>
@@ -3441,7 +3762,7 @@
     </p:spTree>
   </p:cSld>
   <p:clrMapOvr>
-    <a:masterClrMapping/>
+    <a:overrideClrMapping bg1="dk1" tx1="lt1" bg2="dk2" tx2="lt2" accent1="accent1" accent2="accent2" accent3="accent3" accent4="accent4" accent5="accent5" accent6="accent6" hlink="hlink" folHlink="folHlink"/>
   </p:clrMapOvr>
 </p:sldLayout>
 </file>
@@ -3473,17 +3794,12 @@
             <p:ph type="title"/>
           </p:nvPr>
         </p:nvSpPr>
-        <p:spPr>
-          <a:xfrm>
-            <a:off x="457200" y="274320"/>
-            <a:ext cx="7470648" cy="1143000"/>
-          </a:xfrm>
-        </p:spPr>
-        <p:txBody>
-          <a:bodyPr anchor="ctr"/>
+        <p:spPr/>
+        <p:txBody>
+          <a:bodyPr/>
           <a:lstStyle>
-            <a:lvl1pPr algn="l">
-              <a:defRPr sz="4600"/>
+            <a:lvl1pPr>
+              <a:defRPr b="0"/>
             </a:lvl1pPr>
           </a:lstStyle>
           <a:p>
@@ -3497,7 +3813,7 @@
       </p:sp>
       <p:sp>
         <p:nvSpPr>
-          <p:cNvPr id="7" name="Date Placeholder 6"/>
+          <p:cNvPr id="3" name="Date Placeholder 2"/>
           <p:cNvSpPr>
             <a:spLocks noGrp="1"/>
           </p:cNvSpPr>
@@ -3512,7 +3828,7 @@
           <a:p>
             <a:fld id="{13F19FAB-C0C0-40A9-BD62-3AF5AC6CDF47}" type="datetime1">
               <a:rPr lang="pt-BR" smtClean="0"/>
-              <a:t>19/03/2014</a:t>
+              <a:t>25/03/2014</a:t>
             </a:fld>
             <a:endParaRPr lang="pt-BR"/>
           </a:p>
@@ -3520,12 +3836,31 @@
       </p:sp>
       <p:sp>
         <p:nvSpPr>
-          <p:cNvPr id="8" name="Slide Number Placeholder 7"/>
-          <p:cNvSpPr>
-            <a:spLocks noGrp="1"/>
-          </p:cNvSpPr>
-          <p:nvPr>
-            <p:ph type="sldNum" sz="quarter" idx="11"/>
+          <p:cNvPr id="4" name="Footer Placeholder 3"/>
+          <p:cNvSpPr>
+            <a:spLocks noGrp="1"/>
+          </p:cNvSpPr>
+          <p:nvPr>
+            <p:ph type="ftr" sz="quarter" idx="11"/>
+          </p:nvPr>
+        </p:nvSpPr>
+        <p:spPr/>
+        <p:txBody>
+          <a:bodyPr/>
+          <a:lstStyle/>
+          <a:p>
+            <a:endParaRPr lang="pt-BR"/>
+          </a:p>
+        </p:txBody>
+      </p:sp>
+      <p:sp>
+        <p:nvSpPr>
+          <p:cNvPr id="5" name="Slide Number Placeholder 4"/>
+          <p:cNvSpPr>
+            <a:spLocks noGrp="1"/>
+          </p:cNvSpPr>
+          <p:nvPr>
+            <p:ph type="sldNum" sz="quarter" idx="12"/>
           </p:nvPr>
         </p:nvSpPr>
         <p:spPr/>
@@ -3537,25 +3872,6 @@
               <a:rPr lang="pt-BR" smtClean="0"/>
               <a:t>‹#›</a:t>
             </a:fld>
-            <a:endParaRPr lang="pt-BR"/>
-          </a:p>
-        </p:txBody>
-      </p:sp>
-      <p:sp>
-        <p:nvSpPr>
-          <p:cNvPr id="9" name="Footer Placeholder 8"/>
-          <p:cNvSpPr>
-            <a:spLocks noGrp="1"/>
-          </p:cNvSpPr>
-          <p:nvPr>
-            <p:ph type="ftr" sz="quarter" idx="12"/>
-          </p:nvPr>
-        </p:nvSpPr>
-        <p:spPr/>
-        <p:txBody>
-          <a:bodyPr/>
-          <a:lstStyle/>
-          <a:p>
             <a:endParaRPr lang="pt-BR"/>
           </a:p>
         </p:txBody>
@@ -3595,14 +3911,19 @@
             <p:ph type="dt" sz="half" idx="10"/>
           </p:nvPr>
         </p:nvSpPr>
-        <p:spPr/>
+        <p:spPr>
+          <a:xfrm>
+            <a:off x="4791456" y="6480969"/>
+            <a:ext cx="2133600" cy="301752"/>
+          </a:xfrm>
+        </p:spPr>
         <p:txBody>
           <a:bodyPr/>
           <a:lstStyle/>
           <a:p>
             <a:fld id="{729FF6FD-CB5B-497E-BE93-E7F3E22C6F81}" type="datetime1">
               <a:rPr lang="pt-BR" smtClean="0"/>
-              <a:t>19/03/2014</a:t>
+              <a:t>25/03/2014</a:t>
             </a:fld>
             <a:endParaRPr lang="pt-BR"/>
           </a:p>
@@ -3618,7 +3939,12 @@
             <p:ph type="ftr" sz="quarter" idx="11"/>
           </p:nvPr>
         </p:nvSpPr>
-        <p:spPr/>
+        <p:spPr>
+          <a:xfrm>
+            <a:off x="457200" y="6481890"/>
+            <a:ext cx="4260056" cy="300831"/>
+          </a:xfrm>
+        </p:spPr>
         <p:txBody>
           <a:bodyPr/>
           <a:lstStyle/>
@@ -3637,7 +3963,12 @@
             <p:ph type="sldNum" sz="quarter" idx="12"/>
           </p:nvPr>
         </p:nvSpPr>
-        <p:spPr/>
+        <p:spPr>
+          <a:xfrm>
+            <a:off x="7589520" y="6480969"/>
+            <a:ext cx="502920" cy="301752"/>
+          </a:xfrm>
+        </p:spPr>
         <p:txBody>
           <a:bodyPr/>
           <a:lstStyle/>
@@ -3659,8 +3990,13 @@
 </file>
 
 <file path=ppt/slideLayouts/slideLayout8.xml><?xml version="1.0" encoding="utf-8"?>
-<p:sldLayout xmlns:a="http://schemas.openxmlformats.org/drawingml/2006/main" xmlns:r="http://schemas.openxmlformats.org/officeDocument/2006/relationships" xmlns:p="http://schemas.openxmlformats.org/presentationml/2006/main" type="objTx" preserve="1">
+<p:sldLayout xmlns:a="http://schemas.openxmlformats.org/drawingml/2006/main" xmlns:r="http://schemas.openxmlformats.org/officeDocument/2006/relationships" xmlns:p="http://schemas.openxmlformats.org/presentationml/2006/main" showMasterSp="0" type="objTx" preserve="1">
   <p:cSld name="Content with Caption">
+    <p:bg>
+      <p:bgRef idx="1002">
+        <a:schemeClr val="bg2"/>
+      </p:bgRef>
+    </p:bg>
     <p:spTree>
       <p:nvGrpSpPr>
         <p:cNvPr id="1" name=""/>
@@ -3687,20 +4023,19 @@
         </p:nvSpPr>
         <p:spPr>
           <a:xfrm>
-            <a:off x="457200" y="1185528"/>
-            <a:ext cx="3200400" cy="730250"/>
+            <a:off x="219456" y="367664"/>
+            <a:ext cx="914400" cy="5943600"/>
           </a:xfrm>
         </p:spPr>
         <p:txBody>
-          <a:bodyPr tIns="0" bIns="0" anchor="t"/>
+          <a:bodyPr vert="vert270" anchor="b"/>
           <a:lstStyle>
-            <a:lvl1pPr algn="l">
+            <a:lvl1pPr marL="0" marR="18288" algn="r">
+              <a:spcBef>
+                <a:spcPts val="0"/>
+              </a:spcBef>
               <a:buNone/>
-              <a:defRPr sz="1800" b="1">
-                <a:solidFill>
-                  <a:schemeClr val="accent1"/>
-                </a:solidFill>
-              </a:defRPr>
+              <a:defRPr sz="2900" b="0" cap="all" baseline="0"/>
             </a:lvl1pPr>
           </a:lstStyle>
           <a:p>
@@ -3724,14 +4059,17 @@
         </p:nvSpPr>
         <p:spPr>
           <a:xfrm>
-            <a:off x="457200" y="214424"/>
-            <a:ext cx="2743200" cy="914400"/>
+            <a:off x="1135856" y="367664"/>
+            <a:ext cx="2438400" cy="5943600"/>
           </a:xfrm>
         </p:spPr>
         <p:txBody>
-          <a:bodyPr lIns="45720" tIns="0" rIns="45720" bIns="0" anchor="b"/>
+          <a:bodyPr anchor="t"/>
           <a:lstStyle>
-            <a:lvl1pPr marL="0" indent="0" algn="l">
+            <a:lvl1pPr marL="0" indent="0">
+              <a:spcBef>
+                <a:spcPts val="0"/>
+              </a:spcBef>
               <a:buNone/>
               <a:defRPr sz="1400"/>
             </a:lvl1pPr>
@@ -3773,21 +4111,24 @@
         </p:nvSpPr>
         <p:spPr>
           <a:xfrm>
-            <a:off x="457200" y="1981200"/>
-            <a:ext cx="7086600" cy="3810000"/>
+            <a:off x="3651250" y="320040"/>
+            <a:ext cx="5276088" cy="5989320"/>
           </a:xfrm>
         </p:spPr>
         <p:txBody>
           <a:bodyPr/>
           <a:lstStyle>
             <a:lvl1pPr>
-              <a:defRPr sz="2800"/>
+              <a:spcBef>
+                <a:spcPts val="0"/>
+              </a:spcBef>
+              <a:defRPr sz="3000"/>
             </a:lvl1pPr>
             <a:lvl2pPr>
-              <a:defRPr sz="2400"/>
+              <a:defRPr sz="2600"/>
             </a:lvl2pPr>
             <a:lvl3pPr>
-              <a:defRPr sz="2200"/>
+              <a:defRPr sz="2400"/>
             </a:lvl3pPr>
             <a:lvl4pPr>
               <a:defRPr sz="2000"/>
@@ -3844,14 +4185,23 @@
             <p:ph type="dt" sz="half" idx="10"/>
           </p:nvPr>
         </p:nvSpPr>
-        <p:spPr/>
-        <p:txBody>
-          <a:bodyPr/>
-          <a:lstStyle/>
+        <p:spPr>
+          <a:xfrm>
+            <a:off x="6278976" y="6556248"/>
+            <a:ext cx="2133600" cy="301752"/>
+          </a:xfrm>
+        </p:spPr>
+        <p:txBody>
+          <a:bodyPr/>
+          <a:lstStyle>
+            <a:lvl1pPr>
+              <a:defRPr sz="900"/>
+            </a:lvl1pPr>
+          </a:lstStyle>
           <a:p>
             <a:fld id="{C7F5E047-B2D1-4E21-AD4B-1D4D5B93FEF1}" type="datetime1">
               <a:rPr lang="pt-BR" smtClean="0"/>
-              <a:t>19/03/2014</a:t>
+              <a:t>25/03/2014</a:t>
             </a:fld>
             <a:endParaRPr lang="pt-BR"/>
           </a:p>
@@ -3867,34 +4217,47 @@
             <p:ph type="ftr" sz="quarter" idx="11"/>
           </p:nvPr>
         </p:nvSpPr>
-        <p:spPr/>
-        <p:txBody>
-          <a:bodyPr/>
-          <a:lstStyle/>
-          <a:p>
-            <a:endParaRPr lang="pt-BR"/>
-          </a:p>
-        </p:txBody>
-      </p:sp>
-      <p:sp>
-        <p:nvSpPr>
-          <p:cNvPr id="7" name="Slide Number Placeholder 6"/>
-          <p:cNvSpPr>
-            <a:spLocks noGrp="1"/>
-          </p:cNvSpPr>
-          <p:nvPr>
-            <p:ph type="sldNum" sz="quarter" idx="12"/>
-          </p:nvPr>
-        </p:nvSpPr>
         <p:spPr>
           <a:xfrm>
-            <a:off x="8156448" y="6422064"/>
-            <a:ext cx="762000" cy="365125"/>
+            <a:off x="1135856" y="6556248"/>
+            <a:ext cx="5143120" cy="301752"/>
           </a:xfrm>
         </p:spPr>
         <p:txBody>
           <a:bodyPr/>
-          <a:lstStyle/>
+          <a:lstStyle>
+            <a:lvl1pPr>
+              <a:defRPr sz="900"/>
+            </a:lvl1pPr>
+          </a:lstStyle>
+          <a:p>
+            <a:endParaRPr lang="pt-BR"/>
+          </a:p>
+        </p:txBody>
+      </p:sp>
+      <p:sp>
+        <p:nvSpPr>
+          <p:cNvPr id="7" name="Slide Number Placeholder 6"/>
+          <p:cNvSpPr>
+            <a:spLocks noGrp="1"/>
+          </p:cNvSpPr>
+          <p:nvPr>
+            <p:ph type="sldNum" sz="quarter" idx="12"/>
+          </p:nvPr>
+        </p:nvSpPr>
+        <p:spPr>
+          <a:xfrm>
+            <a:off x="8410576" y="6556248"/>
+            <a:ext cx="502920" cy="301752"/>
+          </a:xfrm>
+        </p:spPr>
+        <p:txBody>
+          <a:bodyPr/>
+          <a:lstStyle>
+            <a:lvl1pPr>
+              <a:defRPr sz="900"/>
+            </a:lvl1pPr>
+          </a:lstStyle>
           <a:p>
             <a:fld id="{913D6293-DBA6-4239-BE1C-6787D265FAC0}" type="slidenum">
               <a:rPr lang="pt-BR" smtClean="0"/>
@@ -3907,7 +4270,7 @@
     </p:spTree>
   </p:cSld>
   <p:clrMapOvr>
-    <a:masterClrMapping/>
+    <a:overrideClrMapping bg1="dk1" tx1="lt1" bg2="dk2" tx2="lt2" accent1="accent1" accent2="accent2" accent3="accent3" accent4="accent4" accent5="accent5" accent6="accent6" hlink="hlink" folHlink="folHlink"/>
   </p:clrMapOvr>
 </p:sldLayout>
 </file>
@@ -3915,6 +4278,11 @@
 <file path=ppt/slideLayouts/slideLayout9.xml><?xml version="1.0" encoding="utf-8"?>
 <p:sldLayout xmlns:a="http://schemas.openxmlformats.org/drawingml/2006/main" xmlns:r="http://schemas.openxmlformats.org/officeDocument/2006/relationships" xmlns:p="http://schemas.openxmlformats.org/presentationml/2006/main" showMasterSp="0" type="picTx" preserve="1">
   <p:cSld name="Picture with Caption">
+    <p:bg>
+      <p:bgRef idx="1002">
+        <a:schemeClr val="bg1"/>
+      </p:bgRef>
+    </p:bg>
     <p:spTree>
       <p:nvGrpSpPr>
         <p:cNvPr id="1" name=""/>
@@ -3941,20 +4309,16 @@
         </p:nvSpPr>
         <p:spPr>
           <a:xfrm>
-            <a:off x="5556732" y="1705709"/>
-            <a:ext cx="3053868" cy="1253808"/>
+            <a:off x="219456" y="150896"/>
+            <a:ext cx="914400" cy="6400800"/>
           </a:xfrm>
         </p:spPr>
         <p:txBody>
-          <a:bodyPr anchor="b"/>
+          <a:bodyPr vert="vert270" anchor="b"/>
           <a:lstStyle>
-            <a:lvl1pPr algn="l">
+            <a:lvl1pPr marL="0" algn="l">
               <a:buNone/>
-              <a:defRPr sz="2200" b="1">
-                <a:solidFill>
-                  <a:schemeClr val="accent1"/>
-                </a:solidFill>
-              </a:defRPr>
+              <a:defRPr sz="3000" b="0" cap="all" baseline="0"/>
             </a:lvl1pPr>
           </a:lstStyle>
           <a:p>
@@ -3978,44 +4342,14 @@
         </p:nvSpPr>
         <p:spPr>
           <a:xfrm>
-            <a:off x="1065628" y="1019907"/>
-            <a:ext cx="4114800" cy="4114800"/>
+            <a:off x="1138237" y="373966"/>
+            <a:ext cx="7333488" cy="5486400"/>
           </a:xfrm>
-          <a:prstGeom prst="ellipse">
-            <a:avLst/>
-          </a:prstGeom>
           <a:solidFill>
             <a:schemeClr val="bg2">
               <a:shade val="50000"/>
             </a:schemeClr>
           </a:solidFill>
-          <a:ln w="50800" cap="flat">
-            <a:solidFill>
-              <a:schemeClr val="bg2"/>
-            </a:solidFill>
-            <a:miter lim="800000"/>
-          </a:ln>
-          <a:effectLst>
-            <a:outerShdw blurRad="152000" dist="345000" dir="5400000" sx="-80000" sy="-18000" rotWithShape="0">
-              <a:srgbClr val="000000">
-                <a:alpha val="25000"/>
-              </a:srgbClr>
-            </a:outerShdw>
-          </a:effectLst>
-          <a:scene3d>
-            <a:camera prst="orthographicFront"/>
-            <a:lightRig rig="contrasting" dir="t">
-              <a:rot lat="0" lon="0" rev="2400000"/>
-            </a:lightRig>
-          </a:scene3d>
-          <a:sp3d contourW="7620">
-            <a:bevelT w="63500" h="63500"/>
-            <a:contourClr>
-              <a:schemeClr val="bg2">
-                <a:shade val="50000"/>
-              </a:schemeClr>
-            </a:contourClr>
-          </a:sp3d>
         </p:spPr>
         <p:txBody>
           <a:bodyPr/>
@@ -4046,36 +4380,41 @@
         </p:nvSpPr>
         <p:spPr>
           <a:xfrm>
-            <a:off x="5556734" y="2998765"/>
-            <a:ext cx="3053866" cy="2663482"/>
+            <a:off x="1143000" y="5867400"/>
+            <a:ext cx="7333488" cy="685800"/>
           </a:xfrm>
+          <a:solidFill>
+            <a:schemeClr val="accent1">
+              <a:alpha val="15000"/>
+            </a:schemeClr>
+          </a:solidFill>
+          <a:ln>
+            <a:solidFill>
+              <a:schemeClr val="accent1"/>
+            </a:solidFill>
+            <a:miter lim="800000"/>
+          </a:ln>
         </p:spPr>
         <p:txBody>
-          <a:bodyPr lIns="45720" rIns="45720"/>
+          <a:bodyPr/>
           <a:lstStyle>
             <a:lvl1pPr marL="0" indent="0">
-              <a:buFontTx/>
+              <a:spcBef>
+                <a:spcPts val="0"/>
+              </a:spcBef>
               <a:buNone/>
-              <a:defRPr sz="1200"/>
+              <a:defRPr sz="1400"/>
             </a:lvl1pPr>
             <a:lvl2pPr>
-              <a:buFontTx/>
-              <a:buNone/>
               <a:defRPr sz="1200"/>
             </a:lvl2pPr>
             <a:lvl3pPr>
-              <a:buFontTx/>
-              <a:buNone/>
               <a:defRPr sz="1000"/>
             </a:lvl3pPr>
             <a:lvl4pPr>
-              <a:buFontTx/>
-              <a:buNone/>
               <a:defRPr sz="900"/>
             </a:lvl4pPr>
             <a:lvl5pPr>
-              <a:buFontTx/>
-              <a:buNone/>
               <a:defRPr sz="900"/>
             </a:lvl5pPr>
           </a:lstStyle>
@@ -4100,17 +4439,21 @@
         </p:nvSpPr>
         <p:spPr>
           <a:xfrm>
-            <a:off x="457200" y="6422064"/>
-            <a:ext cx="2133600" cy="365125"/>
+            <a:off x="6108192" y="6556248"/>
+            <a:ext cx="2103120" cy="301752"/>
           </a:xfrm>
         </p:spPr>
         <p:txBody>
           <a:bodyPr/>
-          <a:lstStyle/>
+          <a:lstStyle>
+            <a:lvl1pPr>
+              <a:defRPr sz="900"/>
+            </a:lvl1pPr>
+          </a:lstStyle>
           <a:p>
             <a:fld id="{A6B33DA4-080D-4851-B098-395A65CBAD43}" type="datetime1">
               <a:rPr lang="pt-BR" smtClean="0"/>
-              <a:t>19/03/2014</a:t>
+              <a:t>25/03/2014</a:t>
             </a:fld>
             <a:endParaRPr lang="pt-BR"/>
           </a:p>
@@ -4126,10 +4469,19 @@
             <p:ph type="ftr" sz="quarter" idx="11"/>
           </p:nvPr>
         </p:nvSpPr>
-        <p:spPr/>
-        <p:txBody>
-          <a:bodyPr/>
-          <a:lstStyle/>
+        <p:spPr>
+          <a:xfrm>
+            <a:off x="1170432" y="6557169"/>
+            <a:ext cx="4948072" cy="301752"/>
+          </a:xfrm>
+        </p:spPr>
+        <p:txBody>
+          <a:bodyPr/>
+          <a:lstStyle>
+            <a:lvl1pPr>
+              <a:defRPr sz="900"/>
+            </a:lvl1pPr>
+          </a:lstStyle>
           <a:p>
             <a:endParaRPr lang="pt-BR"/>
           </a:p>
@@ -4145,10 +4497,19 @@
             <p:ph type="sldNum" sz="quarter" idx="12"/>
           </p:nvPr>
         </p:nvSpPr>
-        <p:spPr/>
-        <p:txBody>
-          <a:bodyPr/>
-          <a:lstStyle/>
+        <p:spPr>
+          <a:xfrm>
+            <a:off x="8217192" y="6556248"/>
+            <a:ext cx="365760" cy="301752"/>
+          </a:xfrm>
+        </p:spPr>
+        <p:txBody>
+          <a:bodyPr/>
+          <a:lstStyle>
+            <a:lvl1pPr algn="ctr">
+              <a:defRPr sz="900"/>
+            </a:lvl1pPr>
+          </a:lstStyle>
           <a:p>
             <a:fld id="{913D6293-DBA6-4239-BE1C-6787D265FAC0}" type="slidenum">
               <a:rPr lang="pt-BR" smtClean="0"/>
@@ -4161,7 +4522,7 @@
     </p:spTree>
   </p:cSld>
   <p:clrMapOvr>
-    <a:masterClrMapping/>
+    <a:overrideClrMapping bg1="dk1" tx1="lt1" bg2="dk2" tx2="lt2" accent1="accent1" accent2="accent2" accent3="accent3" accent4="accent4" accent5="accent5" accent6="accent6" hlink="hlink" folHlink="folHlink"/>
   </p:clrMapOvr>
 </p:sldLayout>
 </file>
@@ -4170,7 +4531,7 @@
 <p:sldMaster xmlns:a="http://schemas.openxmlformats.org/drawingml/2006/main" xmlns:r="http://schemas.openxmlformats.org/officeDocument/2006/relationships" xmlns:p="http://schemas.openxmlformats.org/presentationml/2006/main">
   <p:cSld>
     <p:bg>
-      <p:bgRef idx="1001">
+      <p:bgRef idx="1002">
         <a:schemeClr val="bg2"/>
       </p:bgRef>
     </p:bg>
@@ -4190,221 +4551,173 @@
       </p:grpSpPr>
       <p:sp>
         <p:nvSpPr>
-          <p:cNvPr id="12" name="Freeform 11"/>
-          <p:cNvSpPr>
-            <a:spLocks/>
-          </p:cNvSpPr>
+          <p:cNvPr id="11" name="Right Triangle 10"/>
+          <p:cNvSpPr/>
           <p:nvPr/>
         </p:nvSpPr>
-        <p:spPr bwMode="auto">
+        <p:spPr>
           <a:xfrm>
-            <a:off x="0" y="4752126"/>
-            <a:ext cx="9144000" cy="2112962"/>
+            <a:off x="7034" y="14068"/>
+            <a:ext cx="9129932" cy="6836899"/>
           </a:xfrm>
-          <a:custGeom>
-            <a:avLst>
-              <a:gd name="A1" fmla="val 0"/>
-              <a:gd name="A2" fmla="val 0"/>
-              <a:gd name="A3" fmla="val 0"/>
-              <a:gd name="A4" fmla="val 0"/>
-              <a:gd name="A5" fmla="val 0"/>
-              <a:gd name="A6" fmla="val 0"/>
-              <a:gd name="A7" fmla="val 0"/>
-              <a:gd name="A8" fmla="val 0"/>
-            </a:avLst>
-            <a:gdLst/>
-            <a:ahLst/>
-            <a:cxnLst>
-              <a:cxn ang="0">
-                <a:pos x="0" y="1066"/>
-              </a:cxn>
-              <a:cxn ang="0">
-                <a:pos x="0" y="1331"/>
-              </a:cxn>
-              <a:cxn ang="0">
-                <a:pos x="5760" y="1331"/>
-              </a:cxn>
-              <a:cxn ang="0">
-                <a:pos x="5760" y="0"/>
-              </a:cxn>
-              <a:cxn ang="0">
-                <a:pos x="0" y="1066"/>
-              </a:cxn>
-            </a:cxnLst>
-            <a:rect l="0" t="0" r="0" b="0"/>
-            <a:pathLst>
-              <a:path w="5760" h="1331">
-                <a:moveTo>
-                  <a:pt x="0" y="1066"/>
-                </a:moveTo>
-                <a:lnTo>
-                  <a:pt x="0" y="1331"/>
-                </a:lnTo>
-                <a:lnTo>
-                  <a:pt x="5760" y="1331"/>
-                </a:lnTo>
-                <a:lnTo>
-                  <a:pt x="5760" y="0"/>
-                </a:lnTo>
-                <a:cubicBezTo>
-                  <a:pt x="3220" y="1206"/>
-                  <a:pt x="2250" y="1146"/>
-                  <a:pt x="0" y="1066"/>
-                </a:cubicBezTo>
-                <a:close/>
-              </a:path>
-            </a:pathLst>
-          </a:custGeom>
-          <a:solidFill>
-            <a:schemeClr val="bg1">
-              <a:tint val="80000"/>
-              <a:satMod val="200000"/>
-              <a:alpha val="45000"/>
-            </a:schemeClr>
-          </a:solidFill>
-          <a:ln w="9525" cap="flat" cmpd="sng" algn="ctr">
+          <a:prstGeom prst="rtTriangle">
+            <a:avLst/>
+          </a:prstGeom>
+          <a:gradFill flip="none" rotWithShape="1">
+            <a:gsLst>
+              <a:gs pos="0">
+                <a:schemeClr val="tx2">
+                  <a:alpha val="10000"/>
+                </a:schemeClr>
+              </a:gs>
+              <a:gs pos="70000">
+                <a:schemeClr val="tx2">
+                  <a:alpha val="8000"/>
+                </a:schemeClr>
+              </a:gs>
+              <a:gs pos="100000">
+                <a:schemeClr val="tx2">
+                  <a:alpha val="1000"/>
+                </a:schemeClr>
+              </a:gs>
+            </a:gsLst>
+            <a:lin ang="8000000" scaled="1"/>
+            <a:tileRect/>
+          </a:gradFill>
+          <a:ln w="38100" cap="rnd" cmpd="sng" algn="ctr">
             <a:noFill/>
             <a:prstDash val="solid"/>
-            <a:round/>
-            <a:headEnd type="none" w="med" len="med"/>
-            <a:tailEnd type="none" w="med" len="med"/>
           </a:ln>
-          <a:effectLst>
-            <a:outerShdw blurRad="50800" dist="44450" dir="16200000" algn="ctr" rotWithShape="0">
-              <a:prstClr val="black">
-                <a:alpha val="35000"/>
-              </a:prstClr>
-            </a:outerShdw>
-          </a:effectLst>
+          <a:effectLst/>
         </p:spPr>
-        <p:txBody>
-          <a:bodyPr vert="horz" wrap="square" lIns="91440" tIns="45720" rIns="91440" bIns="45720" anchor="t" compatLnSpc="1"/>
-          <a:lstStyle/>
-          <a:p>
+        <p:style>
+          <a:lnRef idx="3">
+            <a:schemeClr val="lt1"/>
+          </a:lnRef>
+          <a:fillRef idx="1">
+            <a:schemeClr val="accent1"/>
+          </a:fillRef>
+          <a:effectRef idx="1">
+            <a:schemeClr val="accent1"/>
+          </a:effectRef>
+          <a:fontRef idx="minor">
+            <a:schemeClr val="lt1"/>
+          </a:fontRef>
+        </p:style>
+        <p:txBody>
+          <a:bodyPr anchor="ctr"/>
+          <a:lstStyle/>
+          <a:p>
+            <a:pPr algn="ctr" eaLnBrk="1" latinLnBrk="0" hangingPunct="1"/>
             <a:endParaRPr kumimoji="0" lang="en-US"/>
           </a:p>
         </p:txBody>
       </p:sp>
-      <p:sp>
-        <p:nvSpPr>
-          <p:cNvPr id="16" name="Freeform 15"/>
-          <p:cNvSpPr>
-            <a:spLocks/>
-          </p:cNvSpPr>
+      <p:cxnSp>
+        <p:nvCxnSpPr>
+          <p:cNvPr id="8" name="Straight Connector 7"/>
+          <p:cNvCxnSpPr/>
           <p:nvPr/>
-        </p:nvSpPr>
-        <p:spPr bwMode="auto">
-          <a:xfrm>
-            <a:off x="7315200" y="0"/>
-            <a:ext cx="1828800" cy="6858000"/>
-          </a:xfrm>
-          <a:custGeom>
-            <a:avLst/>
-            <a:gdLst>
-              <a:gd name="connsiteX0" fmla="*/ 1914 w 1914"/>
-              <a:gd name="connsiteY0" fmla="*/ 9 h 4329"/>
-              <a:gd name="connsiteX1" fmla="*/ 1914 w 1914"/>
-              <a:gd name="connsiteY1" fmla="*/ 4329 h 4329"/>
-              <a:gd name="connsiteX2" fmla="*/ 204 w 1914"/>
-              <a:gd name="connsiteY2" fmla="*/ 4327 h 4329"/>
-              <a:gd name="connsiteX3" fmla="*/ 0 w 1914"/>
-              <a:gd name="connsiteY3" fmla="*/ 0 h 4329"/>
-              <a:gd name="connsiteX4" fmla="*/ 1914 w 1914"/>
-              <a:gd name="connsiteY4" fmla="*/ 9 h 4329"/>
-            </a:gdLst>
-            <a:ahLst/>
-            <a:cxnLst>
-              <a:cxn ang="0">
-                <a:pos x="connsiteX0" y="connsiteY0"/>
-              </a:cxn>
-              <a:cxn ang="0">
-                <a:pos x="connsiteX1" y="connsiteY1"/>
-              </a:cxn>
-              <a:cxn ang="0">
-                <a:pos x="connsiteX2" y="connsiteY2"/>
-              </a:cxn>
-              <a:cxn ang="0">
-                <a:pos x="connsiteX3" y="connsiteY3"/>
-              </a:cxn>
-              <a:cxn ang="0">
-                <a:pos x="connsiteX4" y="connsiteY4"/>
-              </a:cxn>
-            </a:cxnLst>
-            <a:rect l="l" t="t" r="r" b="b"/>
-            <a:pathLst>
-              <a:path w="1914" h="4329">
-                <a:moveTo>
-                  <a:pt x="1914" y="9"/>
-                </a:moveTo>
-                <a:lnTo>
-                  <a:pt x="1914" y="4329"/>
-                </a:lnTo>
-                <a:lnTo>
-                  <a:pt x="204" y="4327"/>
-                </a:lnTo>
-                <a:cubicBezTo>
-                  <a:pt x="1288" y="3574"/>
-                  <a:pt x="2082" y="1734"/>
-                  <a:pt x="0" y="0"/>
-                </a:cubicBezTo>
-                <a:lnTo>
-                  <a:pt x="1914" y="9"/>
-                </a:lnTo>
-                <a:close/>
-              </a:path>
-            </a:pathLst>
-          </a:custGeom>
-          <a:solidFill>
-            <a:schemeClr val="bg1">
-              <a:tint val="90000"/>
-              <a:satMod val="350000"/>
-              <a:alpha val="40000"/>
-            </a:schemeClr>
-          </a:solidFill>
-          <a:ln w="9525" cap="flat" cmpd="sng" algn="ctr">
-            <a:noFill/>
-            <a:prstDash val="solid"/>
-            <a:round/>
-            <a:headEnd type="none" w="med" len="med"/>
-            <a:tailEnd type="none" w="med" len="med"/>
-          </a:ln>
-          <a:effectLst>
-            <a:outerShdw blurRad="50800" dist="50800" dir="10800000" algn="ctr" rotWithShape="0">
-              <a:prstClr val="black">
-                <a:alpha val="45000"/>
-              </a:prstClr>
-            </a:outerShdw>
-          </a:effectLst>
-        </p:spPr>
-        <p:txBody>
-          <a:bodyPr vert="horz" wrap="square" lIns="91440" tIns="45720" rIns="91440" bIns="45720" anchor="t" compatLnSpc="1"/>
-          <a:lstStyle/>
-          <a:p>
-            <a:endParaRPr kumimoji="0" lang="en-US"/>
-          </a:p>
-        </p:txBody>
-      </p:sp>
-      <p:sp>
-        <p:nvSpPr>
-          <p:cNvPr id="9" name="Title Placeholder 8"/>
-          <p:cNvSpPr>
-            <a:spLocks noGrp="1"/>
-          </p:cNvSpPr>
-          <p:nvPr>
-            <p:ph type="title"/>
-          </p:nvPr>
-        </p:nvSpPr>
+        </p:nvCxnSpPr>
         <p:spPr>
           <a:xfrm>
-            <a:off x="457200" y="274638"/>
-            <a:ext cx="7467600" cy="1143000"/>
+            <a:off x="0" y="7034"/>
+            <a:ext cx="9136966" cy="6843933"/>
+          </a:xfrm>
+          <a:prstGeom prst="line">
+            <a:avLst/>
+          </a:prstGeom>
+          <a:noFill/>
+          <a:ln w="5000" cap="rnd" cmpd="sng" algn="ctr">
+            <a:solidFill>
+              <a:schemeClr val="bg2">
+                <a:tint val="55000"/>
+                <a:satMod val="200000"/>
+                <a:alpha val="35000"/>
+              </a:schemeClr>
+            </a:solidFill>
+            <a:prstDash val="solid"/>
+          </a:ln>
+          <a:effectLst/>
+        </p:spPr>
+        <p:style>
+          <a:lnRef idx="2">
+            <a:schemeClr val="accent1"/>
+          </a:lnRef>
+          <a:fillRef idx="0">
+            <a:schemeClr val="accent1"/>
+          </a:fillRef>
+          <a:effectRef idx="1">
+            <a:schemeClr val="accent1"/>
+          </a:effectRef>
+          <a:fontRef idx="minor">
+            <a:schemeClr val="tx1"/>
+          </a:fontRef>
+        </p:style>
+      </p:cxnSp>
+      <p:cxnSp>
+        <p:nvCxnSpPr>
+          <p:cNvPr id="9" name="Straight Connector 8"/>
+          <p:cNvCxnSpPr/>
+          <p:nvPr/>
+        </p:nvCxnSpPr>
+        <p:spPr>
+          <a:xfrm rot="10800000" flipV="1">
+            <a:off x="6468794" y="4948410"/>
+            <a:ext cx="2672861" cy="1900210"/>
+          </a:xfrm>
+          <a:prstGeom prst="line">
+            <a:avLst/>
+          </a:prstGeom>
+          <a:noFill/>
+          <a:ln w="6000" cap="rnd" cmpd="sng" algn="ctr">
+            <a:solidFill>
+              <a:schemeClr val="bg2">
+                <a:tint val="50000"/>
+                <a:satMod val="200000"/>
+                <a:alpha val="45000"/>
+              </a:schemeClr>
+            </a:solidFill>
+            <a:prstDash val="solid"/>
+          </a:ln>
+          <a:effectLst/>
+        </p:spPr>
+        <p:style>
+          <a:lnRef idx="2">
+            <a:schemeClr val="accent1"/>
+          </a:lnRef>
+          <a:fillRef idx="0">
+            <a:schemeClr val="accent1"/>
+          </a:fillRef>
+          <a:effectRef idx="1">
+            <a:schemeClr val="accent1"/>
+          </a:effectRef>
+          <a:fontRef idx="minor">
+            <a:schemeClr val="tx1"/>
+          </a:fontRef>
+        </p:style>
+      </p:cxnSp>
+      <p:sp>
+        <p:nvSpPr>
+          <p:cNvPr id="22" name="Title Placeholder 21"/>
+          <p:cNvSpPr>
+            <a:spLocks noGrp="1"/>
+          </p:cNvSpPr>
+          <p:nvPr>
+            <p:ph type="title"/>
+          </p:nvPr>
+        </p:nvSpPr>
+        <p:spPr>
+          <a:xfrm>
+            <a:off x="457200" y="267494"/>
+            <a:ext cx="8229600" cy="1399032"/>
           </a:xfrm>
           <a:prstGeom prst="rect">
             <a:avLst/>
           </a:prstGeom>
         </p:spPr>
         <p:txBody>
-          <a:bodyPr vert="horz" lIns="45720" rIns="45720" anchor="ctr">
+          <a:bodyPr vert="horz" anchor="ctr">
             <a:normAutofit/>
           </a:bodyPr>
           <a:lstStyle/>
@@ -4419,7 +4732,7 @@
       </p:sp>
       <p:sp>
         <p:nvSpPr>
-          <p:cNvPr id="30" name="Text Placeholder 29"/>
+          <p:cNvPr id="13" name="Text Placeholder 12"/>
           <p:cNvSpPr>
             <a:spLocks noGrp="1"/>
           </p:cNvSpPr>
@@ -4429,15 +4742,15 @@
         </p:nvSpPr>
         <p:spPr>
           <a:xfrm>
-            <a:off x="457200" y="1600200"/>
-            <a:ext cx="7467600" cy="4525963"/>
+            <a:off x="457200" y="1882808"/>
+            <a:ext cx="8229600" cy="4572000"/>
           </a:xfrm>
           <a:prstGeom prst="rect">
             <a:avLst/>
           </a:prstGeom>
         </p:spPr>
         <p:txBody>
-          <a:bodyPr vert="horz">
+          <a:bodyPr vert="horz" anchor="t">
             <a:normAutofit/>
           </a:bodyPr>
           <a:lstStyle/>
@@ -4481,7 +4794,7 @@
       </p:sp>
       <p:sp>
         <p:nvSpPr>
-          <p:cNvPr id="10" name="Date Placeholder 9"/>
+          <p:cNvPr id="14" name="Date Placeholder 13"/>
           <p:cNvSpPr>
             <a:spLocks noGrp="1"/>
           </p:cNvSpPr>
@@ -4491,22 +4804,20 @@
         </p:nvSpPr>
         <p:spPr>
           <a:xfrm>
-            <a:off x="457200" y="6422064"/>
-            <a:ext cx="2133600" cy="365125"/>
+            <a:off x="4791456" y="6480969"/>
+            <a:ext cx="2133600" cy="301752"/>
           </a:xfrm>
           <a:prstGeom prst="rect">
             <a:avLst/>
           </a:prstGeom>
         </p:spPr>
         <p:txBody>
-          <a:bodyPr vert="horz" bIns="0" anchor="b"/>
+          <a:bodyPr vert="horz" anchor="b"/>
           <a:lstStyle>
             <a:lvl1pPr algn="l" eaLnBrk="1" latinLnBrk="0" hangingPunct="1">
-              <a:defRPr kumimoji="0" sz="1000">
+              <a:defRPr kumimoji="0" sz="1000" b="0">
                 <a:solidFill>
-                  <a:schemeClr val="tx2">
-                    <a:shade val="50000"/>
-                  </a:schemeClr>
+                  <a:schemeClr val="tx1"/>
                 </a:solidFill>
               </a:defRPr>
             </a:lvl1pPr>
@@ -4514,7 +4825,7 @@
           <a:p>
             <a:fld id="{AE1B23E3-3F02-44D5-AAD1-904F5E8A23D4}" type="datetime1">
               <a:rPr lang="pt-BR" smtClean="0"/>
-              <a:t>19/03/2014</a:t>
+              <a:t>25/03/2014</a:t>
             </a:fld>
             <a:endParaRPr lang="pt-BR"/>
           </a:p>
@@ -4522,7 +4833,7 @@
       </p:sp>
       <p:sp>
         <p:nvSpPr>
-          <p:cNvPr id="22" name="Footer Placeholder 21"/>
+          <p:cNvPr id="3" name="Footer Placeholder 2"/>
           <p:cNvSpPr>
             <a:spLocks noGrp="1"/>
           </p:cNvSpPr>
@@ -4532,22 +4843,20 @@
         </p:nvSpPr>
         <p:spPr>
           <a:xfrm>
-            <a:off x="3124200" y="6422064"/>
-            <a:ext cx="2895600" cy="365125"/>
+            <a:off x="457200" y="6481890"/>
+            <a:ext cx="4260056" cy="300831"/>
           </a:xfrm>
           <a:prstGeom prst="rect">
             <a:avLst/>
           </a:prstGeom>
         </p:spPr>
         <p:txBody>
-          <a:bodyPr vert="horz" lIns="0" rIns="0" bIns="0" anchor="b"/>
+          <a:bodyPr vert="horz" anchor="b"/>
           <a:lstStyle>
-            <a:lvl1pPr algn="ctr" eaLnBrk="1" latinLnBrk="0" hangingPunct="1">
+            <a:lvl1pPr algn="r" eaLnBrk="1" latinLnBrk="0" hangingPunct="1">
               <a:defRPr kumimoji="0" sz="1000">
                 <a:solidFill>
-                  <a:schemeClr val="tx2">
-                    <a:shade val="50000"/>
-                  </a:schemeClr>
+                  <a:schemeClr val="tx1"/>
                 </a:solidFill>
               </a:defRPr>
             </a:lvl1pPr>
@@ -4559,7 +4868,7 @@
       </p:sp>
       <p:sp>
         <p:nvSpPr>
-          <p:cNvPr id="18" name="Slide Number Placeholder 17"/>
+          <p:cNvPr id="23" name="Slide Number Placeholder 22"/>
           <p:cNvSpPr>
             <a:spLocks noGrp="1"/>
           </p:cNvSpPr>
@@ -4569,22 +4878,20 @@
         </p:nvSpPr>
         <p:spPr>
           <a:xfrm>
-            <a:off x="8153400" y="6422064"/>
-            <a:ext cx="762000" cy="365125"/>
+            <a:off x="7589520" y="6480969"/>
+            <a:ext cx="502920" cy="301752"/>
           </a:xfrm>
           <a:prstGeom prst="rect">
             <a:avLst/>
           </a:prstGeom>
         </p:spPr>
         <p:txBody>
-          <a:bodyPr vert="horz" lIns="0" tIns="0" rIns="0" bIns="0" anchor="b"/>
+          <a:bodyPr vert="horz" anchor="b"/>
           <a:lstStyle>
-            <a:lvl1pPr algn="r" eaLnBrk="1" latinLnBrk="0" hangingPunct="1">
-              <a:defRPr kumimoji="0" sz="1000">
+            <a:lvl1pPr algn="ctr" eaLnBrk="1" latinLnBrk="0" hangingPunct="1">
+              <a:defRPr kumimoji="0" sz="1200">
                 <a:solidFill>
-                  <a:schemeClr val="tx2">
-                    <a:shade val="50000"/>
-                  </a:schemeClr>
+                  <a:schemeClr val="tx1"/>
                 </a:solidFill>
               </a:defRPr>
             </a:lvl1pPr>
@@ -4602,30 +4909,47 @@
   </p:cSld>
   <p:clrMap bg1="dk1" tx1="lt1" bg2="dk2" tx2="lt2" accent1="accent1" accent2="accent2" accent3="accent3" accent4="accent4" accent5="accent5" accent6="accent6" hlink="hlink" folHlink="folHlink"/>
   <p:sldLayoutIdLst>
-    <p:sldLayoutId id="2147483745" r:id="rId1"/>
-    <p:sldLayoutId id="2147483746" r:id="rId2"/>
-    <p:sldLayoutId id="2147483747" r:id="rId3"/>
-    <p:sldLayoutId id="2147483748" r:id="rId4"/>
-    <p:sldLayoutId id="2147483749" r:id="rId5"/>
-    <p:sldLayoutId id="2147483750" r:id="rId6"/>
-    <p:sldLayoutId id="2147483751" r:id="rId7"/>
-    <p:sldLayoutId id="2147483752" r:id="rId8"/>
-    <p:sldLayoutId id="2147483753" r:id="rId9"/>
-    <p:sldLayoutId id="2147483754" r:id="rId10"/>
-    <p:sldLayoutId id="2147483755" r:id="rId11"/>
+    <p:sldLayoutId id="2147483793" r:id="rId1"/>
+    <p:sldLayoutId id="2147483794" r:id="rId2"/>
+    <p:sldLayoutId id="2147483795" r:id="rId3"/>
+    <p:sldLayoutId id="2147483796" r:id="rId4"/>
+    <p:sldLayoutId id="2147483797" r:id="rId5"/>
+    <p:sldLayoutId id="2147483798" r:id="rId6"/>
+    <p:sldLayoutId id="2147483799" r:id="rId7"/>
+    <p:sldLayoutId id="2147483800" r:id="rId8"/>
+    <p:sldLayoutId id="2147483801" r:id="rId9"/>
+    <p:sldLayoutId id="2147483802" r:id="rId10"/>
+    <p:sldLayoutId id="2147483803" r:id="rId11"/>
   </p:sldLayoutIdLst>
   <p:hf hdr="0" ftr="0" dt="0"/>
   <p:txStyles>
     <p:titleStyle>
-      <a:lvl1pPr algn="l" rtl="0" eaLnBrk="1" latinLnBrk="0" hangingPunct="1">
+      <a:lvl1pPr marL="484632" algn="l" rtl="0" eaLnBrk="1" latinLnBrk="0" hangingPunct="1">
         <a:spcBef>
           <a:spcPct val="0"/>
         </a:spcBef>
         <a:buNone/>
-        <a:defRPr kumimoji="0" sz="4600" kern="1200">
+        <a:defRPr kumimoji="0" sz="4200" kern="1200">
+          <a:ln w="6350">
+            <a:solidFill>
+              <a:schemeClr val="accent1">
+                <a:shade val="43000"/>
+              </a:schemeClr>
+            </a:solidFill>
+          </a:ln>
           <a:solidFill>
-            <a:schemeClr val="tx1"/>
+            <a:schemeClr val="accent1">
+              <a:tint val="83000"/>
+              <a:satMod val="150000"/>
+            </a:schemeClr>
           </a:solidFill>
+          <a:effectLst>
+            <a:outerShdw blurRad="26000" dist="26000" dir="14500000" algn="tl" rotWithShape="0">
+              <a:srgbClr val="000000">
+                <a:alpha val="40000"/>
+              </a:srgbClr>
+            </a:outerShdw>
+          </a:effectLst>
           <a:latin typeface="+mj-lt"/>
           <a:ea typeface="+mj-ea"/>
           <a:cs typeface="+mj-cs"/>
@@ -4633,7 +4957,7 @@
       </a:lvl1pPr>
     </p:titleStyle>
     <p:bodyStyle>
-      <a:lvl1pPr marL="420624" indent="-384048" algn="l" rtl="0" eaLnBrk="1" latinLnBrk="0" hangingPunct="1">
+      <a:lvl1pPr marL="448056" indent="-384048" algn="l" rtl="0" eaLnBrk="1" latinLnBrk="0" hangingPunct="1">
         <a:spcBef>
           <a:spcPct val="20000"/>
         </a:spcBef>
@@ -4652,16 +4976,16 @@
           <a:cs typeface="+mn-cs"/>
         </a:defRPr>
       </a:lvl1pPr>
-      <a:lvl2pPr marL="722376" indent="-274320" algn="l" rtl="0" eaLnBrk="1" latinLnBrk="0" hangingPunct="1">
+      <a:lvl2pPr marL="822960" indent="-285750" algn="l" rtl="0" eaLnBrk="1" latinLnBrk="0" hangingPunct="1">
         <a:spcBef>
           <a:spcPct val="20000"/>
         </a:spcBef>
         <a:buClr>
           <a:schemeClr val="accent1"/>
         </a:buClr>
-        <a:buSzPct val="90000"/>
-        <a:buFont typeface="Wingdings 2"/>
-        <a:buChar char=""/>
+        <a:buSzPct val="95000"/>
+        <a:buFont typeface="Verdana"/>
+        <a:buChar char="›"/>
         <a:defRPr kumimoji="0" sz="2600" kern="1200">
           <a:solidFill>
             <a:schemeClr val="tx1"/>
@@ -4671,16 +4995,15 @@
           <a:cs typeface="+mn-cs"/>
         </a:defRPr>
       </a:lvl2pPr>
-      <a:lvl3pPr marL="1005840" indent="-256032" algn="l" rtl="0" eaLnBrk="1" latinLnBrk="0" hangingPunct="1">
+      <a:lvl3pPr marL="1106424" indent="-228600" algn="l" rtl="0" eaLnBrk="1" latinLnBrk="0" hangingPunct="1">
         <a:spcBef>
           <a:spcPct val="20000"/>
         </a:spcBef>
         <a:buClr>
-          <a:schemeClr val="accent2"/>
+          <a:schemeClr val="accent1"/>
         </a:buClr>
-        <a:buSzPct val="85000"/>
-        <a:buFont typeface="Arial"/>
-        <a:buChar char="○"/>
+        <a:buFont typeface="Wingdings 2"/>
+        <a:buChar char=""/>
         <a:defRPr kumimoji="0" sz="2400" kern="1200">
           <a:solidFill>
             <a:schemeClr val="tx1"/>
@@ -4690,16 +5013,15 @@
           <a:cs typeface="+mn-cs"/>
         </a:defRPr>
       </a:lvl3pPr>
-      <a:lvl4pPr marL="1280160" indent="-237744" algn="l" rtl="0" eaLnBrk="1" latinLnBrk="0" hangingPunct="1">
+      <a:lvl4pPr marL="1371600" indent="-210312" algn="l" rtl="0" eaLnBrk="1" latinLnBrk="0" hangingPunct="1">
         <a:spcBef>
           <a:spcPct val="20000"/>
         </a:spcBef>
         <a:buClr>
-          <a:schemeClr val="accent3"/>
+          <a:schemeClr val="accent1"/>
         </a:buClr>
-        <a:buSzPct val="90000"/>
         <a:buFont typeface="Wingdings 2"/>
-        <a:buChar char=""/>
+        <a:buChar char=""/>
         <a:defRPr kumimoji="0" sz="2000" kern="1200">
           <a:solidFill>
             <a:schemeClr val="tx1"/>
@@ -4709,17 +5031,18 @@
           <a:cs typeface="+mn-cs"/>
         </a:defRPr>
       </a:lvl4pPr>
-      <a:lvl5pPr marL="1490472" indent="-182880" algn="l" rtl="0" eaLnBrk="1" latinLnBrk="0" hangingPunct="1">
+      <a:lvl5pPr marL="1600200" indent="-210312" algn="l" rtl="0" eaLnBrk="1" latinLnBrk="0" hangingPunct="1">
         <a:spcBef>
           <a:spcPct val="20000"/>
         </a:spcBef>
         <a:buClr>
-          <a:schemeClr val="accent4"/>
+          <a:schemeClr val="accent1">
+            <a:tint val="75000"/>
+          </a:schemeClr>
         </a:buClr>
-        <a:buSzPct val="100000"/>
-        <a:buFont typeface="Arial"/>
-        <a:buChar char="-"/>
-        <a:defRPr kumimoji="0" sz="2000" kern="1200">
+        <a:buFont typeface="Wingdings 2"/>
+        <a:buChar char=""/>
+        <a:defRPr kumimoji="0" sz="1900" kern="1200">
           <a:solidFill>
             <a:schemeClr val="tx1"/>
           </a:solidFill>
@@ -4728,16 +5051,18 @@
           <a:cs typeface="+mn-cs"/>
         </a:defRPr>
       </a:lvl5pPr>
-      <a:lvl6pPr marL="1700784" indent="-182880" algn="l" rtl="0" eaLnBrk="1" latinLnBrk="0" hangingPunct="1">
+      <a:lvl6pPr marL="1828800" indent="-210312" algn="l" rtl="0" eaLnBrk="1" latinLnBrk="0" hangingPunct="1">
         <a:spcBef>
           <a:spcPct val="20000"/>
         </a:spcBef>
         <a:buClr>
-          <a:schemeClr val="accent5"/>
+          <a:schemeClr val="accent1">
+            <a:tint val="75000"/>
+          </a:schemeClr>
         </a:buClr>
-        <a:buFont typeface="Arial"/>
-        <a:buChar char="-"/>
-        <a:defRPr kumimoji="0" sz="2000" kern="1200" baseline="0">
+        <a:buFont typeface="Wingdings 2"/>
+        <a:buChar char=""/>
+        <a:defRPr kumimoji="0" sz="1800" kern="1200">
           <a:solidFill>
             <a:schemeClr val="tx1"/>
           </a:solidFill>
@@ -4746,17 +5071,18 @@
           <a:cs typeface="+mn-cs"/>
         </a:defRPr>
       </a:lvl6pPr>
-      <a:lvl7pPr marL="1920240" indent="-182880" algn="l" rtl="0" eaLnBrk="1" latinLnBrk="0" hangingPunct="1">
+      <a:lvl7pPr marL="2084832" indent="-210312" algn="l" rtl="0" eaLnBrk="1" latinLnBrk="0" hangingPunct="1">
         <a:spcBef>
           <a:spcPct val="20000"/>
         </a:spcBef>
         <a:buClr>
-          <a:schemeClr val="accent6"/>
+          <a:schemeClr val="accent1">
+            <a:tint val="75000"/>
+          </a:schemeClr>
         </a:buClr>
-        <a:buSzPct val="100000"/>
-        <a:buFont typeface="Arial"/>
-        <a:buChar char="•"/>
-        <a:defRPr kumimoji="0" sz="1800" kern="1200" baseline="0">
+        <a:buFont typeface="Wingdings 2"/>
+        <a:buChar char=""/>
+        <a:defRPr kumimoji="0" sz="1600" kern="1200">
           <a:solidFill>
             <a:schemeClr val="tx1"/>
           </a:solidFill>
@@ -4765,15 +5091,17 @@
           <a:cs typeface="+mn-cs"/>
         </a:defRPr>
       </a:lvl7pPr>
-      <a:lvl8pPr marL="2139696" indent="-182880" algn="l" rtl="0" eaLnBrk="1" latinLnBrk="0" hangingPunct="1">
+      <a:lvl8pPr marL="2286000" indent="-182880" algn="l" rtl="0" eaLnBrk="1" latinLnBrk="0" hangingPunct="1">
         <a:spcBef>
           <a:spcPct val="20000"/>
         </a:spcBef>
         <a:buClr>
-          <a:schemeClr val="accent6"/>
+          <a:schemeClr val="accent1">
+            <a:tint val="75000"/>
+          </a:schemeClr>
         </a:buClr>
-        <a:buFont typeface="Arial"/>
-        <a:buChar char="▪"/>
+        <a:buFont typeface="Wingdings 2"/>
+        <a:buChar char=""/>
         <a:defRPr kumimoji="0" sz="1600" kern="1200">
           <a:solidFill>
             <a:schemeClr val="tx1"/>
@@ -4783,15 +5111,17 @@
           <a:cs typeface="+mn-cs"/>
         </a:defRPr>
       </a:lvl8pPr>
-      <a:lvl9pPr marL="2331720" indent="-182880" algn="l" rtl="0" eaLnBrk="1" latinLnBrk="0" hangingPunct="1">
+      <a:lvl9pPr marL="2514600" indent="-182880" algn="l" rtl="0" eaLnBrk="1" latinLnBrk="0" hangingPunct="1">
         <a:spcBef>
           <a:spcPct val="20000"/>
         </a:spcBef>
         <a:buClr>
-          <a:schemeClr val="accent6"/>
+          <a:schemeClr val="accent1">
+            <a:tint val="75000"/>
+          </a:schemeClr>
         </a:buClr>
-        <a:buFont typeface="Arial"/>
-        <a:buChar char="•"/>
+        <a:buFont typeface="Wingdings 2"/>
+        <a:buChar char=""/>
         <a:defRPr kumimoji="0" sz="1600" kern="1200">
           <a:solidFill>
             <a:schemeClr val="tx1"/>
@@ -4927,22 +5257,44 @@
         </p:nvSpPr>
         <p:spPr>
           <a:xfrm>
-            <a:off x="251520" y="980728"/>
+            <a:off x="683568" y="404664"/>
             <a:ext cx="7200800" cy="1780108"/>
           </a:xfrm>
         </p:spPr>
         <p:txBody>
           <a:bodyPr>
-            <a:normAutofit/>
+            <a:normAutofit fontScale="90000"/>
           </a:bodyPr>
           <a:lstStyle/>
           <a:p>
             <a:pPr algn="ctr"/>
             <a:r>
+              <a:rPr lang="pt-BR" sz="6700" dirty="0" smtClean="0">
+                <a:solidFill>
+                  <a:srgbClr val="00B0F0"/>
+                </a:solidFill>
+                <a:effectLst>
+                  <a:outerShdw blurRad="50800" dist="38100" dir="5400000" algn="t" rotWithShape="0">
+                    <a:prstClr val="black">
+                      <a:alpha val="40000"/>
+                    </a:prstClr>
+                  </a:outerShdw>
+                </a:effectLst>
+              </a:rPr>
+              <a:t>WebClínica</a:t>
+            </a:r>
+            <a:r>
               <a:rPr lang="pt-BR" sz="5400" dirty="0" smtClean="0"/>
-              <a:t>WebClínica</a:t>
-            </a:r>
-            <a:endParaRPr lang="pt-BR" sz="5400" dirty="0"/>
+              <a:t/>
+            </a:r>
+            <a:br>
+              <a:rPr lang="pt-BR" sz="5400" dirty="0" smtClean="0"/>
+            </a:br>
+            <a:r>
+              <a:rPr lang="pt-BR" sz="3100" dirty="0" smtClean="0"/>
+              <a:t>Sistema Web para gestão de clínicas</a:t>
+            </a:r>
+            <a:endParaRPr lang="pt-BR" sz="3100" dirty="0"/>
           </a:p>
         </p:txBody>
       </p:sp>
@@ -4958,46 +5310,46 @@
         </p:nvSpPr>
         <p:spPr>
           <a:xfrm>
-            <a:off x="251520" y="3107928"/>
+            <a:off x="395536" y="3933056"/>
             <a:ext cx="7128792" cy="2121272"/>
           </a:xfrm>
         </p:spPr>
         <p:txBody>
           <a:bodyPr>
-            <a:normAutofit lnSpcReduction="10000"/>
+            <a:normAutofit fontScale="77500" lnSpcReduction="20000"/>
           </a:bodyPr>
           <a:lstStyle/>
           <a:p>
-            <a:pPr algn="ctr"/>
+            <a:pPr algn="l"/>
             <a:r>
               <a:rPr lang="pt-BR" dirty="0" smtClean="0"/>
               <a:t>Trabalho de Conclusão de Curso</a:t>
             </a:r>
           </a:p>
           <a:p>
-            <a:pPr algn="ctr"/>
+            <a:pPr algn="l"/>
             <a:endParaRPr lang="pt-BR" dirty="0"/>
           </a:p>
           <a:p>
-            <a:pPr algn="ctr"/>
+            <a:pPr algn="l"/>
             <a:endParaRPr lang="pt-BR" dirty="0" smtClean="0"/>
           </a:p>
           <a:p>
-            <a:pPr algn="ctr"/>
+            <a:pPr algn="l"/>
             <a:r>
               <a:rPr lang="pt-BR" dirty="0" smtClean="0"/>
               <a:t>Tuane Quintella de Andrade</a:t>
             </a:r>
           </a:p>
           <a:p>
-            <a:pPr algn="ctr"/>
+            <a:pPr algn="l"/>
             <a:r>
               <a:rPr lang="pt-BR" dirty="0" smtClean="0"/>
               <a:t>Pontifícia Universidade Católica de Campinas</a:t>
             </a:r>
           </a:p>
           <a:p>
-            <a:pPr algn="ctr"/>
+            <a:pPr algn="l"/>
             <a:r>
               <a:rPr lang="pt-BR" dirty="0" smtClean="0"/>
               <a:t>Graduação em Engenharia de Computação</a:t>
@@ -5010,6 +5362,611 @@
     <p:extLst>
       <p:ext uri="{BB962C8B-B14F-4D97-AF65-F5344CB8AC3E}">
         <p14:creationId xmlns:p14="http://schemas.microsoft.com/office/powerpoint/2010/main" val="798463002"/>
+      </p:ext>
+    </p:extLst>
+  </p:cSld>
+  <p:clrMapOvr>
+    <a:masterClrMapping/>
+  </p:clrMapOvr>
+  <p:timing>
+    <p:tnLst>
+      <p:par>
+        <p:cTn id="1" dur="indefinite" restart="never" nodeType="tmRoot"/>
+      </p:par>
+    </p:tnLst>
+  </p:timing>
+</p:sld>
+</file>
+
+<file path=ppt/slides/slide10.xml><?xml version="1.0" encoding="utf-8"?>
+<p:sld xmlns:a="http://schemas.openxmlformats.org/drawingml/2006/main" xmlns:r="http://schemas.openxmlformats.org/officeDocument/2006/relationships" xmlns:p="http://schemas.openxmlformats.org/presentationml/2006/main">
+  <p:cSld>
+    <p:spTree>
+      <p:nvGrpSpPr>
+        <p:cNvPr id="1" name=""/>
+        <p:cNvGrpSpPr/>
+        <p:nvPr/>
+      </p:nvGrpSpPr>
+      <p:grpSpPr>
+        <a:xfrm>
+          <a:off x="0" y="0"/>
+          <a:ext cx="0" cy="0"/>
+          <a:chOff x="0" y="0"/>
+          <a:chExt cx="0" cy="0"/>
+        </a:xfrm>
+      </p:grpSpPr>
+      <p:sp>
+        <p:nvSpPr>
+          <p:cNvPr id="2" name="Title 1"/>
+          <p:cNvSpPr>
+            <a:spLocks noGrp="1"/>
+          </p:cNvSpPr>
+          <p:nvPr>
+            <p:ph type="title"/>
+          </p:nvPr>
+        </p:nvSpPr>
+        <p:spPr/>
+        <p:txBody>
+          <a:bodyPr/>
+          <a:lstStyle/>
+          <a:p>
+            <a:r>
+              <a:rPr lang="pt-BR" dirty="0" smtClean="0"/>
+              <a:t>Validação</a:t>
+            </a:r>
+            <a:endParaRPr lang="pt-BR" dirty="0"/>
+          </a:p>
+        </p:txBody>
+      </p:sp>
+      <p:sp>
+        <p:nvSpPr>
+          <p:cNvPr id="3" name="Content Placeholder 2"/>
+          <p:cNvSpPr>
+            <a:spLocks noGrp="1"/>
+          </p:cNvSpPr>
+          <p:nvPr>
+            <p:ph idx="1"/>
+          </p:nvPr>
+        </p:nvSpPr>
+        <p:spPr/>
+        <p:txBody>
+          <a:bodyPr/>
+          <a:lstStyle/>
+          <a:p>
+            <a:r>
+              <a:rPr lang="pt-BR" dirty="0" smtClean="0"/>
+              <a:t>Primeiro cenário:</a:t>
+            </a:r>
+          </a:p>
+          <a:p>
+            <a:pPr lvl="1"/>
+            <a:r>
+              <a:rPr lang="pt-BR" dirty="0" smtClean="0"/>
+              <a:t>Marcação de tempo para a busca das fichas de 15 pacientes pelo método manual</a:t>
+            </a:r>
+          </a:p>
+          <a:p>
+            <a:pPr lvl="1"/>
+            <a:endParaRPr lang="pt-BR" dirty="0"/>
+          </a:p>
+          <a:p>
+            <a:r>
+              <a:rPr lang="pt-BR" dirty="0" smtClean="0"/>
+              <a:t>Segundo cenário:</a:t>
+            </a:r>
+          </a:p>
+          <a:p>
+            <a:pPr lvl="1"/>
+            <a:r>
+              <a:rPr lang="pt-BR" dirty="0" smtClean="0"/>
+              <a:t>Marcação de tempo para a busca das fichas de 15 pacientes utilizando o WebClínica</a:t>
+            </a:r>
+            <a:endParaRPr lang="pt-BR" dirty="0"/>
+          </a:p>
+        </p:txBody>
+      </p:sp>
+      <p:sp>
+        <p:nvSpPr>
+          <p:cNvPr id="4" name="Slide Number Placeholder 3"/>
+          <p:cNvSpPr>
+            <a:spLocks noGrp="1"/>
+          </p:cNvSpPr>
+          <p:nvPr>
+            <p:ph type="sldNum" sz="quarter" idx="12"/>
+          </p:nvPr>
+        </p:nvSpPr>
+        <p:spPr/>
+        <p:txBody>
+          <a:bodyPr/>
+          <a:lstStyle/>
+          <a:p>
+            <a:fld id="{913D6293-DBA6-4239-BE1C-6787D265FAC0}" type="slidenum">
+              <a:rPr lang="pt-BR" smtClean="0"/>
+              <a:t>10</a:t>
+            </a:fld>
+            <a:endParaRPr lang="pt-BR"/>
+          </a:p>
+        </p:txBody>
+      </p:sp>
+    </p:spTree>
+    <p:extLst>
+      <p:ext uri="{BB962C8B-B14F-4D97-AF65-F5344CB8AC3E}">
+        <p14:creationId xmlns:p14="http://schemas.microsoft.com/office/powerpoint/2010/main" val="3811195528"/>
+      </p:ext>
+    </p:extLst>
+  </p:cSld>
+  <p:clrMapOvr>
+    <a:masterClrMapping/>
+  </p:clrMapOvr>
+</p:sld>
+</file>
+
+<file path=ppt/slides/slide11.xml><?xml version="1.0" encoding="utf-8"?>
+<p:sld xmlns:a="http://schemas.openxmlformats.org/drawingml/2006/main" xmlns:r="http://schemas.openxmlformats.org/officeDocument/2006/relationships" xmlns:p="http://schemas.openxmlformats.org/presentationml/2006/main">
+  <p:cSld>
+    <p:spTree>
+      <p:nvGrpSpPr>
+        <p:cNvPr id="1" name=""/>
+        <p:cNvGrpSpPr/>
+        <p:nvPr/>
+      </p:nvGrpSpPr>
+      <p:grpSpPr>
+        <a:xfrm>
+          <a:off x="0" y="0"/>
+          <a:ext cx="0" cy="0"/>
+          <a:chOff x="0" y="0"/>
+          <a:chExt cx="0" cy="0"/>
+        </a:xfrm>
+      </p:grpSpPr>
+      <p:sp>
+        <p:nvSpPr>
+          <p:cNvPr id="2" name="Title 1"/>
+          <p:cNvSpPr>
+            <a:spLocks noGrp="1"/>
+          </p:cNvSpPr>
+          <p:nvPr>
+            <p:ph type="title"/>
+          </p:nvPr>
+        </p:nvSpPr>
+        <p:spPr/>
+        <p:txBody>
+          <a:bodyPr/>
+          <a:lstStyle/>
+          <a:p>
+            <a:r>
+              <a:rPr lang="pt-BR" dirty="0" smtClean="0"/>
+              <a:t>Resultados</a:t>
+            </a:r>
+            <a:endParaRPr lang="pt-BR" dirty="0"/>
+          </a:p>
+        </p:txBody>
+      </p:sp>
+      <p:sp>
+        <p:nvSpPr>
+          <p:cNvPr id="3" name="Content Placeholder 2"/>
+          <p:cNvSpPr>
+            <a:spLocks noGrp="1"/>
+          </p:cNvSpPr>
+          <p:nvPr>
+            <p:ph idx="1"/>
+          </p:nvPr>
+        </p:nvSpPr>
+        <p:spPr/>
+        <p:txBody>
+          <a:bodyPr/>
+          <a:lstStyle/>
+          <a:p>
+            <a:r>
+              <a:rPr lang="pt-BR" dirty="0" smtClean="0"/>
+              <a:t>Método manual:</a:t>
+            </a:r>
+          </a:p>
+          <a:p>
+            <a:pPr lvl="1"/>
+            <a:r>
+              <a:rPr lang="pt-BR" dirty="0" smtClean="0"/>
+              <a:t>Tempo total ≈ 17 minutos e 30 segundos</a:t>
+            </a:r>
+          </a:p>
+          <a:p>
+            <a:pPr lvl="1"/>
+            <a:r>
+              <a:rPr lang="pt-BR" dirty="0" smtClean="0"/>
+              <a:t>Tempo médio ≈ 1 minuto e 10 segundos</a:t>
+            </a:r>
+          </a:p>
+          <a:p>
+            <a:pPr marL="537210" lvl="1" indent="0">
+              <a:buNone/>
+            </a:pPr>
+            <a:endParaRPr lang="pt-BR" dirty="0" smtClean="0"/>
+          </a:p>
+          <a:p>
+            <a:r>
+              <a:rPr lang="pt-BR" dirty="0" smtClean="0"/>
+              <a:t>Utilizando o sistema:</a:t>
+            </a:r>
+          </a:p>
+          <a:p>
+            <a:pPr lvl="1"/>
+            <a:r>
+              <a:rPr lang="pt-BR" dirty="0" smtClean="0"/>
+              <a:t>Tempo total ≈ 6 minutos e 42 segundos</a:t>
+            </a:r>
+          </a:p>
+          <a:p>
+            <a:pPr lvl="1"/>
+            <a:r>
+              <a:rPr lang="pt-BR" dirty="0" smtClean="0"/>
+              <a:t>Tempo médio ≈ 26,8 segundos</a:t>
+            </a:r>
+            <a:endParaRPr lang="pt-BR" dirty="0"/>
+          </a:p>
+        </p:txBody>
+      </p:sp>
+      <p:sp>
+        <p:nvSpPr>
+          <p:cNvPr id="4" name="Slide Number Placeholder 3"/>
+          <p:cNvSpPr>
+            <a:spLocks noGrp="1"/>
+          </p:cNvSpPr>
+          <p:nvPr>
+            <p:ph type="sldNum" sz="quarter" idx="12"/>
+          </p:nvPr>
+        </p:nvSpPr>
+        <p:spPr/>
+        <p:txBody>
+          <a:bodyPr/>
+          <a:lstStyle/>
+          <a:p>
+            <a:fld id="{913D6293-DBA6-4239-BE1C-6787D265FAC0}" type="slidenum">
+              <a:rPr lang="pt-BR" smtClean="0"/>
+              <a:t>11</a:t>
+            </a:fld>
+            <a:endParaRPr lang="pt-BR"/>
+          </a:p>
+        </p:txBody>
+      </p:sp>
+    </p:spTree>
+    <p:extLst>
+      <p:ext uri="{BB962C8B-B14F-4D97-AF65-F5344CB8AC3E}">
+        <p14:creationId xmlns:p14="http://schemas.microsoft.com/office/powerpoint/2010/main" val="1829461576"/>
+      </p:ext>
+    </p:extLst>
+  </p:cSld>
+  <p:clrMapOvr>
+    <a:masterClrMapping/>
+  </p:clrMapOvr>
+</p:sld>
+</file>
+
+<file path=ppt/slides/slide12.xml><?xml version="1.0" encoding="utf-8"?>
+<p:sld xmlns:a="http://schemas.openxmlformats.org/drawingml/2006/main" xmlns:r="http://schemas.openxmlformats.org/officeDocument/2006/relationships" xmlns:p="http://schemas.openxmlformats.org/presentationml/2006/main">
+  <p:cSld>
+    <p:spTree>
+      <p:nvGrpSpPr>
+        <p:cNvPr id="1" name=""/>
+        <p:cNvGrpSpPr/>
+        <p:nvPr/>
+      </p:nvGrpSpPr>
+      <p:grpSpPr>
+        <a:xfrm>
+          <a:off x="0" y="0"/>
+          <a:ext cx="0" cy="0"/>
+          <a:chOff x="0" y="0"/>
+          <a:chExt cx="0" cy="0"/>
+        </a:xfrm>
+      </p:grpSpPr>
+      <p:sp>
+        <p:nvSpPr>
+          <p:cNvPr id="2" name="Title 1"/>
+          <p:cNvSpPr>
+            <a:spLocks noGrp="1"/>
+          </p:cNvSpPr>
+          <p:nvPr>
+            <p:ph type="title"/>
+          </p:nvPr>
+        </p:nvSpPr>
+        <p:spPr/>
+        <p:txBody>
+          <a:bodyPr/>
+          <a:lstStyle/>
+          <a:p>
+            <a:r>
+              <a:rPr lang="pt-BR" dirty="0" smtClean="0"/>
+              <a:t>Conclusão</a:t>
+            </a:r>
+            <a:endParaRPr lang="pt-BR" dirty="0"/>
+          </a:p>
+        </p:txBody>
+      </p:sp>
+      <p:sp>
+        <p:nvSpPr>
+          <p:cNvPr id="3" name="Content Placeholder 2"/>
+          <p:cNvSpPr>
+            <a:spLocks noGrp="1"/>
+          </p:cNvSpPr>
+          <p:nvPr>
+            <p:ph idx="1"/>
+          </p:nvPr>
+        </p:nvSpPr>
+        <p:spPr/>
+        <p:txBody>
+          <a:bodyPr/>
+          <a:lstStyle/>
+          <a:p>
+            <a:r>
+              <a:rPr lang="pt-BR" dirty="0" smtClean="0"/>
+              <a:t>Tempo de busca utilizando a solução desenvolvida é aproximadamente </a:t>
+            </a:r>
+            <a:r>
+              <a:rPr lang="pt-BR" b="1" dirty="0" smtClean="0"/>
+              <a:t>2,6 vezes mais rápido</a:t>
+            </a:r>
+          </a:p>
+          <a:p>
+            <a:endParaRPr lang="pt-BR" dirty="0"/>
+          </a:p>
+          <a:p>
+            <a:r>
+              <a:rPr lang="pt-BR" dirty="0" smtClean="0"/>
+              <a:t>Objetivo do trabalho foi plenamente atingido</a:t>
+            </a:r>
+            <a:endParaRPr lang="pt-BR" dirty="0"/>
+          </a:p>
+        </p:txBody>
+      </p:sp>
+      <p:sp>
+        <p:nvSpPr>
+          <p:cNvPr id="4" name="Slide Number Placeholder 3"/>
+          <p:cNvSpPr>
+            <a:spLocks noGrp="1"/>
+          </p:cNvSpPr>
+          <p:nvPr>
+            <p:ph type="sldNum" sz="quarter" idx="12"/>
+          </p:nvPr>
+        </p:nvSpPr>
+        <p:spPr/>
+        <p:txBody>
+          <a:bodyPr/>
+          <a:lstStyle/>
+          <a:p>
+            <a:fld id="{913D6293-DBA6-4239-BE1C-6787D265FAC0}" type="slidenum">
+              <a:rPr lang="pt-BR" smtClean="0"/>
+              <a:t>12</a:t>
+            </a:fld>
+            <a:endParaRPr lang="pt-BR"/>
+          </a:p>
+        </p:txBody>
+      </p:sp>
+    </p:spTree>
+    <p:extLst>
+      <p:ext uri="{BB962C8B-B14F-4D97-AF65-F5344CB8AC3E}">
+        <p14:creationId xmlns:p14="http://schemas.microsoft.com/office/powerpoint/2010/main" val="3266804815"/>
+      </p:ext>
+    </p:extLst>
+  </p:cSld>
+  <p:clrMapOvr>
+    <a:masterClrMapping/>
+  </p:clrMapOvr>
+</p:sld>
+</file>
+
+<file path=ppt/slides/slide13.xml><?xml version="1.0" encoding="utf-8"?>
+<p:sld xmlns:a="http://schemas.openxmlformats.org/drawingml/2006/main" xmlns:r="http://schemas.openxmlformats.org/officeDocument/2006/relationships" xmlns:p="http://schemas.openxmlformats.org/presentationml/2006/main">
+  <p:cSld>
+    <p:spTree>
+      <p:nvGrpSpPr>
+        <p:cNvPr id="1" name=""/>
+        <p:cNvGrpSpPr/>
+        <p:nvPr/>
+      </p:nvGrpSpPr>
+      <p:grpSpPr>
+        <a:xfrm>
+          <a:off x="0" y="0"/>
+          <a:ext cx="0" cy="0"/>
+          <a:chOff x="0" y="0"/>
+          <a:chExt cx="0" cy="0"/>
+        </a:xfrm>
+      </p:grpSpPr>
+      <p:sp>
+        <p:nvSpPr>
+          <p:cNvPr id="2" name="Title 1"/>
+          <p:cNvSpPr>
+            <a:spLocks noGrp="1"/>
+          </p:cNvSpPr>
+          <p:nvPr>
+            <p:ph type="title"/>
+          </p:nvPr>
+        </p:nvSpPr>
+        <p:spPr/>
+        <p:txBody>
+          <a:bodyPr/>
+          <a:lstStyle/>
+          <a:p>
+            <a:r>
+              <a:rPr lang="pt-BR" dirty="0" smtClean="0"/>
+              <a:t>Demonstração</a:t>
+            </a:r>
+            <a:endParaRPr lang="pt-BR" dirty="0"/>
+          </a:p>
+        </p:txBody>
+      </p:sp>
+      <p:pic>
+        <p:nvPicPr>
+          <p:cNvPr id="5" name="Content Placeholder 4"/>
+          <p:cNvPicPr>
+            <a:picLocks noGrp="1" noChangeAspect="1"/>
+          </p:cNvPicPr>
+          <p:nvPr>
+            <p:ph idx="1"/>
+          </p:nvPr>
+        </p:nvPicPr>
+        <p:blipFill>
+          <a:blip r:embed="rId3">
+            <a:extLst>
+              <a:ext uri="{28A0092B-C50C-407E-A947-70E740481C1C}">
+                <a14:useLocalDpi xmlns:a14="http://schemas.microsoft.com/office/drawing/2010/main" val="0"/>
+              </a:ext>
+            </a:extLst>
+          </a:blip>
+          <a:stretch>
+            <a:fillRect/>
+          </a:stretch>
+        </p:blipFill>
+        <p:spPr>
+          <a:xfrm>
+            <a:off x="1302539" y="1882775"/>
+            <a:ext cx="6538921" cy="4572000"/>
+          </a:xfrm>
+        </p:spPr>
+      </p:pic>
+      <p:sp>
+        <p:nvSpPr>
+          <p:cNvPr id="4" name="Slide Number Placeholder 3"/>
+          <p:cNvSpPr>
+            <a:spLocks noGrp="1"/>
+          </p:cNvSpPr>
+          <p:nvPr>
+            <p:ph type="sldNum" sz="quarter" idx="12"/>
+          </p:nvPr>
+        </p:nvSpPr>
+        <p:spPr/>
+        <p:txBody>
+          <a:bodyPr/>
+          <a:lstStyle/>
+          <a:p>
+            <a:fld id="{913D6293-DBA6-4239-BE1C-6787D265FAC0}" type="slidenum">
+              <a:rPr lang="pt-BR" smtClean="0"/>
+              <a:t>13</a:t>
+            </a:fld>
+            <a:endParaRPr lang="pt-BR"/>
+          </a:p>
+        </p:txBody>
+      </p:sp>
+    </p:spTree>
+    <p:extLst>
+      <p:ext uri="{BB962C8B-B14F-4D97-AF65-F5344CB8AC3E}">
+        <p14:creationId xmlns:p14="http://schemas.microsoft.com/office/powerpoint/2010/main" val="1613872034"/>
+      </p:ext>
+    </p:extLst>
+  </p:cSld>
+  <p:clrMapOvr>
+    <a:masterClrMapping/>
+  </p:clrMapOvr>
+</p:sld>
+</file>
+
+<file path=ppt/slides/slide14.xml><?xml version="1.0" encoding="utf-8"?>
+<p:sld xmlns:a="http://schemas.openxmlformats.org/drawingml/2006/main" xmlns:r="http://schemas.openxmlformats.org/officeDocument/2006/relationships" xmlns:p="http://schemas.openxmlformats.org/presentationml/2006/main">
+  <p:cSld>
+    <p:spTree>
+      <p:nvGrpSpPr>
+        <p:cNvPr id="1" name=""/>
+        <p:cNvGrpSpPr/>
+        <p:nvPr/>
+      </p:nvGrpSpPr>
+      <p:grpSpPr>
+        <a:xfrm>
+          <a:off x="0" y="0"/>
+          <a:ext cx="0" cy="0"/>
+          <a:chOff x="0" y="0"/>
+          <a:chExt cx="0" cy="0"/>
+        </a:xfrm>
+      </p:grpSpPr>
+      <p:sp>
+        <p:nvSpPr>
+          <p:cNvPr id="2" name="Title 1"/>
+          <p:cNvSpPr>
+            <a:spLocks noGrp="1"/>
+          </p:cNvSpPr>
+          <p:nvPr>
+            <p:ph type="title"/>
+          </p:nvPr>
+        </p:nvSpPr>
+        <p:spPr>
+          <a:xfrm>
+            <a:off x="457200" y="2060848"/>
+            <a:ext cx="7571184" cy="1399032"/>
+          </a:xfrm>
+        </p:spPr>
+        <p:txBody>
+          <a:bodyPr>
+            <a:normAutofit/>
+          </a:bodyPr>
+          <a:lstStyle/>
+          <a:p>
+            <a:pPr algn="ctr"/>
+            <a:r>
+              <a:rPr lang="pt-BR" sz="8000" dirty="0" smtClean="0">
+                <a:solidFill>
+                  <a:srgbClr val="00B0F0"/>
+                </a:solidFill>
+              </a:rPr>
+              <a:t>Obrigada!</a:t>
+            </a:r>
+            <a:endParaRPr lang="pt-BR" sz="8000" dirty="0">
+              <a:solidFill>
+                <a:srgbClr val="00B0F0"/>
+              </a:solidFill>
+            </a:endParaRPr>
+          </a:p>
+        </p:txBody>
+      </p:sp>
+      <p:sp>
+        <p:nvSpPr>
+          <p:cNvPr id="3" name="Content Placeholder 2"/>
+          <p:cNvSpPr>
+            <a:spLocks noGrp="1"/>
+          </p:cNvSpPr>
+          <p:nvPr>
+            <p:ph idx="1"/>
+          </p:nvPr>
+        </p:nvSpPr>
+        <p:spPr>
+          <a:xfrm>
+            <a:off x="2987824" y="4221088"/>
+            <a:ext cx="2880320" cy="720080"/>
+          </a:xfrm>
+        </p:spPr>
+        <p:txBody>
+          <a:bodyPr/>
+          <a:lstStyle/>
+          <a:p>
+            <a:r>
+              <a:rPr lang="pt-BR" dirty="0" smtClean="0"/>
+              <a:t>Dúvidas?</a:t>
+            </a:r>
+          </a:p>
+        </p:txBody>
+      </p:sp>
+      <p:sp>
+        <p:nvSpPr>
+          <p:cNvPr id="4" name="Slide Number Placeholder 3"/>
+          <p:cNvSpPr>
+            <a:spLocks noGrp="1"/>
+          </p:cNvSpPr>
+          <p:nvPr>
+            <p:ph type="sldNum" sz="quarter" idx="12"/>
+          </p:nvPr>
+        </p:nvSpPr>
+        <p:spPr/>
+        <p:txBody>
+          <a:bodyPr/>
+          <a:lstStyle/>
+          <a:p>
+            <a:fld id="{913D6293-DBA6-4239-BE1C-6787D265FAC0}" type="slidenum">
+              <a:rPr lang="pt-BR" smtClean="0"/>
+              <a:t>14</a:t>
+            </a:fld>
+            <a:endParaRPr lang="pt-BR"/>
+          </a:p>
+        </p:txBody>
+      </p:sp>
+    </p:spTree>
+    <p:extLst>
+      <p:ext uri="{BB962C8B-B14F-4D97-AF65-F5344CB8AC3E}">
+        <p14:creationId xmlns:p14="http://schemas.microsoft.com/office/powerpoint/2010/main" val="2436110381"/>
       </p:ext>
     </p:extLst>
   </p:cSld>
@@ -5053,33 +6010,10 @@
             <p:ph type="title"/>
           </p:nvPr>
         </p:nvSpPr>
-        <p:spPr/>
-        <p:txBody>
-          <a:bodyPr/>
-          <a:lstStyle/>
-          <a:p>
-            <a:r>
-              <a:rPr lang="pt-BR" dirty="0" smtClean="0"/>
-              <a:t>Introdução</a:t>
-            </a:r>
-            <a:endParaRPr lang="pt-BR" dirty="0"/>
-          </a:p>
-        </p:txBody>
-      </p:sp>
-      <p:sp>
-        <p:nvSpPr>
-          <p:cNvPr id="3" name="Content Placeholder 2"/>
-          <p:cNvSpPr>
-            <a:spLocks noGrp="1"/>
-          </p:cNvSpPr>
-          <p:nvPr>
-            <p:ph idx="1"/>
-          </p:nvPr>
-        </p:nvSpPr>
         <p:spPr>
           <a:xfrm>
-            <a:off x="872067" y="2930632"/>
-            <a:ext cx="7408333" cy="3450696"/>
+            <a:off x="446856" y="229768"/>
+            <a:ext cx="8229600" cy="1399032"/>
           </a:xfrm>
         </p:spPr>
         <p:txBody>
@@ -5087,8 +6021,93 @@
           <a:lstStyle/>
           <a:p>
             <a:r>
-              <a:rPr lang="pt-BR" dirty="0" smtClean="0"/>
-              <a:t>Projeto de informatização de clínica médica a partir do desenvolvimento de um sistema web de gerenciamento.</a:t>
+              <a:rPr lang="pt-BR" dirty="0" smtClean="0">
+                <a:effectLst>
+                  <a:outerShdw blurRad="38100" dist="38100" dir="2700000" algn="tl">
+                    <a:srgbClr val="000000">
+                      <a:alpha val="43137"/>
+                    </a:srgbClr>
+                  </a:outerShdw>
+                </a:effectLst>
+              </a:rPr>
+              <a:t>Agenda</a:t>
+            </a:r>
+            <a:endParaRPr lang="pt-BR" dirty="0">
+              <a:effectLst>
+                <a:outerShdw blurRad="38100" dist="38100" dir="2700000" algn="tl">
+                  <a:srgbClr val="000000">
+                    <a:alpha val="43137"/>
+                  </a:srgbClr>
+                </a:outerShdw>
+              </a:effectLst>
+            </a:endParaRPr>
+          </a:p>
+        </p:txBody>
+      </p:sp>
+      <p:sp>
+        <p:nvSpPr>
+          <p:cNvPr id="3" name="Content Placeholder 2"/>
+          <p:cNvSpPr>
+            <a:spLocks noGrp="1"/>
+          </p:cNvSpPr>
+          <p:nvPr>
+            <p:ph idx="1"/>
+          </p:nvPr>
+        </p:nvSpPr>
+        <p:spPr>
+          <a:xfrm>
+            <a:off x="590872" y="1809328"/>
+            <a:ext cx="8229600" cy="4572000"/>
+          </a:xfrm>
+        </p:spPr>
+        <p:txBody>
+          <a:bodyPr>
+            <a:normAutofit lnSpcReduction="10000"/>
+          </a:bodyPr>
+          <a:lstStyle/>
+          <a:p>
+            <a:r>
+              <a:rPr lang="pt-BR" dirty="0" smtClean="0"/>
+              <a:t>Introdução</a:t>
+            </a:r>
+          </a:p>
+          <a:p>
+            <a:pPr marL="64008" indent="0">
+              <a:buNone/>
+            </a:pPr>
+            <a:endParaRPr lang="pt-BR" dirty="0" smtClean="0"/>
+          </a:p>
+          <a:p>
+            <a:r>
+              <a:rPr lang="pt-BR" dirty="0" smtClean="0"/>
+              <a:t>Sistema WebClínica</a:t>
+            </a:r>
+          </a:p>
+          <a:p>
+            <a:endParaRPr lang="pt-BR" dirty="0" smtClean="0"/>
+          </a:p>
+          <a:p>
+            <a:r>
+              <a:rPr lang="pt-BR" dirty="0" smtClean="0"/>
+              <a:t>Validação e Resultados</a:t>
+            </a:r>
+          </a:p>
+          <a:p>
+            <a:endParaRPr lang="pt-BR" dirty="0" smtClean="0"/>
+          </a:p>
+          <a:p>
+            <a:r>
+              <a:rPr lang="pt-BR" dirty="0" smtClean="0"/>
+              <a:t>Conclusão</a:t>
+            </a:r>
+          </a:p>
+          <a:p>
+            <a:endParaRPr lang="pt-BR" dirty="0" smtClean="0"/>
+          </a:p>
+          <a:p>
+            <a:r>
+              <a:rPr lang="pt-BR" dirty="0" smtClean="0"/>
+              <a:t>Demosntração</a:t>
             </a:r>
             <a:endParaRPr lang="pt-BR" dirty="0"/>
           </a:p>
@@ -5120,7 +6139,7 @@
     </p:spTree>
     <p:extLst>
       <p:ext uri="{BB962C8B-B14F-4D97-AF65-F5344CB8AC3E}">
-        <p14:creationId xmlns:p14="http://schemas.microsoft.com/office/powerpoint/2010/main" val="767062864"/>
+        <p14:creationId xmlns:p14="http://schemas.microsoft.com/office/powerpoint/2010/main" val="419340571"/>
       </p:ext>
     </p:extLst>
   </p:cSld>
@@ -5164,33 +6183,10 @@
             <p:ph type="title"/>
           </p:nvPr>
         </p:nvSpPr>
-        <p:spPr/>
-        <p:txBody>
-          <a:bodyPr/>
-          <a:lstStyle/>
-          <a:p>
-            <a:r>
-              <a:rPr lang="pt-BR" dirty="0" smtClean="0"/>
-              <a:t>Objetivo</a:t>
-            </a:r>
-            <a:endParaRPr lang="pt-BR" dirty="0"/>
-          </a:p>
-        </p:txBody>
-      </p:sp>
-      <p:sp>
-        <p:nvSpPr>
-          <p:cNvPr id="2" name="Content Placeholder 1"/>
-          <p:cNvSpPr>
-            <a:spLocks noGrp="1"/>
-          </p:cNvSpPr>
-          <p:nvPr>
-            <p:ph idx="1"/>
-          </p:nvPr>
-        </p:nvSpPr>
         <p:spPr>
           <a:xfrm>
-            <a:off x="872067" y="2858624"/>
-            <a:ext cx="7408333" cy="3450696"/>
+            <a:off x="446856" y="260648"/>
+            <a:ext cx="8229600" cy="1399032"/>
           </a:xfrm>
         </p:spPr>
         <p:txBody>
@@ -5199,7 +6195,7 @@
           <a:p>
             <a:r>
               <a:rPr lang="pt-BR" dirty="0" smtClean="0"/>
-              <a:t>Reduzir o tempo de busca por fichas de pacientes</a:t>
+              <a:t>Introdução</a:t>
             </a:r>
             <a:endParaRPr lang="pt-BR" dirty="0"/>
           </a:p>
@@ -5207,7 +6203,82 @@
       </p:sp>
       <p:sp>
         <p:nvSpPr>
-          <p:cNvPr id="4" name="Slide Number Placeholder 3"/>
+          <p:cNvPr id="2" name="Content Placeholder 1"/>
+          <p:cNvSpPr>
+            <a:spLocks noGrp="1"/>
+          </p:cNvSpPr>
+          <p:nvPr>
+            <p:ph idx="1"/>
+          </p:nvPr>
+        </p:nvSpPr>
+        <p:spPr>
+          <a:xfrm>
+            <a:off x="467544" y="1882808"/>
+            <a:ext cx="8229600" cy="4572000"/>
+          </a:xfrm>
+        </p:spPr>
+        <p:txBody>
+          <a:bodyPr/>
+          <a:lstStyle/>
+          <a:p>
+            <a:r>
+              <a:rPr lang="pt-BR" dirty="0" smtClean="0"/>
+              <a:t>Clínica de 4 médicos e 1 secretária</a:t>
+            </a:r>
+          </a:p>
+          <a:p>
+            <a:endParaRPr lang="pt-BR" dirty="0" smtClean="0"/>
+          </a:p>
+          <a:p>
+            <a:r>
+              <a:rPr lang="pt-BR" dirty="0" smtClean="0"/>
+              <a:t>Processos internos manuais:</a:t>
+            </a:r>
+          </a:p>
+          <a:p>
+            <a:pPr lvl="1"/>
+            <a:r>
+              <a:rPr lang="pt-BR" dirty="0" smtClean="0"/>
+              <a:t>Arquivamento de fichas de pacientes</a:t>
+            </a:r>
+          </a:p>
+          <a:p>
+            <a:pPr lvl="1"/>
+            <a:r>
+              <a:rPr lang="pt-BR" dirty="0" smtClean="0"/>
+              <a:t>Agendamento de consultas</a:t>
+            </a:r>
+          </a:p>
+          <a:p>
+            <a:pPr lvl="1"/>
+            <a:r>
+              <a:rPr lang="pt-BR" dirty="0" smtClean="0"/>
+              <a:t>Execução de consultas</a:t>
+            </a:r>
+          </a:p>
+          <a:p>
+            <a:pPr lvl="1"/>
+            <a:r>
+              <a:rPr lang="pt-BR" dirty="0" smtClean="0"/>
+              <a:t>Relatório de serviços prestados</a:t>
+            </a:r>
+          </a:p>
+          <a:p>
+            <a:pPr lvl="1"/>
+            <a:r>
+              <a:rPr lang="pt-BR" dirty="0" smtClean="0"/>
+              <a:t>Outros</a:t>
+            </a:r>
+          </a:p>
+          <a:p>
+            <a:pPr lvl="1"/>
+            <a:endParaRPr lang="pt-BR" dirty="0" smtClean="0"/>
+          </a:p>
+        </p:txBody>
+      </p:sp>
+      <p:sp>
+        <p:nvSpPr>
+          <p:cNvPr id="7" name="Slide Number Placeholder 6"/>
           <p:cNvSpPr>
             <a:spLocks noGrp="1"/>
           </p:cNvSpPr>
@@ -5231,7 +6302,7 @@
     </p:spTree>
     <p:extLst>
       <p:ext uri="{BB962C8B-B14F-4D97-AF65-F5344CB8AC3E}">
-        <p14:creationId xmlns:p14="http://schemas.microsoft.com/office/powerpoint/2010/main" val="1318275"/>
+        <p14:creationId xmlns:p14="http://schemas.microsoft.com/office/powerpoint/2010/main" val="4020307150"/>
       </p:ext>
     </p:extLst>
   </p:cSld>
@@ -5267,7 +6338,7 @@
       </p:grpSpPr>
       <p:sp>
         <p:nvSpPr>
-          <p:cNvPr id="3" name="Title 2"/>
+          <p:cNvPr id="2" name="Title 1"/>
           <p:cNvSpPr>
             <a:spLocks noGrp="1"/>
           </p:cNvSpPr>
@@ -5282,7 +6353,7 @@
           <a:p>
             <a:r>
               <a:rPr lang="pt-BR" dirty="0" smtClean="0"/>
-              <a:t>Projeto</a:t>
+              <a:t>Introdução</a:t>
             </a:r>
             <a:endParaRPr lang="pt-BR" dirty="0"/>
           </a:p>
@@ -5290,7 +6361,7 @@
       </p:sp>
       <p:sp>
         <p:nvSpPr>
-          <p:cNvPr id="2" name="Content Placeholder 1"/>
+          <p:cNvPr id="3" name="Content Placeholder 2"/>
           <p:cNvSpPr>
             <a:spLocks noGrp="1"/>
           </p:cNvSpPr>
@@ -5305,26 +6376,49 @@
           <a:p>
             <a:r>
               <a:rPr lang="pt-BR" dirty="0" smtClean="0"/>
-              <a:t>Análise de requisitos</a:t>
-            </a:r>
-          </a:p>
-          <a:p>
-            <a:endParaRPr lang="pt-BR" dirty="0"/>
-          </a:p>
-          <a:p>
-            <a:r>
-              <a:rPr lang="pt-BR" dirty="0" smtClean="0"/>
-              <a:t>Backlog do produto</a:t>
-            </a:r>
-          </a:p>
-          <a:p>
-            <a:endParaRPr lang="pt-BR" dirty="0"/>
-          </a:p>
-          <a:p>
-            <a:r>
-              <a:rPr lang="pt-BR" dirty="0" smtClean="0"/>
-              <a:t>Diagrama de arquitetura</a:t>
-            </a:r>
+              <a:t>Problemas:</a:t>
+            </a:r>
+          </a:p>
+          <a:p>
+            <a:pPr lvl="1"/>
+            <a:r>
+              <a:rPr lang="pt-BR" dirty="0" smtClean="0"/>
+              <a:t>Perda de informações</a:t>
+            </a:r>
+          </a:p>
+          <a:p>
+            <a:pPr lvl="1"/>
+            <a:r>
+              <a:rPr lang="pt-BR" dirty="0" smtClean="0"/>
+              <a:t>Retorno financeiro abaixo do esperado</a:t>
+            </a:r>
+          </a:p>
+          <a:p>
+            <a:pPr lvl="1"/>
+            <a:r>
+              <a:rPr lang="pt-BR" dirty="0" smtClean="0"/>
+              <a:t>Grande custo para extração de dados</a:t>
+            </a:r>
+          </a:p>
+          <a:p>
+            <a:pPr lvl="1"/>
+            <a:r>
+              <a:rPr lang="pt-BR" b="1" dirty="0" smtClean="0"/>
+              <a:t>Desperdício de tempo</a:t>
+            </a:r>
+            <a:endParaRPr lang="pt-BR" dirty="0" smtClean="0"/>
+          </a:p>
+          <a:p>
+            <a:endParaRPr lang="pt-BR" b="1" dirty="0"/>
+          </a:p>
+          <a:p>
+            <a:r>
+              <a:rPr lang="pt-BR" dirty="0" smtClean="0"/>
+              <a:t>Objetivo do trabalho: reduzir o tempo de busca por prontuários de pacientes.</a:t>
+            </a:r>
+          </a:p>
+          <a:p>
+            <a:pPr lvl="1"/>
             <a:endParaRPr lang="pt-BR" dirty="0"/>
           </a:p>
         </p:txBody>
@@ -5355,7 +6449,7 @@
     </p:spTree>
     <p:extLst>
       <p:ext uri="{BB962C8B-B14F-4D97-AF65-F5344CB8AC3E}">
-        <p14:creationId xmlns:p14="http://schemas.microsoft.com/office/powerpoint/2010/main" val="1730510657"/>
+        <p14:creationId xmlns:p14="http://schemas.microsoft.com/office/powerpoint/2010/main" val="3697279294"/>
       </p:ext>
     </p:extLst>
   </p:cSld>
@@ -5373,7 +6467,7 @@
 </file>
 
 <file path=ppt/slides/slide5.xml><?xml version="1.0" encoding="utf-8"?>
-<p:sld xmlns:a="http://schemas.openxmlformats.org/drawingml/2006/main" xmlns:r="http://schemas.openxmlformats.org/officeDocument/2006/relationships" xmlns:p="http://schemas.openxmlformats.org/presentationml/2006/main" showMasterSp="0">
+<p:sld xmlns:a="http://schemas.openxmlformats.org/drawingml/2006/main" xmlns:r="http://schemas.openxmlformats.org/officeDocument/2006/relationships" xmlns:p="http://schemas.openxmlformats.org/presentationml/2006/main">
   <p:cSld>
     <p:spTree>
       <p:nvGrpSpPr>
@@ -5391,45 +6485,81 @@
       </p:grpSpPr>
       <p:sp>
         <p:nvSpPr>
-          <p:cNvPr id="4" name="Title 3"/>
+          <p:cNvPr id="2" name="Title 1"/>
           <p:cNvSpPr>
             <a:spLocks noGrp="1"/>
           </p:cNvSpPr>
           <p:nvPr>
             <p:ph type="title"/>
+          </p:nvPr>
+        </p:nvSpPr>
+        <p:spPr/>
+        <p:txBody>
+          <a:bodyPr/>
+          <a:lstStyle/>
+          <a:p>
+            <a:r>
+              <a:rPr lang="pt-BR" dirty="0" smtClean="0"/>
+              <a:t>Introdução</a:t>
+            </a:r>
+            <a:endParaRPr lang="pt-BR" dirty="0"/>
+          </a:p>
+        </p:txBody>
+      </p:sp>
+      <p:sp>
+        <p:nvSpPr>
+          <p:cNvPr id="3" name="Content Placeholder 2"/>
+          <p:cNvSpPr>
+            <a:spLocks noGrp="1"/>
+          </p:cNvSpPr>
+          <p:nvPr>
+            <p:ph idx="1"/>
           </p:nvPr>
         </p:nvSpPr>
         <p:spPr>
           <a:xfrm>
-            <a:off x="1434480" y="44624"/>
-            <a:ext cx="6275040" cy="504056"/>
+            <a:off x="457200" y="2169368"/>
+            <a:ext cx="8229600" cy="4572000"/>
           </a:xfrm>
         </p:spPr>
         <p:txBody>
           <a:bodyPr>
-            <a:noAutofit/>
+            <a:normAutofit/>
           </a:bodyPr>
           <a:lstStyle/>
           <a:p>
             <a:r>
-              <a:rPr lang="pt-BR" sz="3200" dirty="0" smtClean="0">
-                <a:solidFill>
-                  <a:schemeClr val="tx2"/>
-                </a:solidFill>
+              <a:rPr lang="pt-BR" dirty="0" smtClean="0"/>
+              <a:t>Proposta de solução: Sistema Web para gestão de clínica </a:t>
+            </a:r>
+            <a:r>
+              <a:rPr lang="pt-BR" dirty="0" smtClean="0">
+                <a:sym typeface="Wingdings" pitchFamily="2" charset="2"/>
               </a:rPr>
-              <a:t>Diagrama de Arquitetura</a:t>
-            </a:r>
-            <a:endParaRPr lang="pt-BR" sz="3200" dirty="0">
-              <a:solidFill>
-                <a:schemeClr val="tx2"/>
-              </a:solidFill>
-            </a:endParaRPr>
-          </a:p>
-        </p:txBody>
-      </p:sp>
-      <p:sp>
-        <p:nvSpPr>
-          <p:cNvPr id="3" name="Slide Number Placeholder 2"/>
+              <a:t></a:t>
+            </a:r>
+            <a:r>
+              <a:rPr lang="pt-BR" dirty="0" smtClean="0"/>
+              <a:t> WebClínica</a:t>
+            </a:r>
+          </a:p>
+          <a:p>
+            <a:pPr marL="64008" indent="0">
+              <a:buNone/>
+            </a:pPr>
+            <a:endParaRPr lang="pt-BR" dirty="0" smtClean="0"/>
+          </a:p>
+          <a:p>
+            <a:r>
+              <a:rPr lang="pt-BR" dirty="0" smtClean="0"/>
+              <a:t>Software com funcionalidades que substituam e simplifiquem os processos da clínica</a:t>
+            </a:r>
+          </a:p>
+        </p:txBody>
+      </p:sp>
+      <p:sp>
+        <p:nvSpPr>
+          <p:cNvPr id="4" name="Slide Number Placeholder 3"/>
           <p:cNvSpPr>
             <a:spLocks noGrp="1"/>
           </p:cNvSpPr>
@@ -5450,51 +6580,10 @@
           </a:p>
         </p:txBody>
       </p:sp>
-      <p:pic>
-        <p:nvPicPr>
-          <p:cNvPr id="3074" name="Picture 2" descr="E:\Tutti\Documents\Faculdade\TCC\Documentos\Projeto\DiagramaDeArquitetura.png"/>
-          <p:cNvPicPr>
-            <a:picLocks noChangeAspect="1" noChangeArrowheads="1"/>
-          </p:cNvPicPr>
-          <p:nvPr/>
-        </p:nvPicPr>
-        <p:blipFill>
-          <a:blip r:embed="rId3" cstate="print">
-            <a:extLst>
-              <a:ext uri="{28A0092B-C50C-407E-A947-70E740481C1C}">
-                <a14:useLocalDpi xmlns:a14="http://schemas.microsoft.com/office/drawing/2010/main" val="0"/>
-              </a:ext>
-            </a:extLst>
-          </a:blip>
-          <a:srcRect/>
-          <a:stretch>
-            <a:fillRect/>
-          </a:stretch>
-        </p:blipFill>
-        <p:spPr bwMode="auto">
-          <a:xfrm>
-            <a:off x="107504" y="548680"/>
-            <a:ext cx="8955051" cy="6227022"/>
-          </a:xfrm>
-          <a:prstGeom prst="rect">
-            <a:avLst/>
-          </a:prstGeom>
-          <a:noFill/>
-          <a:extLst>
-            <a:ext uri="{909E8E84-426E-40DD-AFC4-6F175D3DCCD1}">
-              <a14:hiddenFill xmlns:a14="http://schemas.microsoft.com/office/drawing/2010/main">
-                <a:solidFill>
-                  <a:srgbClr val="FFFFFF"/>
-                </a:solidFill>
-              </a14:hiddenFill>
-            </a:ext>
-          </a:extLst>
-        </p:spPr>
-      </p:pic>
     </p:spTree>
     <p:extLst>
       <p:ext uri="{BB962C8B-B14F-4D97-AF65-F5344CB8AC3E}">
-        <p14:creationId xmlns:p14="http://schemas.microsoft.com/office/powerpoint/2010/main" val="755243084"/>
+        <p14:creationId xmlns:p14="http://schemas.microsoft.com/office/powerpoint/2010/main" val="4168822100"/>
       </p:ext>
     </p:extLst>
   </p:cSld>
@@ -5530,7 +6619,91 @@
       </p:grpSpPr>
       <p:sp>
         <p:nvSpPr>
-          <p:cNvPr id="3" name="Slide Number Placeholder 2"/>
+          <p:cNvPr id="2" name="Title 1"/>
+          <p:cNvSpPr>
+            <a:spLocks noGrp="1"/>
+          </p:cNvSpPr>
+          <p:nvPr>
+            <p:ph type="title"/>
+          </p:nvPr>
+        </p:nvSpPr>
+        <p:spPr/>
+        <p:txBody>
+          <a:bodyPr/>
+          <a:lstStyle/>
+          <a:p>
+            <a:r>
+              <a:rPr lang="pt-BR" dirty="0" smtClean="0"/>
+              <a:t>Sistema WebClínica</a:t>
+            </a:r>
+            <a:endParaRPr lang="pt-BR" dirty="0"/>
+          </a:p>
+        </p:txBody>
+      </p:sp>
+      <p:sp>
+        <p:nvSpPr>
+          <p:cNvPr id="3" name="Content Placeholder 2"/>
+          <p:cNvSpPr>
+            <a:spLocks noGrp="1"/>
+          </p:cNvSpPr>
+          <p:nvPr>
+            <p:ph idx="1"/>
+          </p:nvPr>
+        </p:nvSpPr>
+        <p:spPr/>
+        <p:txBody>
+          <a:bodyPr>
+            <a:normAutofit lnSpcReduction="10000"/>
+          </a:bodyPr>
+          <a:lstStyle/>
+          <a:p>
+            <a:r>
+              <a:rPr lang="pt-BR" dirty="0" smtClean="0"/>
+              <a:t>Cadastro, autenticação e autorização de usuários</a:t>
+            </a:r>
+          </a:p>
+          <a:p>
+            <a:r>
+              <a:rPr lang="pt-BR" dirty="0" smtClean="0"/>
+              <a:t>Cadastro e arquivamento de fichas de pacientes (prontuários)</a:t>
+            </a:r>
+          </a:p>
+          <a:p>
+            <a:r>
+              <a:rPr lang="pt-BR" dirty="0" smtClean="0"/>
+              <a:t>Busca inteligente de pacientes</a:t>
+            </a:r>
+          </a:p>
+          <a:p>
+            <a:r>
+              <a:rPr lang="pt-BR" dirty="0" smtClean="0"/>
+              <a:t>Agenda de consultas</a:t>
+            </a:r>
+          </a:p>
+          <a:p>
+            <a:r>
+              <a:rPr lang="pt-BR" dirty="0" smtClean="0"/>
+              <a:t>Execução de consultas</a:t>
+            </a:r>
+          </a:p>
+          <a:p>
+            <a:r>
+              <a:rPr lang="pt-BR" dirty="0" smtClean="0"/>
+              <a:t>Extração de relatórios</a:t>
+            </a:r>
+          </a:p>
+          <a:p>
+            <a:r>
+              <a:rPr lang="pt-BR" dirty="0" smtClean="0"/>
+              <a:t>Extração de dados para estatísticas</a:t>
+            </a:r>
+            <a:endParaRPr lang="pt-BR" dirty="0"/>
+          </a:p>
+        </p:txBody>
+      </p:sp>
+      <p:sp>
+        <p:nvSpPr>
+          <p:cNvPr id="4" name="Slide Number Placeholder 3"/>
           <p:cNvSpPr>
             <a:spLocks noGrp="1"/>
           </p:cNvSpPr>
@@ -5551,141 +6724,10 @@
           </a:p>
         </p:txBody>
       </p:sp>
-      <p:pic>
-        <p:nvPicPr>
-          <p:cNvPr id="5" name="Picture 2" descr="E:\Tutti\Documents\Faculdade\TCC\Documentos\Projeto\DiagramaDeArquitetura.png"/>
-          <p:cNvPicPr>
-            <a:picLocks noChangeAspect="1" noChangeArrowheads="1"/>
-          </p:cNvPicPr>
-          <p:nvPr/>
-        </p:nvPicPr>
-        <p:blipFill rotWithShape="1">
-          <a:blip r:embed="rId3" cstate="print">
-            <a:extLst>
-              <a:ext uri="{28A0092B-C50C-407E-A947-70E740481C1C}">
-                <a14:useLocalDpi xmlns:a14="http://schemas.microsoft.com/office/drawing/2010/main" val="0"/>
-              </a:ext>
-            </a:extLst>
-          </a:blip>
-          <a:srcRect l="24840" t="15073" r="-138" b="3679"/>
-          <a:stretch/>
-        </p:blipFill>
-        <p:spPr bwMode="auto">
-          <a:xfrm>
-            <a:off x="0" y="0"/>
-            <a:ext cx="9140285" cy="6858000"/>
-          </a:xfrm>
-          <a:prstGeom prst="rect">
-            <a:avLst/>
-          </a:prstGeom>
-          <a:noFill/>
-          <a:extLst>
-            <a:ext uri="{909E8E84-426E-40DD-AFC4-6F175D3DCCD1}">
-              <a14:hiddenFill xmlns:a14="http://schemas.microsoft.com/office/drawing/2010/main">
-                <a:solidFill>
-                  <a:srgbClr val="FFFFFF"/>
-                </a:solidFill>
-              </a14:hiddenFill>
-            </a:ext>
-          </a:extLst>
-        </p:spPr>
-      </p:pic>
-      <p:sp>
-        <p:nvSpPr>
-          <p:cNvPr id="6" name="Rounded Rectangle 5"/>
-          <p:cNvSpPr/>
-          <p:nvPr/>
-        </p:nvSpPr>
-        <p:spPr>
-          <a:xfrm>
-            <a:off x="-108520" y="1052736"/>
-            <a:ext cx="7200800" cy="360040"/>
-          </a:xfrm>
-          <a:prstGeom prst="roundRect">
-            <a:avLst/>
-          </a:prstGeom>
-          <a:noFill/>
-          <a:ln w="28575">
-            <a:solidFill>
-              <a:srgbClr val="FF0000"/>
-            </a:solidFill>
-          </a:ln>
-        </p:spPr>
-        <p:style>
-          <a:lnRef idx="2">
-            <a:schemeClr val="accent1">
-              <a:shade val="50000"/>
-            </a:schemeClr>
-          </a:lnRef>
-          <a:fillRef idx="1">
-            <a:schemeClr val="accent1"/>
-          </a:fillRef>
-          <a:effectRef idx="0">
-            <a:schemeClr val="accent1"/>
-          </a:effectRef>
-          <a:fontRef idx="minor">
-            <a:schemeClr val="lt1"/>
-          </a:fontRef>
-        </p:style>
-        <p:txBody>
-          <a:bodyPr rtlCol="0" anchor="ctr"/>
-          <a:lstStyle/>
-          <a:p>
-            <a:pPr algn="ctr"/>
-            <a:endParaRPr lang="pt-BR"/>
-          </a:p>
-        </p:txBody>
-      </p:sp>
-      <p:sp>
-        <p:nvSpPr>
-          <p:cNvPr id="7" name="Rounded Rectangle 6"/>
-          <p:cNvSpPr/>
-          <p:nvPr/>
-        </p:nvSpPr>
-        <p:spPr>
-          <a:xfrm>
-            <a:off x="4067944" y="2708920"/>
-            <a:ext cx="936104" cy="936104"/>
-          </a:xfrm>
-          <a:prstGeom prst="roundRect">
-            <a:avLst/>
-          </a:prstGeom>
-          <a:noFill/>
-          <a:ln w="28575">
-            <a:solidFill>
-              <a:srgbClr val="FF0000"/>
-            </a:solidFill>
-          </a:ln>
-        </p:spPr>
-        <p:style>
-          <a:lnRef idx="2">
-            <a:schemeClr val="accent1">
-              <a:shade val="50000"/>
-            </a:schemeClr>
-          </a:lnRef>
-          <a:fillRef idx="1">
-            <a:schemeClr val="accent1"/>
-          </a:fillRef>
-          <a:effectRef idx="0">
-            <a:schemeClr val="accent1"/>
-          </a:effectRef>
-          <a:fontRef idx="minor">
-            <a:schemeClr val="lt1"/>
-          </a:fontRef>
-        </p:style>
-        <p:txBody>
-          <a:bodyPr rtlCol="0" anchor="ctr"/>
-          <a:lstStyle/>
-          <a:p>
-            <a:pPr algn="ctr"/>
-            <a:endParaRPr lang="pt-BR"/>
-          </a:p>
-        </p:txBody>
-      </p:sp>
     </p:spTree>
     <p:extLst>
       <p:ext uri="{BB962C8B-B14F-4D97-AF65-F5344CB8AC3E}">
-        <p14:creationId xmlns:p14="http://schemas.microsoft.com/office/powerpoint/2010/main" val="4043478486"/>
+        <p14:creationId xmlns:p14="http://schemas.microsoft.com/office/powerpoint/2010/main" val="553590019"/>
       </p:ext>
     </p:extLst>
   </p:cSld>
@@ -5721,7 +6763,91 @@
       </p:grpSpPr>
       <p:sp>
         <p:nvSpPr>
-          <p:cNvPr id="3" name="Slide Number Placeholder 2"/>
+          <p:cNvPr id="2" name="Title 1"/>
+          <p:cNvSpPr>
+            <a:spLocks noGrp="1"/>
+          </p:cNvSpPr>
+          <p:nvPr>
+            <p:ph type="title"/>
+          </p:nvPr>
+        </p:nvSpPr>
+        <p:spPr/>
+        <p:txBody>
+          <a:bodyPr/>
+          <a:lstStyle/>
+          <a:p>
+            <a:r>
+              <a:rPr lang="pt-BR" dirty="0" smtClean="0"/>
+              <a:t>Sistema WebClínica</a:t>
+            </a:r>
+            <a:endParaRPr lang="pt-BR" dirty="0"/>
+          </a:p>
+        </p:txBody>
+      </p:sp>
+      <p:sp>
+        <p:nvSpPr>
+          <p:cNvPr id="3" name="Content Placeholder 2"/>
+          <p:cNvSpPr>
+            <a:spLocks noGrp="1"/>
+          </p:cNvSpPr>
+          <p:nvPr>
+            <p:ph idx="1"/>
+          </p:nvPr>
+        </p:nvSpPr>
+        <p:spPr>
+          <a:xfrm>
+            <a:off x="457200" y="1881336"/>
+            <a:ext cx="8229600" cy="4572000"/>
+          </a:xfrm>
+        </p:spPr>
+        <p:txBody>
+          <a:bodyPr/>
+          <a:lstStyle/>
+          <a:p>
+            <a:r>
+              <a:rPr lang="pt-BR" dirty="0" smtClean="0"/>
+              <a:t>Principais tecnologias e ferramentas:</a:t>
+            </a:r>
+          </a:p>
+          <a:p>
+            <a:pPr lvl="1"/>
+            <a:r>
+              <a:rPr lang="pt-BR" dirty="0" smtClean="0"/>
+              <a:t>Ruby on Rails</a:t>
+            </a:r>
+          </a:p>
+          <a:p>
+            <a:pPr lvl="1"/>
+            <a:r>
+              <a:rPr lang="pt-BR" dirty="0" smtClean="0"/>
+              <a:t>Javascript e JSON</a:t>
+            </a:r>
+          </a:p>
+          <a:p>
+            <a:pPr lvl="1"/>
+            <a:r>
+              <a:rPr lang="pt-BR" dirty="0" smtClean="0"/>
+              <a:t>MySQL</a:t>
+            </a:r>
+          </a:p>
+          <a:p>
+            <a:pPr marL="537210" lvl="1" indent="0">
+              <a:buNone/>
+            </a:pPr>
+            <a:endParaRPr lang="pt-BR" dirty="0"/>
+          </a:p>
+          <a:p>
+            <a:r>
+              <a:rPr lang="pt-BR" dirty="0" smtClean="0"/>
+              <a:t>Arquitetura da solução</a:t>
+            </a:r>
+            <a:endParaRPr lang="pt-BR" dirty="0"/>
+          </a:p>
+        </p:txBody>
+      </p:sp>
+      <p:sp>
+        <p:nvSpPr>
+          <p:cNvPr id="4" name="Slide Number Placeholder 3"/>
           <p:cNvSpPr>
             <a:spLocks noGrp="1"/>
           </p:cNvSpPr>
@@ -5742,49 +6868,10 @@
           </a:p>
         </p:txBody>
       </p:sp>
-      <p:pic>
-        <p:nvPicPr>
-          <p:cNvPr id="5" name="Picture 2" descr="E:\Tutti\Documents\Faculdade\TCC\Documentos\Projeto\DiagramaDeArquitetura.png"/>
-          <p:cNvPicPr>
-            <a:picLocks noChangeAspect="1" noChangeArrowheads="1"/>
-          </p:cNvPicPr>
-          <p:nvPr/>
-        </p:nvPicPr>
-        <p:blipFill rotWithShape="1">
-          <a:blip r:embed="rId3" cstate="print">
-            <a:extLst>
-              <a:ext uri="{28A0092B-C50C-407E-A947-70E740481C1C}">
-                <a14:useLocalDpi xmlns:a14="http://schemas.microsoft.com/office/drawing/2010/main" val="0"/>
-              </a:ext>
-            </a:extLst>
-          </a:blip>
-          <a:srcRect t="15314" r="24702" b="3438"/>
-          <a:stretch/>
-        </p:blipFill>
-        <p:spPr bwMode="auto">
-          <a:xfrm>
-            <a:off x="0" y="0"/>
-            <a:ext cx="9140285" cy="6858000"/>
-          </a:xfrm>
-          <a:prstGeom prst="rect">
-            <a:avLst/>
-          </a:prstGeom>
-          <a:noFill/>
-          <a:extLst>
-            <a:ext uri="{909E8E84-426E-40DD-AFC4-6F175D3DCCD1}">
-              <a14:hiddenFill xmlns:a14="http://schemas.microsoft.com/office/drawing/2010/main">
-                <a:solidFill>
-                  <a:srgbClr val="FFFFFF"/>
-                </a:solidFill>
-              </a14:hiddenFill>
-            </a:ext>
-          </a:extLst>
-        </p:spPr>
-      </p:pic>
     </p:spTree>
     <p:extLst>
       <p:ext uri="{BB962C8B-B14F-4D97-AF65-F5344CB8AC3E}">
-        <p14:creationId xmlns:p14="http://schemas.microsoft.com/office/powerpoint/2010/main" val="762005176"/>
+        <p14:creationId xmlns:p14="http://schemas.microsoft.com/office/powerpoint/2010/main" val="2906199176"/>
       </p:ext>
     </p:extLst>
   </p:cSld>
@@ -5820,26 +6907,7 @@
       </p:grpSpPr>
       <p:sp>
         <p:nvSpPr>
-          <p:cNvPr id="3" name="Title 2"/>
-          <p:cNvSpPr>
-            <a:spLocks noGrp="1"/>
-          </p:cNvSpPr>
-          <p:nvPr>
-            <p:ph type="title"/>
-          </p:nvPr>
-        </p:nvSpPr>
-        <p:spPr/>
-        <p:txBody>
-          <a:bodyPr/>
-          <a:lstStyle/>
-          <a:p>
-            <a:endParaRPr lang="pt-BR" dirty="0"/>
-          </a:p>
-        </p:txBody>
-      </p:sp>
-      <p:sp>
-        <p:nvSpPr>
-          <p:cNvPr id="7" name="Slide Number Placeholder 6"/>
+          <p:cNvPr id="4" name="Slide Number Placeholder 3"/>
           <p:cNvSpPr>
             <a:spLocks noGrp="1"/>
           </p:cNvSpPr>
@@ -5860,29 +6928,40 @@
           </a:p>
         </p:txBody>
       </p:sp>
-      <p:sp>
-        <p:nvSpPr>
-          <p:cNvPr id="2" name="Content Placeholder 1"/>
-          <p:cNvSpPr>
-            <a:spLocks noGrp="1"/>
-          </p:cNvSpPr>
-          <p:nvPr>
-            <p:ph idx="1"/>
-          </p:nvPr>
-        </p:nvSpPr>
-        <p:spPr/>
-        <p:txBody>
-          <a:bodyPr/>
-          <a:lstStyle/>
-          <a:p>
-            <a:endParaRPr lang="pt-BR"/>
-          </a:p>
-        </p:txBody>
-      </p:sp>
+      <p:pic>
+        <p:nvPicPr>
+          <p:cNvPr id="5" name="Picture 4"/>
+          <p:cNvPicPr>
+            <a:picLocks noChangeAspect="1"/>
+          </p:cNvPicPr>
+          <p:nvPr/>
+        </p:nvPicPr>
+        <p:blipFill>
+          <a:blip r:embed="rId3">
+            <a:extLst>
+              <a:ext uri="{28A0092B-C50C-407E-A947-70E740481C1C}">
+                <a14:useLocalDpi xmlns:a14="http://schemas.microsoft.com/office/drawing/2010/main" val="0"/>
+              </a:ext>
+            </a:extLst>
+          </a:blip>
+          <a:stretch>
+            <a:fillRect/>
+          </a:stretch>
+        </p:blipFill>
+        <p:spPr>
+          <a:xfrm>
+            <a:off x="162590" y="214781"/>
+            <a:ext cx="8873906" cy="6238555"/>
+          </a:xfrm>
+          <a:prstGeom prst="rect">
+            <a:avLst/>
+          </a:prstGeom>
+        </p:spPr>
+      </p:pic>
     </p:spTree>
     <p:extLst>
       <p:ext uri="{BB962C8B-B14F-4D97-AF65-F5344CB8AC3E}">
-        <p14:creationId xmlns:p14="http://schemas.microsoft.com/office/powerpoint/2010/main" val="4020307150"/>
+        <p14:creationId xmlns:p14="http://schemas.microsoft.com/office/powerpoint/2010/main" val="87366399"/>
       </p:ext>
     </p:extLst>
   </p:cSld>
@@ -5899,8 +6978,157 @@
 </p:sld>
 </file>
 
+<file path=ppt/slides/slide9.xml><?xml version="1.0" encoding="utf-8"?>
+<p:sld xmlns:a="http://schemas.openxmlformats.org/drawingml/2006/main" xmlns:r="http://schemas.openxmlformats.org/officeDocument/2006/relationships" xmlns:p="http://schemas.openxmlformats.org/presentationml/2006/main">
+  <p:cSld>
+    <p:spTree>
+      <p:nvGrpSpPr>
+        <p:cNvPr id="1" name=""/>
+        <p:cNvGrpSpPr/>
+        <p:nvPr/>
+      </p:nvGrpSpPr>
+      <p:grpSpPr>
+        <a:xfrm>
+          <a:off x="0" y="0"/>
+          <a:ext cx="0" cy="0"/>
+          <a:chOff x="0" y="0"/>
+          <a:chExt cx="0" cy="0"/>
+        </a:xfrm>
+      </p:grpSpPr>
+      <p:sp>
+        <p:nvSpPr>
+          <p:cNvPr id="2" name="Title 1"/>
+          <p:cNvSpPr>
+            <a:spLocks noGrp="1"/>
+          </p:cNvSpPr>
+          <p:nvPr>
+            <p:ph type="title"/>
+          </p:nvPr>
+        </p:nvSpPr>
+        <p:spPr/>
+        <p:txBody>
+          <a:bodyPr/>
+          <a:lstStyle/>
+          <a:p>
+            <a:r>
+              <a:rPr lang="pt-BR" dirty="0" smtClean="0"/>
+              <a:t>Sistema WebClínica</a:t>
+            </a:r>
+            <a:endParaRPr lang="pt-BR" dirty="0"/>
+          </a:p>
+        </p:txBody>
+      </p:sp>
+      <p:sp>
+        <p:nvSpPr>
+          <p:cNvPr id="3" name="Content Placeholder 2"/>
+          <p:cNvSpPr>
+            <a:spLocks noGrp="1"/>
+          </p:cNvSpPr>
+          <p:nvPr>
+            <p:ph idx="1"/>
+          </p:nvPr>
+        </p:nvSpPr>
+        <p:spPr>
+          <a:xfrm>
+            <a:off x="395536" y="1882808"/>
+            <a:ext cx="8496944" cy="4572000"/>
+          </a:xfrm>
+        </p:spPr>
+        <p:txBody>
+          <a:bodyPr/>
+          <a:lstStyle/>
+          <a:p>
+            <a:r>
+              <a:rPr lang="pt-BR" dirty="0" smtClean="0"/>
+              <a:t>Aspectos de inovação e aprimoramento</a:t>
+            </a:r>
+          </a:p>
+          <a:p>
+            <a:pPr lvl="1"/>
+            <a:r>
+              <a:rPr lang="pt-BR" dirty="0" smtClean="0"/>
+              <a:t>Controle de versões e backup</a:t>
+            </a:r>
+          </a:p>
+          <a:p>
+            <a:pPr lvl="1"/>
+            <a:r>
+              <a:rPr lang="pt-BR" dirty="0" smtClean="0"/>
+              <a:t>Plataforma Web</a:t>
+            </a:r>
+          </a:p>
+          <a:p>
+            <a:pPr lvl="1"/>
+            <a:r>
+              <a:rPr lang="pt-BR" dirty="0" smtClean="0"/>
+              <a:t>Multiperfil</a:t>
+            </a:r>
+          </a:p>
+          <a:p>
+            <a:pPr lvl="1"/>
+            <a:r>
+              <a:rPr lang="pt-BR" dirty="0" smtClean="0"/>
+              <a:t>Geração de arquivos PDF, XLS e XLSX, incluindo exportação de gráficos</a:t>
+            </a:r>
+          </a:p>
+          <a:p>
+            <a:pPr lvl="1"/>
+            <a:r>
+              <a:rPr lang="pt-BR" dirty="0" smtClean="0"/>
+              <a:t>Integração com API Google Charts</a:t>
+            </a:r>
+          </a:p>
+          <a:p>
+            <a:pPr lvl="1"/>
+            <a:r>
+              <a:rPr lang="pt-BR" b="1" dirty="0" smtClean="0"/>
+              <a:t>Busca inteligente de nomes</a:t>
+            </a:r>
+          </a:p>
+          <a:p>
+            <a:pPr lvl="1"/>
+            <a:endParaRPr lang="pt-BR" dirty="0"/>
+          </a:p>
+        </p:txBody>
+      </p:sp>
+      <p:sp>
+        <p:nvSpPr>
+          <p:cNvPr id="4" name="Slide Number Placeholder 3"/>
+          <p:cNvSpPr>
+            <a:spLocks noGrp="1"/>
+          </p:cNvSpPr>
+          <p:nvPr>
+            <p:ph type="sldNum" sz="quarter" idx="12"/>
+          </p:nvPr>
+        </p:nvSpPr>
+        <p:spPr/>
+        <p:txBody>
+          <a:bodyPr/>
+          <a:lstStyle/>
+          <a:p>
+            <a:fld id="{913D6293-DBA6-4239-BE1C-6787D265FAC0}" type="slidenum">
+              <a:rPr lang="pt-BR" smtClean="0"/>
+              <a:t>9</a:t>
+            </a:fld>
+            <a:endParaRPr lang="pt-BR"/>
+          </a:p>
+        </p:txBody>
+      </p:sp>
+    </p:spTree>
+    <p:extLst>
+      <p:ext uri="{BB962C8B-B14F-4D97-AF65-F5344CB8AC3E}">
+        <p14:creationId xmlns:p14="http://schemas.microsoft.com/office/powerpoint/2010/main" val="1409254579"/>
+      </p:ext>
+    </p:extLst>
+  </p:cSld>
+  <p:clrMapOvr>
+    <a:masterClrMapping/>
+  </p:clrMapOvr>
+</p:sld>
+</file>
+
 <file path=ppt/theme/theme1.xml><?xml version="1.0" encoding="utf-8"?>
-<a:theme xmlns:a="http://schemas.openxmlformats.org/drawingml/2006/main" name="Technic">
+<a:theme xmlns:a="http://schemas.openxmlformats.org/drawingml/2006/main" name="Verve">
   <a:themeElements>
     <a:clrScheme name="Technic">
       <a:dk1>
@@ -5940,18 +7168,18 @@
         <a:srgbClr val="A116E0"/>
       </a:folHlink>
     </a:clrScheme>
-    <a:fontScheme name="Technic">
+    <a:fontScheme name="Verve">
       <a:majorFont>
-        <a:latin typeface="Franklin Gothic Book"/>
+        <a:latin typeface="Century Gothic"/>
         <a:ea typeface=""/>
         <a:cs typeface=""/>
-        <a:font script="Jpan" typeface="ＭＳ Ｐゴシック"/>
-        <a:font script="Hang" typeface="HY견고딕"/>
-        <a:font script="Hans" typeface="宋体"/>
+        <a:font script="Jpan" typeface="HGｺﾞｼｯｸM"/>
+        <a:font script="Hang" typeface="HY중고딕"/>
+        <a:font script="Hans" typeface="幼圆"/>
         <a:font script="Hant" typeface="微軟正黑體"/>
         <a:font script="Arab" typeface="Tahoma"/>
-        <a:font script="Hebr" typeface="Arial"/>
-        <a:font script="Thai" typeface="Cordia New"/>
+        <a:font script="Hebr" typeface="Gisha"/>
+        <a:font script="Thai" typeface="DilleniaUPC"/>
         <a:font script="Ethi" typeface="Nyala"/>
         <a:font script="Beng" typeface="Vrinda"/>
         <a:font script="Gujr" typeface="Shruti"/>
@@ -5972,21 +7200,21 @@
         <a:font script="Laoo" typeface="DokChampa"/>
         <a:font script="Sinh" typeface="Iskoola Pota"/>
         <a:font script="Mong" typeface="Mongolian Baiti"/>
-        <a:font script="Viet" typeface="Arial"/>
+        <a:font script="Viet" typeface="Tahoma"/>
         <a:font script="Uigh" typeface="Microsoft Uighur"/>
         <a:font script="Geor" typeface="Sylfaen"/>
       </a:majorFont>
       <a:minorFont>
-        <a:latin typeface="Arial"/>
+        <a:latin typeface="Century Gothic"/>
         <a:ea typeface=""/>
         <a:cs typeface=""/>
-        <a:font script="Jpan" typeface="HGｺﾞｼｯｸM"/>
+        <a:font script="Jpan" typeface="ＭＳ ゴシック"/>
         <a:font script="Hang" typeface="HY중고딕"/>
-        <a:font script="Hans" typeface="黑体"/>
+        <a:font script="Hans" typeface="幼圆"/>
         <a:font script="Hant" typeface="微軟正黑體"/>
         <a:font script="Arab" typeface="Tahoma"/>
-        <a:font script="Hebr" typeface="Levenim MT"/>
-        <a:font script="Thai" typeface="LilyUPC"/>
+        <a:font script="Hebr" typeface="Gisha"/>
+        <a:font script="Thai" typeface="DilleniaUPC"/>
         <a:font script="Ethi" typeface="Nyala"/>
         <a:font script="Beng" typeface="Vrinda"/>
         <a:font script="Gujr" typeface="Shruti"/>
@@ -6007,12 +7235,12 @@
         <a:font script="Laoo" typeface="DokChampa"/>
         <a:font script="Sinh" typeface="Iskoola Pota"/>
         <a:font script="Mong" typeface="Mongolian Baiti"/>
-        <a:font script="Viet" typeface="Arial"/>
+        <a:font script="Viet" typeface="Verdana"/>
         <a:font script="Uigh" typeface="Microsoft Uighur"/>
         <a:font script="Geor" typeface="Sylfaen"/>
       </a:minorFont>
     </a:fontScheme>
-    <a:fmtScheme name="Technic">
+    <a:fmtScheme name="Verve">
       <a:fillStyleLst>
         <a:solidFill>
           <a:schemeClr val="phClr"/>
@@ -6021,99 +7249,69 @@
           <a:gsLst>
             <a:gs pos="0">
               <a:schemeClr val="phClr">
-                <a:tint val="1000"/>
+                <a:tint val="10000"/>
+                <a:satMod val="300000"/>
               </a:schemeClr>
             </a:gs>
-            <a:gs pos="68000">
+            <a:gs pos="34000">
               <a:schemeClr val="phClr">
-                <a:tint val="77000"/>
-              </a:schemeClr>
-            </a:gs>
-            <a:gs pos="81000">
-              <a:schemeClr val="phClr">
-                <a:tint val="79000"/>
-              </a:schemeClr>
-            </a:gs>
-            <a:gs pos="86000">
-              <a:schemeClr val="phClr">
-                <a:tint val="73000"/>
+                <a:tint val="13500"/>
+                <a:satMod val="250000"/>
               </a:schemeClr>
             </a:gs>
             <a:gs pos="100000">
               <a:schemeClr val="phClr">
-                <a:tint val="35000"/>
+                <a:tint val="60000"/>
+                <a:satMod val="200000"/>
               </a:schemeClr>
             </a:gs>
           </a:gsLst>
-          <a:lin ang="5400000" scaled="1"/>
+          <a:path path="circle">
+            <a:fillToRect l="50000" t="155000" r="50000" b="-55000"/>
+          </a:path>
         </a:gradFill>
         <a:gradFill rotWithShape="1">
           <a:gsLst>
             <a:gs pos="0">
               <a:schemeClr val="phClr">
-                <a:tint val="73000"/>
-                <a:satMod val="150000"/>
+                <a:tint val="60000"/>
+                <a:satMod val="160000"/>
               </a:schemeClr>
             </a:gs>
-            <a:gs pos="25000">
+            <a:gs pos="46000">
               <a:schemeClr val="phClr">
-                <a:tint val="96000"/>
-                <a:shade val="80000"/>
-                <a:satMod val="105000"/>
-              </a:schemeClr>
-            </a:gs>
-            <a:gs pos="38000">
-              <a:schemeClr val="phClr">
-                <a:tint val="96000"/>
-                <a:shade val="59000"/>
-                <a:satMod val="120000"/>
-              </a:schemeClr>
-            </a:gs>
-            <a:gs pos="55000">
-              <a:schemeClr val="phClr">
-                <a:shade val="57000"/>
-                <a:satMod val="120000"/>
-              </a:schemeClr>
-            </a:gs>
-            <a:gs pos="80000">
-              <a:schemeClr val="phClr">
-                <a:shade val="56000"/>
-                <a:satMod val="145000"/>
-              </a:schemeClr>
-            </a:gs>
-            <a:gs pos="88000">
-              <a:schemeClr val="phClr">
-                <a:shade val="63000"/>
+                <a:tint val="86000"/>
                 <a:satMod val="160000"/>
               </a:schemeClr>
             </a:gs>
             <a:gs pos="100000">
               <a:schemeClr val="phClr">
-                <a:tint val="99555"/>
-                <a:satMod val="155000"/>
+                <a:shade val="40000"/>
+                <a:satMod val="160000"/>
               </a:schemeClr>
             </a:gs>
           </a:gsLst>
-          <a:lin ang="5400000" scaled="1"/>
+          <a:path path="circle">
+            <a:fillToRect l="50000" t="155000" r="50000" b="-55000"/>
+          </a:path>
         </a:gradFill>
       </a:fillStyleLst>
       <a:lnStyleLst>
         <a:ln w="9525" cap="flat" cmpd="sng" algn="ctr">
           <a:solidFill>
             <a:schemeClr val="phClr">
-              <a:shade val="60000"/>
-              <a:satMod val="300000"/>
+              <a:satMod val="120000"/>
             </a:schemeClr>
           </a:solidFill>
           <a:prstDash val="solid"/>
         </a:ln>
-        <a:ln w="19050" cap="flat" cmpd="sng" algn="ctr">
+        <a:ln w="25400" cap="flat" cmpd="sng" algn="ctr">
           <a:solidFill>
             <a:schemeClr val="phClr"/>
           </a:solidFill>
           <a:prstDash val="solid"/>
         </a:ln>
-        <a:ln w="19050" cap="flat" cmpd="sng" algn="ctr">
+        <a:ln w="38100" cap="flat" cmpd="sng" algn="ctr">
           <a:solidFill>
             <a:schemeClr val="phClr"/>
           </a:solidFill>
@@ -6123,54 +7321,42 @@
       <a:effectStyleLst>
         <a:effectStyle>
           <a:effectLst>
-            <a:glow rad="63500">
-              <a:schemeClr val="phClr">
-                <a:tint val="30000"/>
-                <a:shade val="95000"/>
-                <a:satMod val="300000"/>
+            <a:outerShdw blurRad="63500" dist="25400" dir="14700000" algn="t" rotWithShape="0">
+              <a:srgbClr val="000000">
                 <a:alpha val="50000"/>
-              </a:schemeClr>
-            </a:glow>
+              </a:srgbClr>
+            </a:outerShdw>
           </a:effectLst>
         </a:effectStyle>
         <a:effectStyle>
           <a:effectLst>
-            <a:glow rad="70000">
-              <a:schemeClr val="phClr">
-                <a:tint val="30000"/>
-                <a:shade val="95000"/>
-                <a:satMod val="300000"/>
-                <a:alpha val="50000"/>
-              </a:schemeClr>
-            </a:glow>
+            <a:outerShdw blurRad="50800" dist="38100" dir="14700000" algn="t" rotWithShape="0">
+              <a:srgbClr val="000000">
+                <a:alpha val="60000"/>
+              </a:srgbClr>
+            </a:outerShdw>
           </a:effectLst>
         </a:effectStyle>
         <a:effectStyle>
           <a:effectLst>
-            <a:glow rad="76200">
-              <a:schemeClr val="phClr">
-                <a:tint val="30000"/>
-                <a:shade val="95000"/>
-                <a:satMod val="300000"/>
-                <a:alpha val="50000"/>
-              </a:schemeClr>
-            </a:glow>
+            <a:outerShdw blurRad="50800" dist="38100" dir="14700000" algn="t" rotWithShape="0">
+              <a:srgbClr val="000000">
+                <a:alpha val="60000"/>
+              </a:srgbClr>
+            </a:outerShdw>
           </a:effectLst>
           <a:scene3d>
             <a:camera prst="orthographicFront" fov="0">
               <a:rot lat="0" lon="0" rev="0"/>
             </a:camera>
-            <a:lightRig rig="harsh" dir="t">
-              <a:rot lat="6000000" lon="6000000" rev="0"/>
+            <a:lightRig rig="contrasting" dir="t">
+              <a:rot lat="0" lon="0" rev="3600000"/>
             </a:lightRig>
           </a:scene3d>
-          <a:sp3d contourW="10000" prstMaterial="metal">
-            <a:bevelT w="20000" h="9000" prst="softRound"/>
+          <a:sp3d prstMaterial="plastic">
+            <a:bevelT w="127000" h="38200" prst="relaxedInset"/>
             <a:contourClr>
-              <a:schemeClr val="phClr">
-                <a:shade val="30000"/>
-                <a:satMod val="200000"/>
-              </a:schemeClr>
+              <a:schemeClr val="phClr"/>
             </a:contourClr>
           </a:sp3d>
         </a:effectStyle>
@@ -6183,44 +7369,40 @@
           <a:gsLst>
             <a:gs pos="0">
               <a:schemeClr val="phClr">
-                <a:shade val="40000"/>
-                <a:satMod val="150000"/>
+                <a:shade val="48000"/>
+                <a:satMod val="230000"/>
               </a:schemeClr>
             </a:gs>
-            <a:gs pos="30000">
+            <a:gs pos="60000">
               <a:schemeClr val="phClr">
-                <a:shade val="60000"/>
-                <a:satMod val="150000"/>
+                <a:shade val="92000"/>
+                <a:satMod val="230000"/>
               </a:schemeClr>
             </a:gs>
             <a:gs pos="100000">
               <a:schemeClr val="phClr">
-                <a:tint val="83000"/>
-                <a:satMod val="200000"/>
+                <a:tint val="85000"/>
+                <a:satMod val="400000"/>
               </a:schemeClr>
             </a:gs>
           </a:gsLst>
-          <a:lin ang="13000000" scaled="0"/>
+          <a:lin ang="5400000" scaled="0"/>
         </a:gradFill>
-        <a:gradFill rotWithShape="1">
-          <a:gsLst>
-            <a:gs pos="0">
+        <a:blipFill>
+          <a:blip xmlns:r="http://schemas.openxmlformats.org/officeDocument/2006/relationships" r:embed="rId1">
+            <a:duotone>
               <a:schemeClr val="phClr">
-                <a:tint val="78000"/>
-                <a:satMod val="220000"/>
+                <a:shade val="1200"/>
+                <a:satMod val="150000"/>
               </a:schemeClr>
-            </a:gs>
-            <a:gs pos="100000">
               <a:schemeClr val="phClr">
-                <a:shade val="35000"/>
-                <a:satMod val="155000"/>
+                <a:tint val="90000"/>
+                <a:satMod val="150000"/>
               </a:schemeClr>
-            </a:gs>
-          </a:gsLst>
-          <a:path path="circle">
-            <a:fillToRect l="60000" t="50000" r="40000" b="50000"/>
-          </a:path>
-        </a:gradFill>
+            </a:duotone>
+          </a:blip>
+          <a:tile tx="0" ty="0" sx="70000" sy="70000" flip="none" algn="tl"/>
+        </a:blipFill>
       </a:bgFillStyleLst>
     </a:fmtScheme>
   </a:themeElements>
